--- a/Dokumentation/Datenflussdiagramm.pptx
+++ b/Dokumentation/Datenflussdiagramm.pptx
@@ -104,6 +104,11 @@
       </a:defRPr>
     </a:lvl9pPr>
   </p:defaultTextStyle>
+  <p:extLst>
+    <p:ext uri="{EFAFB233-063F-42B5-8137-9DF3F51BA10A}">
+      <p15:sldGuideLst xmlns:p15="http://schemas.microsoft.com/office/powerpoint/2012/main"/>
+    </p:ext>
+  </p:extLst>
 </p:presentation>
 </file>
 
@@ -3771,7 +3776,7 @@
             <a:pPr algn="ctr"/>
             <a:r>
               <a:rPr lang="de-DE" sz="1050" dirty="0"/>
-              <a:t>Export</a:t>
+              <a:t>Import</a:t>
             </a:r>
           </a:p>
         </p:txBody>
@@ -3822,42 +3827,6 @@
           </a:p>
         </p:txBody>
       </p:sp>
-      <p:pic>
-        <p:nvPicPr>
-          <p:cNvPr id="20" name="Grafik 19" descr="Ein Bild, das Text, Visitenkarte enthält.&#10;&#10;Automatisch generierte Beschreibung">
-            <a:extLst>
-              <a:ext uri="{FF2B5EF4-FFF2-40B4-BE49-F238E27FC236}">
-                <a16:creationId xmlns:a16="http://schemas.microsoft.com/office/drawing/2014/main" id="{9157EA67-431B-F222-9336-3AF134E6F562}"/>
-              </a:ext>
-            </a:extLst>
-          </p:cNvPr>
-          <p:cNvPicPr>
-            <a:picLocks noChangeAspect="1"/>
-          </p:cNvPicPr>
-          <p:nvPr/>
-        </p:nvPicPr>
-        <p:blipFill>
-          <a:blip r:embed="rId4">
-            <a:extLst>
-              <a:ext uri="{28A0092B-C50C-407E-A947-70E740481C1C}">
-                <a14:useLocalDpi xmlns:a14="http://schemas.microsoft.com/office/drawing/2010/main" val="0"/>
-              </a:ext>
-            </a:extLst>
-          </a:blip>
-          <a:stretch>
-            <a:fillRect/>
-          </a:stretch>
-        </p:blipFill>
-        <p:spPr>
-          <a:xfrm>
-            <a:off x="3388622" y="630509"/>
-            <a:ext cx="700805" cy="667288"/>
-          </a:xfrm>
-          <a:prstGeom prst="rect">
-            <a:avLst/>
-          </a:prstGeom>
-        </p:spPr>
-      </p:pic>
       <p:sp>
         <p:nvSpPr>
           <p:cNvPr id="21" name="Rechteck 20">
@@ -3969,7 +3938,7 @@
           <p:nvPr/>
         </p:nvPicPr>
         <p:blipFill>
-          <a:blip r:embed="rId5">
+          <a:blip r:embed="rId4">
             <a:extLst>
               <a:ext uri="{28A0092B-C50C-407E-A947-70E740481C1C}">
                 <a14:useLocalDpi xmlns:a14="http://schemas.microsoft.com/office/drawing/2010/main" val="0"/>
@@ -4005,13 +3974,13 @@
           <p:nvPr/>
         </p:nvPicPr>
         <p:blipFill>
-          <a:blip r:embed="rId6">
+          <a:blip r:embed="rId5">
             <a:extLst>
               <a:ext uri="{28A0092B-C50C-407E-A947-70E740481C1C}">
                 <a14:useLocalDpi xmlns:a14="http://schemas.microsoft.com/office/drawing/2010/main" val="0"/>
               </a:ext>
               <a:ext uri="{96DAC541-7B7A-43D3-8B79-37D633B846F1}">
-                <asvg:svgBlip xmlns:asvg="http://schemas.microsoft.com/office/drawing/2016/SVG/main" r:embed="rId7"/>
+                <asvg:svgBlip xmlns:asvg="http://schemas.microsoft.com/office/drawing/2016/SVG/main" r:embed="rId6"/>
               </a:ext>
             </a:extLst>
           </a:blip>
@@ -4133,7 +4102,7 @@
         <p:spPr>
           <a:xfrm>
             <a:off x="6034492" y="3687055"/>
-            <a:ext cx="2143125" cy="511503"/>
+            <a:ext cx="2194029" cy="511503"/>
           </a:xfrm>
           <a:prstGeom prst="rect">
             <a:avLst/>
@@ -4179,45 +4148,27 @@
               <a:buChar char="•"/>
             </a:pPr>
             <a:r>
-              <a:rPr lang="de-DE" sz="1050" dirty="0" err="1">
-                <a:solidFill>
-                  <a:schemeClr val="tx1"/>
-                </a:solidFill>
-              </a:rPr>
-              <a:t>Pseudonomisieren</a:t>
-            </a:r>
-            <a:endParaRPr lang="de-DE" sz="1050" dirty="0">
-              <a:solidFill>
-                <a:schemeClr val="tx1"/>
-              </a:solidFill>
-            </a:endParaRPr>
-          </a:p>
-          <a:p>
-            <a:pPr marL="285750" indent="-285750">
-              <a:buFont typeface="Arial" panose="020B0604020202020204" pitchFamily="34" charset="0"/>
-              <a:buChar char="•"/>
-            </a:pPr>
-            <a:r>
               <a:rPr lang="de-DE" sz="1050" dirty="0">
                 <a:solidFill>
                   <a:schemeClr val="tx1"/>
                 </a:solidFill>
               </a:rPr>
-              <a:t>In Sternschema </a:t>
-            </a:r>
-            <a:r>
-              <a:rPr lang="de-DE" sz="1050" dirty="0" err="1">
+              <a:t>Pseudonymisieren</a:t>
+            </a:r>
+          </a:p>
+          <a:p>
+            <a:pPr marL="285750" indent="-285750">
+              <a:buFont typeface="Arial" panose="020B0604020202020204" pitchFamily="34" charset="0"/>
+              <a:buChar char="•"/>
+            </a:pPr>
+            <a:r>
+              <a:rPr lang="de-DE" sz="1050" dirty="0">
                 <a:solidFill>
                   <a:schemeClr val="tx1"/>
                 </a:solidFill>
               </a:rPr>
-              <a:t>transfomieren</a:t>
-            </a:r>
-            <a:endParaRPr lang="de-DE" sz="1050" dirty="0">
-              <a:solidFill>
-                <a:schemeClr val="tx1"/>
-              </a:solidFill>
-            </a:endParaRPr>
+              <a:t>In Sternschema transformieren</a:t>
+            </a:r>
           </a:p>
         </p:txBody>
       </p:sp>
@@ -4236,7 +4187,7 @@
         <p:spPr>
           <a:xfrm>
             <a:off x="6034492" y="3463934"/>
-            <a:ext cx="2143125" cy="223121"/>
+            <a:ext cx="2194029" cy="223121"/>
           </a:xfrm>
           <a:prstGeom prst="rect">
             <a:avLst/>
@@ -4285,13 +4236,13 @@
           <p:nvPr/>
         </p:nvPicPr>
         <p:blipFill>
-          <a:blip r:embed="rId6">
+          <a:blip r:embed="rId5">
             <a:extLst>
               <a:ext uri="{28A0092B-C50C-407E-A947-70E740481C1C}">
                 <a14:useLocalDpi xmlns:a14="http://schemas.microsoft.com/office/drawing/2010/main" val="0"/>
               </a:ext>
               <a:ext uri="{96DAC541-7B7A-43D3-8B79-37D633B846F1}">
-                <asvg:svgBlip xmlns:asvg="http://schemas.microsoft.com/office/drawing/2016/SVG/main" r:embed="rId7"/>
+                <asvg:svgBlip xmlns:asvg="http://schemas.microsoft.com/office/drawing/2016/SVG/main" r:embed="rId6"/>
               </a:ext>
             </a:extLst>
           </a:blip>
@@ -4451,7 +4402,7 @@
         </p:nvSpPr>
         <p:spPr>
           <a:xfrm rot="5400000">
-            <a:off x="6730555" y="3040363"/>
+            <a:off x="6751724" y="3030979"/>
             <a:ext cx="708658" cy="146737"/>
           </a:xfrm>
           <a:prstGeom prst="rightArrow">
@@ -4630,13 +4581,13 @@
           <p:nvPr/>
         </p:nvPicPr>
         <p:blipFill>
-          <a:blip r:embed="rId8">
+          <a:blip r:embed="rId7">
             <a:extLst>
               <a:ext uri="{28A0092B-C50C-407E-A947-70E740481C1C}">
                 <a14:useLocalDpi xmlns:a14="http://schemas.microsoft.com/office/drawing/2010/main" val="0"/>
               </a:ext>
               <a:ext uri="{96DAC541-7B7A-43D3-8B79-37D633B846F1}">
-                <asvg:svgBlip xmlns:asvg="http://schemas.microsoft.com/office/drawing/2016/SVG/main" r:embed="rId9"/>
+                <asvg:svgBlip xmlns:asvg="http://schemas.microsoft.com/office/drawing/2016/SVG/main" r:embed="rId8"/>
               </a:ext>
             </a:extLst>
           </a:blip>
@@ -4669,13 +4620,13 @@
           <p:nvPr/>
         </p:nvPicPr>
         <p:blipFill>
-          <a:blip r:embed="rId10">
+          <a:blip r:embed="rId9">
             <a:extLst>
               <a:ext uri="{28A0092B-C50C-407E-A947-70E740481C1C}">
                 <a14:useLocalDpi xmlns:a14="http://schemas.microsoft.com/office/drawing/2010/main" val="0"/>
               </a:ext>
               <a:ext uri="{96DAC541-7B7A-43D3-8B79-37D633B846F1}">
-                <asvg:svgBlip xmlns:asvg="http://schemas.microsoft.com/office/drawing/2016/SVG/main" r:embed="rId11"/>
+                <asvg:svgBlip xmlns:asvg="http://schemas.microsoft.com/office/drawing/2016/SVG/main" r:embed="rId10"/>
               </a:ext>
             </a:extLst>
           </a:blip>
@@ -4708,13 +4659,13 @@
           <p:nvPr/>
         </p:nvPicPr>
         <p:blipFill>
-          <a:blip r:embed="rId12">
+          <a:blip r:embed="rId11">
             <a:extLst>
               <a:ext uri="{28A0092B-C50C-407E-A947-70E740481C1C}">
                 <a14:useLocalDpi xmlns:a14="http://schemas.microsoft.com/office/drawing/2010/main" val="0"/>
               </a:ext>
               <a:ext uri="{96DAC541-7B7A-43D3-8B79-37D633B846F1}">
-                <asvg:svgBlip xmlns:asvg="http://schemas.microsoft.com/office/drawing/2016/SVG/main" r:embed="rId13"/>
+                <asvg:svgBlip xmlns:asvg="http://schemas.microsoft.com/office/drawing/2016/SVG/main" r:embed="rId12"/>
               </a:ext>
             </a:extLst>
           </a:blip>
@@ -4793,13 +4744,13 @@
           <p:nvPr/>
         </p:nvPicPr>
         <p:blipFill>
-          <a:blip r:embed="rId6">
+          <a:blip r:embed="rId5">
             <a:extLst>
               <a:ext uri="{28A0092B-C50C-407E-A947-70E740481C1C}">
                 <a14:useLocalDpi xmlns:a14="http://schemas.microsoft.com/office/drawing/2010/main" val="0"/>
               </a:ext>
               <a:ext uri="{96DAC541-7B7A-43D3-8B79-37D633B846F1}">
-                <asvg:svgBlip xmlns:asvg="http://schemas.microsoft.com/office/drawing/2016/SVG/main" r:embed="rId7"/>
+                <asvg:svgBlip xmlns:asvg="http://schemas.microsoft.com/office/drawing/2016/SVG/main" r:embed="rId6"/>
               </a:ext>
             </a:extLst>
           </a:blip>
@@ -4859,6 +4810,42 @@
             <a:extLst>
               <a:ext uri="{FF2B5EF4-FFF2-40B4-BE49-F238E27FC236}">
                 <a16:creationId xmlns:a16="http://schemas.microsoft.com/office/drawing/2014/main" id="{F44728A7-404E-DB30-AAF8-FD206A627CCA}"/>
+              </a:ext>
+            </a:extLst>
+          </p:cNvPr>
+          <p:cNvPicPr>
+            <a:picLocks noChangeAspect="1"/>
+          </p:cNvPicPr>
+          <p:nvPr/>
+        </p:nvPicPr>
+        <p:blipFill>
+          <a:blip r:embed="rId13">
+            <a:extLst>
+              <a:ext uri="{28A0092B-C50C-407E-A947-70E740481C1C}">
+                <a14:useLocalDpi xmlns:a14="http://schemas.microsoft.com/office/drawing/2010/main" val="0"/>
+              </a:ext>
+            </a:extLst>
+          </a:blip>
+          <a:stretch>
+            <a:fillRect/>
+          </a:stretch>
+        </p:blipFill>
+        <p:spPr>
+          <a:xfrm>
+            <a:off x="9131402" y="5641133"/>
+            <a:ext cx="1159412" cy="445189"/>
+          </a:xfrm>
+          <a:prstGeom prst="rect">
+            <a:avLst/>
+          </a:prstGeom>
+        </p:spPr>
+      </p:pic>
+      <p:pic>
+        <p:nvPicPr>
+          <p:cNvPr id="24" name="Grafik 23" descr="Ein Bild, das Visitenkarte, Vektorgrafiken enthält.&#10;&#10;Automatisch generierte Beschreibung">
+            <a:extLst>
+              <a:ext uri="{FF2B5EF4-FFF2-40B4-BE49-F238E27FC236}">
+                <a16:creationId xmlns:a16="http://schemas.microsoft.com/office/drawing/2014/main" id="{D8E1CDB3-3020-B79C-5D57-EB7F2F06B193}"/>
               </a:ext>
             </a:extLst>
           </p:cNvPr>
@@ -4881,8 +4868,8 @@
         </p:blipFill>
         <p:spPr>
           <a:xfrm>
-            <a:off x="9141562" y="5691933"/>
-            <a:ext cx="1159412" cy="445189"/>
+            <a:off x="3463206" y="655350"/>
+            <a:ext cx="636289" cy="636289"/>
           </a:xfrm>
           <a:prstGeom prst="rect">
             <a:avLst/>

--- a/Dokumentation/Datenflussdiagramm.pptx
+++ b/Dokumentation/Datenflussdiagramm.pptx
@@ -5,7 +5,8 @@
     <p:sldMasterId id="2147483648" r:id="rId1"/>
   </p:sldMasterIdLst>
   <p:sldIdLst>
-    <p:sldId id="257" r:id="rId2"/>
+    <p:sldId id="256" r:id="rId2"/>
+    <p:sldId id="257" r:id="rId3"/>
   </p:sldIdLst>
   <p:sldSz cx="12192000" cy="6858000"/>
   <p:notesSz cx="6858000" cy="9144000"/>
@@ -134,7 +135,7 @@
           <p:cNvPr id="2" name="Titel 1">
             <a:extLst>
               <a:ext uri="{FF2B5EF4-FFF2-40B4-BE49-F238E27FC236}">
-                <a16:creationId xmlns:a16="http://schemas.microsoft.com/office/drawing/2014/main" id="{C93095C8-69F6-5F8B-BA07-BC3192C256A5}"/>
+                <a16:creationId xmlns:a16="http://schemas.microsoft.com/office/drawing/2014/main" id="{FB4C26A6-EC41-C04B-22FE-3D7CE007012E}"/>
               </a:ext>
             </a:extLst>
           </p:cNvPr>
@@ -171,7 +172,7 @@
           <p:cNvPr id="3" name="Untertitel 2">
             <a:extLst>
               <a:ext uri="{FF2B5EF4-FFF2-40B4-BE49-F238E27FC236}">
-                <a16:creationId xmlns:a16="http://schemas.microsoft.com/office/drawing/2014/main" id="{1025799F-DC41-0288-4562-F4448E32A016}"/>
+                <a16:creationId xmlns:a16="http://schemas.microsoft.com/office/drawing/2014/main" id="{16A25651-EA07-7AAB-5F5E-EB12E6E91BEE}"/>
               </a:ext>
             </a:extLst>
           </p:cNvPr>
@@ -241,7 +242,7 @@
           <p:cNvPr id="4" name="Datumsplatzhalter 3">
             <a:extLst>
               <a:ext uri="{FF2B5EF4-FFF2-40B4-BE49-F238E27FC236}">
-                <a16:creationId xmlns:a16="http://schemas.microsoft.com/office/drawing/2014/main" id="{59E22EE1-2EB1-6119-7A4B-6F1C5FBD1962}"/>
+                <a16:creationId xmlns:a16="http://schemas.microsoft.com/office/drawing/2014/main" id="{9D7C3E10-FF5C-DCD2-6E66-7F5C1C16303D}"/>
               </a:ext>
             </a:extLst>
           </p:cNvPr>
@@ -257,11 +258,11 @@
           <a:bodyPr/>
           <a:lstStyle/>
           <a:p>
-            <a:fld id="{ED78F558-32D9-465F-B1ED-15BDFCDFB2C4}" type="datetimeFigureOut">
+            <a:fld id="{33A5DE37-D982-404A-ACD9-39B1632D0E11}" type="datetimeFigureOut">
               <a:rPr lang="de-DE" smtClean="0"/>
-              <a:t>29.06.2022</a:t>
+              <a:t>19.07.2022</a:t>
             </a:fld>
-            <a:endParaRPr lang="de-DE"/>
+            <a:endParaRPr lang="de-DE" dirty="0"/>
           </a:p>
         </p:txBody>
       </p:sp>
@@ -270,7 +271,7 @@
           <p:cNvPr id="5" name="Fußzeilenplatzhalter 4">
             <a:extLst>
               <a:ext uri="{FF2B5EF4-FFF2-40B4-BE49-F238E27FC236}">
-                <a16:creationId xmlns:a16="http://schemas.microsoft.com/office/drawing/2014/main" id="{A0040BD0-F5B2-1083-D134-532E726F77BA}"/>
+                <a16:creationId xmlns:a16="http://schemas.microsoft.com/office/drawing/2014/main" id="{2A564AC4-55F7-D8F6-3F43-CFB0F5020963}"/>
               </a:ext>
             </a:extLst>
           </p:cNvPr>
@@ -286,7 +287,7 @@
           <a:bodyPr/>
           <a:lstStyle/>
           <a:p>
-            <a:endParaRPr lang="de-DE"/>
+            <a:endParaRPr lang="de-DE" dirty="0"/>
           </a:p>
         </p:txBody>
       </p:sp>
@@ -295,7 +296,7 @@
           <p:cNvPr id="6" name="Foliennummernplatzhalter 5">
             <a:extLst>
               <a:ext uri="{FF2B5EF4-FFF2-40B4-BE49-F238E27FC236}">
-                <a16:creationId xmlns:a16="http://schemas.microsoft.com/office/drawing/2014/main" id="{30F22C94-B72F-B872-940C-33223DB629DF}"/>
+                <a16:creationId xmlns:a16="http://schemas.microsoft.com/office/drawing/2014/main" id="{C2C2D8AF-69D2-4C11-D757-1DCE75F58981}"/>
               </a:ext>
             </a:extLst>
           </p:cNvPr>
@@ -311,18 +312,18 @@
           <a:bodyPr/>
           <a:lstStyle/>
           <a:p>
-            <a:fld id="{B6D6DF0F-3360-4E50-AA9F-3D400C595EFD}" type="slidenum">
+            <a:fld id="{17AFC932-1482-4B30-BCED-9E8F9D6239CE}" type="slidenum">
               <a:rPr lang="de-DE" smtClean="0"/>
               <a:t>‹Nr.›</a:t>
             </a:fld>
-            <a:endParaRPr lang="de-DE"/>
+            <a:endParaRPr lang="de-DE" dirty="0"/>
           </a:p>
         </p:txBody>
       </p:sp>
     </p:spTree>
     <p:extLst>
       <p:ext uri="{BB962C8B-B14F-4D97-AF65-F5344CB8AC3E}">
-        <p14:creationId xmlns:p14="http://schemas.microsoft.com/office/powerpoint/2010/main" val="2646459430"/>
+        <p14:creationId xmlns:p14="http://schemas.microsoft.com/office/powerpoint/2010/main" val="3104501221"/>
       </p:ext>
     </p:extLst>
   </p:cSld>
@@ -354,7 +355,7 @@
           <p:cNvPr id="2" name="Titel 1">
             <a:extLst>
               <a:ext uri="{FF2B5EF4-FFF2-40B4-BE49-F238E27FC236}">
-                <a16:creationId xmlns:a16="http://schemas.microsoft.com/office/drawing/2014/main" id="{6406BBFE-77F4-CC9E-A7C5-1A3C69B0D1C1}"/>
+                <a16:creationId xmlns:a16="http://schemas.microsoft.com/office/drawing/2014/main" id="{E70D3BFA-0D1B-FFE7-B31C-1F6A1E3F0DC8}"/>
               </a:ext>
             </a:extLst>
           </p:cNvPr>
@@ -382,7 +383,7 @@
           <p:cNvPr id="3" name="Vertikaler Textplatzhalter 2">
             <a:extLst>
               <a:ext uri="{FF2B5EF4-FFF2-40B4-BE49-F238E27FC236}">
-                <a16:creationId xmlns:a16="http://schemas.microsoft.com/office/drawing/2014/main" id="{68B03BB4-660D-9778-CFCA-68FA13F49C1D}"/>
+                <a16:creationId xmlns:a16="http://schemas.microsoft.com/office/drawing/2014/main" id="{5639D388-04F4-11A4-67B4-990375A409CF}"/>
               </a:ext>
             </a:extLst>
           </p:cNvPr>
@@ -439,7 +440,7 @@
           <p:cNvPr id="4" name="Datumsplatzhalter 3">
             <a:extLst>
               <a:ext uri="{FF2B5EF4-FFF2-40B4-BE49-F238E27FC236}">
-                <a16:creationId xmlns:a16="http://schemas.microsoft.com/office/drawing/2014/main" id="{DD0DF041-D4D3-50F5-167A-619329E96B6D}"/>
+                <a16:creationId xmlns:a16="http://schemas.microsoft.com/office/drawing/2014/main" id="{EB6EF691-DAC1-C44D-AAE0-070348AE116E}"/>
               </a:ext>
             </a:extLst>
           </p:cNvPr>
@@ -455,11 +456,11 @@
           <a:bodyPr/>
           <a:lstStyle/>
           <a:p>
-            <a:fld id="{ED78F558-32D9-465F-B1ED-15BDFCDFB2C4}" type="datetimeFigureOut">
+            <a:fld id="{33A5DE37-D982-404A-ACD9-39B1632D0E11}" type="datetimeFigureOut">
               <a:rPr lang="de-DE" smtClean="0"/>
-              <a:t>29.06.2022</a:t>
+              <a:t>19.07.2022</a:t>
             </a:fld>
-            <a:endParaRPr lang="de-DE"/>
+            <a:endParaRPr lang="de-DE" dirty="0"/>
           </a:p>
         </p:txBody>
       </p:sp>
@@ -468,7 +469,7 @@
           <p:cNvPr id="5" name="Fußzeilenplatzhalter 4">
             <a:extLst>
               <a:ext uri="{FF2B5EF4-FFF2-40B4-BE49-F238E27FC236}">
-                <a16:creationId xmlns:a16="http://schemas.microsoft.com/office/drawing/2014/main" id="{AA1E2A14-984A-6C79-80BB-7F882C0A027A}"/>
+                <a16:creationId xmlns:a16="http://schemas.microsoft.com/office/drawing/2014/main" id="{ED53431B-97D3-BD2E-1CE4-596A9AD72F65}"/>
               </a:ext>
             </a:extLst>
           </p:cNvPr>
@@ -484,7 +485,7 @@
           <a:bodyPr/>
           <a:lstStyle/>
           <a:p>
-            <a:endParaRPr lang="de-DE"/>
+            <a:endParaRPr lang="de-DE" dirty="0"/>
           </a:p>
         </p:txBody>
       </p:sp>
@@ -493,7 +494,7 @@
           <p:cNvPr id="6" name="Foliennummernplatzhalter 5">
             <a:extLst>
               <a:ext uri="{FF2B5EF4-FFF2-40B4-BE49-F238E27FC236}">
-                <a16:creationId xmlns:a16="http://schemas.microsoft.com/office/drawing/2014/main" id="{5989C1FE-65AE-8F4B-8287-17FC992C45E2}"/>
+                <a16:creationId xmlns:a16="http://schemas.microsoft.com/office/drawing/2014/main" id="{2F11528E-6E2A-A4B8-E79F-DC85307BFC87}"/>
               </a:ext>
             </a:extLst>
           </p:cNvPr>
@@ -509,18 +510,18 @@
           <a:bodyPr/>
           <a:lstStyle/>
           <a:p>
-            <a:fld id="{B6D6DF0F-3360-4E50-AA9F-3D400C595EFD}" type="slidenum">
+            <a:fld id="{17AFC932-1482-4B30-BCED-9E8F9D6239CE}" type="slidenum">
               <a:rPr lang="de-DE" smtClean="0"/>
               <a:t>‹Nr.›</a:t>
             </a:fld>
-            <a:endParaRPr lang="de-DE"/>
+            <a:endParaRPr lang="de-DE" dirty="0"/>
           </a:p>
         </p:txBody>
       </p:sp>
     </p:spTree>
     <p:extLst>
       <p:ext uri="{BB962C8B-B14F-4D97-AF65-F5344CB8AC3E}">
-        <p14:creationId xmlns:p14="http://schemas.microsoft.com/office/powerpoint/2010/main" val="4138616276"/>
+        <p14:creationId xmlns:p14="http://schemas.microsoft.com/office/powerpoint/2010/main" val="2463134862"/>
       </p:ext>
     </p:extLst>
   </p:cSld>
@@ -552,7 +553,7 @@
           <p:cNvPr id="2" name="Vertikaler Titel 1">
             <a:extLst>
               <a:ext uri="{FF2B5EF4-FFF2-40B4-BE49-F238E27FC236}">
-                <a16:creationId xmlns:a16="http://schemas.microsoft.com/office/drawing/2014/main" id="{AAF6B36B-74ED-D524-1531-D0959C825C3B}"/>
+                <a16:creationId xmlns:a16="http://schemas.microsoft.com/office/drawing/2014/main" id="{78BECABB-715F-9163-4321-18677B92A9ED}"/>
               </a:ext>
             </a:extLst>
           </p:cNvPr>
@@ -585,7 +586,7 @@
           <p:cNvPr id="3" name="Vertikaler Textplatzhalter 2">
             <a:extLst>
               <a:ext uri="{FF2B5EF4-FFF2-40B4-BE49-F238E27FC236}">
-                <a16:creationId xmlns:a16="http://schemas.microsoft.com/office/drawing/2014/main" id="{09A0361F-121D-45E5-9BC3-6327A5E6996D}"/>
+                <a16:creationId xmlns:a16="http://schemas.microsoft.com/office/drawing/2014/main" id="{AA07A616-FDE5-2893-ED74-5324EA8FA13B}"/>
               </a:ext>
             </a:extLst>
           </p:cNvPr>
@@ -647,7 +648,7 @@
           <p:cNvPr id="4" name="Datumsplatzhalter 3">
             <a:extLst>
               <a:ext uri="{FF2B5EF4-FFF2-40B4-BE49-F238E27FC236}">
-                <a16:creationId xmlns:a16="http://schemas.microsoft.com/office/drawing/2014/main" id="{D90F93D5-D01F-72E8-ECE7-C150D5E8A0E0}"/>
+                <a16:creationId xmlns:a16="http://schemas.microsoft.com/office/drawing/2014/main" id="{11CE4677-182D-5D3E-AC50-2EFA7BA0C866}"/>
               </a:ext>
             </a:extLst>
           </p:cNvPr>
@@ -663,11 +664,11 @@
           <a:bodyPr/>
           <a:lstStyle/>
           <a:p>
-            <a:fld id="{ED78F558-32D9-465F-B1ED-15BDFCDFB2C4}" type="datetimeFigureOut">
+            <a:fld id="{33A5DE37-D982-404A-ACD9-39B1632D0E11}" type="datetimeFigureOut">
               <a:rPr lang="de-DE" smtClean="0"/>
-              <a:t>29.06.2022</a:t>
+              <a:t>19.07.2022</a:t>
             </a:fld>
-            <a:endParaRPr lang="de-DE"/>
+            <a:endParaRPr lang="de-DE" dirty="0"/>
           </a:p>
         </p:txBody>
       </p:sp>
@@ -676,7 +677,7 @@
           <p:cNvPr id="5" name="Fußzeilenplatzhalter 4">
             <a:extLst>
               <a:ext uri="{FF2B5EF4-FFF2-40B4-BE49-F238E27FC236}">
-                <a16:creationId xmlns:a16="http://schemas.microsoft.com/office/drawing/2014/main" id="{852F8E33-28C8-728B-BE8C-4A8356A4781C}"/>
+                <a16:creationId xmlns:a16="http://schemas.microsoft.com/office/drawing/2014/main" id="{164F6397-DCFE-65CB-3DBA-0F42FBF7068A}"/>
               </a:ext>
             </a:extLst>
           </p:cNvPr>
@@ -692,7 +693,7 @@
           <a:bodyPr/>
           <a:lstStyle/>
           <a:p>
-            <a:endParaRPr lang="de-DE"/>
+            <a:endParaRPr lang="de-DE" dirty="0"/>
           </a:p>
         </p:txBody>
       </p:sp>
@@ -701,7 +702,7 @@
           <p:cNvPr id="6" name="Foliennummernplatzhalter 5">
             <a:extLst>
               <a:ext uri="{FF2B5EF4-FFF2-40B4-BE49-F238E27FC236}">
-                <a16:creationId xmlns:a16="http://schemas.microsoft.com/office/drawing/2014/main" id="{C2EC4CA7-8E55-1B39-2DCC-1A90F3E4321F}"/>
+                <a16:creationId xmlns:a16="http://schemas.microsoft.com/office/drawing/2014/main" id="{F8699014-D248-D929-5158-6D90DE559607}"/>
               </a:ext>
             </a:extLst>
           </p:cNvPr>
@@ -717,18 +718,18 @@
           <a:bodyPr/>
           <a:lstStyle/>
           <a:p>
-            <a:fld id="{B6D6DF0F-3360-4E50-AA9F-3D400C595EFD}" type="slidenum">
+            <a:fld id="{17AFC932-1482-4B30-BCED-9E8F9D6239CE}" type="slidenum">
               <a:rPr lang="de-DE" smtClean="0"/>
               <a:t>‹Nr.›</a:t>
             </a:fld>
-            <a:endParaRPr lang="de-DE"/>
+            <a:endParaRPr lang="de-DE" dirty="0"/>
           </a:p>
         </p:txBody>
       </p:sp>
     </p:spTree>
     <p:extLst>
       <p:ext uri="{BB962C8B-B14F-4D97-AF65-F5344CB8AC3E}">
-        <p14:creationId xmlns:p14="http://schemas.microsoft.com/office/powerpoint/2010/main" val="832378123"/>
+        <p14:creationId xmlns:p14="http://schemas.microsoft.com/office/powerpoint/2010/main" val="2992226459"/>
       </p:ext>
     </p:extLst>
   </p:cSld>
@@ -760,7 +761,7 @@
           <p:cNvPr id="2" name="Titel 1">
             <a:extLst>
               <a:ext uri="{FF2B5EF4-FFF2-40B4-BE49-F238E27FC236}">
-                <a16:creationId xmlns:a16="http://schemas.microsoft.com/office/drawing/2014/main" id="{7F3375E3-0B4B-0D3C-0B28-4B0E9483203D}"/>
+                <a16:creationId xmlns:a16="http://schemas.microsoft.com/office/drawing/2014/main" id="{371C20DD-C60E-ACB1-66E4-3C1C1D6C4DCD}"/>
               </a:ext>
             </a:extLst>
           </p:cNvPr>
@@ -788,7 +789,7 @@
           <p:cNvPr id="3" name="Inhaltsplatzhalter 2">
             <a:extLst>
               <a:ext uri="{FF2B5EF4-FFF2-40B4-BE49-F238E27FC236}">
-                <a16:creationId xmlns:a16="http://schemas.microsoft.com/office/drawing/2014/main" id="{4A9CB303-2640-755F-B335-BEC13B090C76}"/>
+                <a16:creationId xmlns:a16="http://schemas.microsoft.com/office/drawing/2014/main" id="{240D53D6-7753-D328-0AC0-9B14FDECEA3A}"/>
               </a:ext>
             </a:extLst>
           </p:cNvPr>
@@ -845,7 +846,7 @@
           <p:cNvPr id="4" name="Datumsplatzhalter 3">
             <a:extLst>
               <a:ext uri="{FF2B5EF4-FFF2-40B4-BE49-F238E27FC236}">
-                <a16:creationId xmlns:a16="http://schemas.microsoft.com/office/drawing/2014/main" id="{4F1CAA34-4D75-E937-EFC5-B73CB223D287}"/>
+                <a16:creationId xmlns:a16="http://schemas.microsoft.com/office/drawing/2014/main" id="{90FC6A2A-DC7D-488B-9894-36984B465061}"/>
               </a:ext>
             </a:extLst>
           </p:cNvPr>
@@ -861,11 +862,11 @@
           <a:bodyPr/>
           <a:lstStyle/>
           <a:p>
-            <a:fld id="{ED78F558-32D9-465F-B1ED-15BDFCDFB2C4}" type="datetimeFigureOut">
+            <a:fld id="{33A5DE37-D982-404A-ACD9-39B1632D0E11}" type="datetimeFigureOut">
               <a:rPr lang="de-DE" smtClean="0"/>
-              <a:t>29.06.2022</a:t>
+              <a:t>19.07.2022</a:t>
             </a:fld>
-            <a:endParaRPr lang="de-DE"/>
+            <a:endParaRPr lang="de-DE" dirty="0"/>
           </a:p>
         </p:txBody>
       </p:sp>
@@ -874,7 +875,7 @@
           <p:cNvPr id="5" name="Fußzeilenplatzhalter 4">
             <a:extLst>
               <a:ext uri="{FF2B5EF4-FFF2-40B4-BE49-F238E27FC236}">
-                <a16:creationId xmlns:a16="http://schemas.microsoft.com/office/drawing/2014/main" id="{D6D6FE20-C9C6-5283-943C-F485AF096C3E}"/>
+                <a16:creationId xmlns:a16="http://schemas.microsoft.com/office/drawing/2014/main" id="{B05B6890-610F-A4BC-9EC9-CFA5FC75E215}"/>
               </a:ext>
             </a:extLst>
           </p:cNvPr>
@@ -890,7 +891,7 @@
           <a:bodyPr/>
           <a:lstStyle/>
           <a:p>
-            <a:endParaRPr lang="de-DE"/>
+            <a:endParaRPr lang="de-DE" dirty="0"/>
           </a:p>
         </p:txBody>
       </p:sp>
@@ -899,7 +900,7 @@
           <p:cNvPr id="6" name="Foliennummernplatzhalter 5">
             <a:extLst>
               <a:ext uri="{FF2B5EF4-FFF2-40B4-BE49-F238E27FC236}">
-                <a16:creationId xmlns:a16="http://schemas.microsoft.com/office/drawing/2014/main" id="{629CB757-35C0-29A9-C915-74AFDDE1071F}"/>
+                <a16:creationId xmlns:a16="http://schemas.microsoft.com/office/drawing/2014/main" id="{CDFFEEAB-9A58-8C6A-F1C3-9098593B2639}"/>
               </a:ext>
             </a:extLst>
           </p:cNvPr>
@@ -915,18 +916,18 @@
           <a:bodyPr/>
           <a:lstStyle/>
           <a:p>
-            <a:fld id="{B6D6DF0F-3360-4E50-AA9F-3D400C595EFD}" type="slidenum">
+            <a:fld id="{17AFC932-1482-4B30-BCED-9E8F9D6239CE}" type="slidenum">
               <a:rPr lang="de-DE" smtClean="0"/>
               <a:t>‹Nr.›</a:t>
             </a:fld>
-            <a:endParaRPr lang="de-DE"/>
+            <a:endParaRPr lang="de-DE" dirty="0"/>
           </a:p>
         </p:txBody>
       </p:sp>
     </p:spTree>
     <p:extLst>
       <p:ext uri="{BB962C8B-B14F-4D97-AF65-F5344CB8AC3E}">
-        <p14:creationId xmlns:p14="http://schemas.microsoft.com/office/powerpoint/2010/main" val="2048511021"/>
+        <p14:creationId xmlns:p14="http://schemas.microsoft.com/office/powerpoint/2010/main" val="1097091061"/>
       </p:ext>
     </p:extLst>
   </p:cSld>
@@ -958,7 +959,7 @@
           <p:cNvPr id="2" name="Titel 1">
             <a:extLst>
               <a:ext uri="{FF2B5EF4-FFF2-40B4-BE49-F238E27FC236}">
-                <a16:creationId xmlns:a16="http://schemas.microsoft.com/office/drawing/2014/main" id="{01CFC585-D40F-631B-D04D-090063CB97D2}"/>
+                <a16:creationId xmlns:a16="http://schemas.microsoft.com/office/drawing/2014/main" id="{18B7AF4D-39A3-138F-D255-1B6CC199F01E}"/>
               </a:ext>
             </a:extLst>
           </p:cNvPr>
@@ -995,7 +996,7 @@
           <p:cNvPr id="3" name="Textplatzhalter 2">
             <a:extLst>
               <a:ext uri="{FF2B5EF4-FFF2-40B4-BE49-F238E27FC236}">
-                <a16:creationId xmlns:a16="http://schemas.microsoft.com/office/drawing/2014/main" id="{AA6CBB2D-46F4-257B-9628-43BBA989F6D9}"/>
+                <a16:creationId xmlns:a16="http://schemas.microsoft.com/office/drawing/2014/main" id="{72DB5785-6EC2-D02F-F9C5-701225479206}"/>
               </a:ext>
             </a:extLst>
           </p:cNvPr>
@@ -1120,7 +1121,7 @@
           <p:cNvPr id="4" name="Datumsplatzhalter 3">
             <a:extLst>
               <a:ext uri="{FF2B5EF4-FFF2-40B4-BE49-F238E27FC236}">
-                <a16:creationId xmlns:a16="http://schemas.microsoft.com/office/drawing/2014/main" id="{709C5EA2-F94F-6317-A6A4-F956177CE81E}"/>
+                <a16:creationId xmlns:a16="http://schemas.microsoft.com/office/drawing/2014/main" id="{572EB71F-16FB-AD49-855F-4C66D0157E13}"/>
               </a:ext>
             </a:extLst>
           </p:cNvPr>
@@ -1136,11 +1137,11 @@
           <a:bodyPr/>
           <a:lstStyle/>
           <a:p>
-            <a:fld id="{ED78F558-32D9-465F-B1ED-15BDFCDFB2C4}" type="datetimeFigureOut">
+            <a:fld id="{33A5DE37-D982-404A-ACD9-39B1632D0E11}" type="datetimeFigureOut">
               <a:rPr lang="de-DE" smtClean="0"/>
-              <a:t>29.06.2022</a:t>
+              <a:t>19.07.2022</a:t>
             </a:fld>
-            <a:endParaRPr lang="de-DE"/>
+            <a:endParaRPr lang="de-DE" dirty="0"/>
           </a:p>
         </p:txBody>
       </p:sp>
@@ -1149,7 +1150,7 @@
           <p:cNvPr id="5" name="Fußzeilenplatzhalter 4">
             <a:extLst>
               <a:ext uri="{FF2B5EF4-FFF2-40B4-BE49-F238E27FC236}">
-                <a16:creationId xmlns:a16="http://schemas.microsoft.com/office/drawing/2014/main" id="{B2887FA1-DEEB-18DB-DB03-5574548A84DE}"/>
+                <a16:creationId xmlns:a16="http://schemas.microsoft.com/office/drawing/2014/main" id="{8AEC3B1F-055D-44C3-CC0F-494F3823A07E}"/>
               </a:ext>
             </a:extLst>
           </p:cNvPr>
@@ -1165,7 +1166,7 @@
           <a:bodyPr/>
           <a:lstStyle/>
           <a:p>
-            <a:endParaRPr lang="de-DE"/>
+            <a:endParaRPr lang="de-DE" dirty="0"/>
           </a:p>
         </p:txBody>
       </p:sp>
@@ -1174,7 +1175,7 @@
           <p:cNvPr id="6" name="Foliennummernplatzhalter 5">
             <a:extLst>
               <a:ext uri="{FF2B5EF4-FFF2-40B4-BE49-F238E27FC236}">
-                <a16:creationId xmlns:a16="http://schemas.microsoft.com/office/drawing/2014/main" id="{60A999FC-7EC8-FC77-D576-B4A20E791665}"/>
+                <a16:creationId xmlns:a16="http://schemas.microsoft.com/office/drawing/2014/main" id="{3B413411-EC3A-84B3-7FDB-8FED997804B2}"/>
               </a:ext>
             </a:extLst>
           </p:cNvPr>
@@ -1190,18 +1191,18 @@
           <a:bodyPr/>
           <a:lstStyle/>
           <a:p>
-            <a:fld id="{B6D6DF0F-3360-4E50-AA9F-3D400C595EFD}" type="slidenum">
+            <a:fld id="{17AFC932-1482-4B30-BCED-9E8F9D6239CE}" type="slidenum">
               <a:rPr lang="de-DE" smtClean="0"/>
               <a:t>‹Nr.›</a:t>
             </a:fld>
-            <a:endParaRPr lang="de-DE"/>
+            <a:endParaRPr lang="de-DE" dirty="0"/>
           </a:p>
         </p:txBody>
       </p:sp>
     </p:spTree>
     <p:extLst>
       <p:ext uri="{BB962C8B-B14F-4D97-AF65-F5344CB8AC3E}">
-        <p14:creationId xmlns:p14="http://schemas.microsoft.com/office/powerpoint/2010/main" val="2460300504"/>
+        <p14:creationId xmlns:p14="http://schemas.microsoft.com/office/powerpoint/2010/main" val="2660144135"/>
       </p:ext>
     </p:extLst>
   </p:cSld>
@@ -1233,7 +1234,7 @@
           <p:cNvPr id="2" name="Titel 1">
             <a:extLst>
               <a:ext uri="{FF2B5EF4-FFF2-40B4-BE49-F238E27FC236}">
-                <a16:creationId xmlns:a16="http://schemas.microsoft.com/office/drawing/2014/main" id="{8A400429-7B4C-6B72-50A6-E5102120C8F1}"/>
+                <a16:creationId xmlns:a16="http://schemas.microsoft.com/office/drawing/2014/main" id="{61CC0A25-FD52-01F7-A2BC-8A366B9FC2A1}"/>
               </a:ext>
             </a:extLst>
           </p:cNvPr>
@@ -1261,7 +1262,7 @@
           <p:cNvPr id="3" name="Inhaltsplatzhalter 2">
             <a:extLst>
               <a:ext uri="{FF2B5EF4-FFF2-40B4-BE49-F238E27FC236}">
-                <a16:creationId xmlns:a16="http://schemas.microsoft.com/office/drawing/2014/main" id="{FDAC2C08-4B8F-ADA7-C9C0-4ABD6DA86391}"/>
+                <a16:creationId xmlns:a16="http://schemas.microsoft.com/office/drawing/2014/main" id="{E3EC4C48-269F-FD1C-C2F9-41DD7D67A97A}"/>
               </a:ext>
             </a:extLst>
           </p:cNvPr>
@@ -1323,7 +1324,7 @@
           <p:cNvPr id="4" name="Inhaltsplatzhalter 3">
             <a:extLst>
               <a:ext uri="{FF2B5EF4-FFF2-40B4-BE49-F238E27FC236}">
-                <a16:creationId xmlns:a16="http://schemas.microsoft.com/office/drawing/2014/main" id="{385E335F-3FE0-2013-9FF4-EAEDDD437472}"/>
+                <a16:creationId xmlns:a16="http://schemas.microsoft.com/office/drawing/2014/main" id="{C8C20994-3EED-49A1-5BF9-9FB09FDA4BB6}"/>
               </a:ext>
             </a:extLst>
           </p:cNvPr>
@@ -1385,7 +1386,7 @@
           <p:cNvPr id="5" name="Datumsplatzhalter 4">
             <a:extLst>
               <a:ext uri="{FF2B5EF4-FFF2-40B4-BE49-F238E27FC236}">
-                <a16:creationId xmlns:a16="http://schemas.microsoft.com/office/drawing/2014/main" id="{FA15F940-D281-148C-D32B-E04A598DB2F9}"/>
+                <a16:creationId xmlns:a16="http://schemas.microsoft.com/office/drawing/2014/main" id="{47A20FFA-8A48-5837-F0A0-5F363743609B}"/>
               </a:ext>
             </a:extLst>
           </p:cNvPr>
@@ -1401,11 +1402,11 @@
           <a:bodyPr/>
           <a:lstStyle/>
           <a:p>
-            <a:fld id="{ED78F558-32D9-465F-B1ED-15BDFCDFB2C4}" type="datetimeFigureOut">
+            <a:fld id="{33A5DE37-D982-404A-ACD9-39B1632D0E11}" type="datetimeFigureOut">
               <a:rPr lang="de-DE" smtClean="0"/>
-              <a:t>29.06.2022</a:t>
+              <a:t>19.07.2022</a:t>
             </a:fld>
-            <a:endParaRPr lang="de-DE"/>
+            <a:endParaRPr lang="de-DE" dirty="0"/>
           </a:p>
         </p:txBody>
       </p:sp>
@@ -1414,7 +1415,7 @@
           <p:cNvPr id="6" name="Fußzeilenplatzhalter 5">
             <a:extLst>
               <a:ext uri="{FF2B5EF4-FFF2-40B4-BE49-F238E27FC236}">
-                <a16:creationId xmlns:a16="http://schemas.microsoft.com/office/drawing/2014/main" id="{47DBAC69-314B-5EB3-24C7-70641DE826AD}"/>
+                <a16:creationId xmlns:a16="http://schemas.microsoft.com/office/drawing/2014/main" id="{61CF202A-4764-4985-41FB-A7B56B3A1545}"/>
               </a:ext>
             </a:extLst>
           </p:cNvPr>
@@ -1430,7 +1431,7 @@
           <a:bodyPr/>
           <a:lstStyle/>
           <a:p>
-            <a:endParaRPr lang="de-DE"/>
+            <a:endParaRPr lang="de-DE" dirty="0"/>
           </a:p>
         </p:txBody>
       </p:sp>
@@ -1439,7 +1440,7 @@
           <p:cNvPr id="7" name="Foliennummernplatzhalter 6">
             <a:extLst>
               <a:ext uri="{FF2B5EF4-FFF2-40B4-BE49-F238E27FC236}">
-                <a16:creationId xmlns:a16="http://schemas.microsoft.com/office/drawing/2014/main" id="{3EB3205B-F62B-A289-E560-38F77E30C78F}"/>
+                <a16:creationId xmlns:a16="http://schemas.microsoft.com/office/drawing/2014/main" id="{75690ADA-4742-069F-F495-8EA2C7CFFBC6}"/>
               </a:ext>
             </a:extLst>
           </p:cNvPr>
@@ -1455,18 +1456,18 @@
           <a:bodyPr/>
           <a:lstStyle/>
           <a:p>
-            <a:fld id="{B6D6DF0F-3360-4E50-AA9F-3D400C595EFD}" type="slidenum">
+            <a:fld id="{17AFC932-1482-4B30-BCED-9E8F9D6239CE}" type="slidenum">
               <a:rPr lang="de-DE" smtClean="0"/>
               <a:t>‹Nr.›</a:t>
             </a:fld>
-            <a:endParaRPr lang="de-DE"/>
+            <a:endParaRPr lang="de-DE" dirty="0"/>
           </a:p>
         </p:txBody>
       </p:sp>
     </p:spTree>
     <p:extLst>
       <p:ext uri="{BB962C8B-B14F-4D97-AF65-F5344CB8AC3E}">
-        <p14:creationId xmlns:p14="http://schemas.microsoft.com/office/powerpoint/2010/main" val="4003179970"/>
+        <p14:creationId xmlns:p14="http://schemas.microsoft.com/office/powerpoint/2010/main" val="3823931490"/>
       </p:ext>
     </p:extLst>
   </p:cSld>
@@ -1498,7 +1499,7 @@
           <p:cNvPr id="2" name="Titel 1">
             <a:extLst>
               <a:ext uri="{FF2B5EF4-FFF2-40B4-BE49-F238E27FC236}">
-                <a16:creationId xmlns:a16="http://schemas.microsoft.com/office/drawing/2014/main" id="{87369CE5-005C-4F3D-BBD6-7F00B2143CFE}"/>
+                <a16:creationId xmlns:a16="http://schemas.microsoft.com/office/drawing/2014/main" id="{7B5F048C-7DDE-5BC3-27F3-2D238E268156}"/>
               </a:ext>
             </a:extLst>
           </p:cNvPr>
@@ -1531,7 +1532,7 @@
           <p:cNvPr id="3" name="Textplatzhalter 2">
             <a:extLst>
               <a:ext uri="{FF2B5EF4-FFF2-40B4-BE49-F238E27FC236}">
-                <a16:creationId xmlns:a16="http://schemas.microsoft.com/office/drawing/2014/main" id="{1CB75DC6-67F7-1336-143C-23789951422B}"/>
+                <a16:creationId xmlns:a16="http://schemas.microsoft.com/office/drawing/2014/main" id="{8E95B174-A676-B286-B288-E3BE84C05F0B}"/>
               </a:ext>
             </a:extLst>
           </p:cNvPr>
@@ -1602,7 +1603,7 @@
           <p:cNvPr id="4" name="Inhaltsplatzhalter 3">
             <a:extLst>
               <a:ext uri="{FF2B5EF4-FFF2-40B4-BE49-F238E27FC236}">
-                <a16:creationId xmlns:a16="http://schemas.microsoft.com/office/drawing/2014/main" id="{50B0EE22-C4D7-6CAE-9B3C-54D306A535CF}"/>
+                <a16:creationId xmlns:a16="http://schemas.microsoft.com/office/drawing/2014/main" id="{91E2F059-9003-425C-6469-2A11948659A9}"/>
               </a:ext>
             </a:extLst>
           </p:cNvPr>
@@ -1664,7 +1665,7 @@
           <p:cNvPr id="5" name="Textplatzhalter 4">
             <a:extLst>
               <a:ext uri="{FF2B5EF4-FFF2-40B4-BE49-F238E27FC236}">
-                <a16:creationId xmlns:a16="http://schemas.microsoft.com/office/drawing/2014/main" id="{2B4F6CA5-26E3-2035-53D2-2E3D259BFFE0}"/>
+                <a16:creationId xmlns:a16="http://schemas.microsoft.com/office/drawing/2014/main" id="{5903EBF4-3212-0F04-303B-0E6BFE334A5C}"/>
               </a:ext>
             </a:extLst>
           </p:cNvPr>
@@ -1735,7 +1736,7 @@
           <p:cNvPr id="6" name="Inhaltsplatzhalter 5">
             <a:extLst>
               <a:ext uri="{FF2B5EF4-FFF2-40B4-BE49-F238E27FC236}">
-                <a16:creationId xmlns:a16="http://schemas.microsoft.com/office/drawing/2014/main" id="{D8B3B03E-0B29-C28F-4D73-C0014FC7C935}"/>
+                <a16:creationId xmlns:a16="http://schemas.microsoft.com/office/drawing/2014/main" id="{3ED0DA4C-7441-8190-1578-303EA2D564AB}"/>
               </a:ext>
             </a:extLst>
           </p:cNvPr>
@@ -1797,7 +1798,7 @@
           <p:cNvPr id="7" name="Datumsplatzhalter 6">
             <a:extLst>
               <a:ext uri="{FF2B5EF4-FFF2-40B4-BE49-F238E27FC236}">
-                <a16:creationId xmlns:a16="http://schemas.microsoft.com/office/drawing/2014/main" id="{D556A42A-F747-BEAB-3278-283E0F640A07}"/>
+                <a16:creationId xmlns:a16="http://schemas.microsoft.com/office/drawing/2014/main" id="{9CC79E2E-FE4D-D61E-3856-E139A0F47C1E}"/>
               </a:ext>
             </a:extLst>
           </p:cNvPr>
@@ -1813,11 +1814,11 @@
           <a:bodyPr/>
           <a:lstStyle/>
           <a:p>
-            <a:fld id="{ED78F558-32D9-465F-B1ED-15BDFCDFB2C4}" type="datetimeFigureOut">
+            <a:fld id="{33A5DE37-D982-404A-ACD9-39B1632D0E11}" type="datetimeFigureOut">
               <a:rPr lang="de-DE" smtClean="0"/>
-              <a:t>29.06.2022</a:t>
+              <a:t>19.07.2022</a:t>
             </a:fld>
-            <a:endParaRPr lang="de-DE"/>
+            <a:endParaRPr lang="de-DE" dirty="0"/>
           </a:p>
         </p:txBody>
       </p:sp>
@@ -1826,7 +1827,7 @@
           <p:cNvPr id="8" name="Fußzeilenplatzhalter 7">
             <a:extLst>
               <a:ext uri="{FF2B5EF4-FFF2-40B4-BE49-F238E27FC236}">
-                <a16:creationId xmlns:a16="http://schemas.microsoft.com/office/drawing/2014/main" id="{C8E14993-4EC2-2FC6-6353-6729A54EF87A}"/>
+                <a16:creationId xmlns:a16="http://schemas.microsoft.com/office/drawing/2014/main" id="{A5697836-08DF-3A17-43B6-E936D4D4AF03}"/>
               </a:ext>
             </a:extLst>
           </p:cNvPr>
@@ -1842,7 +1843,7 @@
           <a:bodyPr/>
           <a:lstStyle/>
           <a:p>
-            <a:endParaRPr lang="de-DE"/>
+            <a:endParaRPr lang="de-DE" dirty="0"/>
           </a:p>
         </p:txBody>
       </p:sp>
@@ -1851,7 +1852,7 @@
           <p:cNvPr id="9" name="Foliennummernplatzhalter 8">
             <a:extLst>
               <a:ext uri="{FF2B5EF4-FFF2-40B4-BE49-F238E27FC236}">
-                <a16:creationId xmlns:a16="http://schemas.microsoft.com/office/drawing/2014/main" id="{EED3408D-7B00-C616-6D60-6A7964C95E1C}"/>
+                <a16:creationId xmlns:a16="http://schemas.microsoft.com/office/drawing/2014/main" id="{12BAD495-6A76-4D09-080C-844A94BD034F}"/>
               </a:ext>
             </a:extLst>
           </p:cNvPr>
@@ -1867,18 +1868,18 @@
           <a:bodyPr/>
           <a:lstStyle/>
           <a:p>
-            <a:fld id="{B6D6DF0F-3360-4E50-AA9F-3D400C595EFD}" type="slidenum">
+            <a:fld id="{17AFC932-1482-4B30-BCED-9E8F9D6239CE}" type="slidenum">
               <a:rPr lang="de-DE" smtClean="0"/>
               <a:t>‹Nr.›</a:t>
             </a:fld>
-            <a:endParaRPr lang="de-DE"/>
+            <a:endParaRPr lang="de-DE" dirty="0"/>
           </a:p>
         </p:txBody>
       </p:sp>
     </p:spTree>
     <p:extLst>
       <p:ext uri="{BB962C8B-B14F-4D97-AF65-F5344CB8AC3E}">
-        <p14:creationId xmlns:p14="http://schemas.microsoft.com/office/powerpoint/2010/main" val="3280321224"/>
+        <p14:creationId xmlns:p14="http://schemas.microsoft.com/office/powerpoint/2010/main" val="10230303"/>
       </p:ext>
     </p:extLst>
   </p:cSld>
@@ -1910,7 +1911,7 @@
           <p:cNvPr id="2" name="Titel 1">
             <a:extLst>
               <a:ext uri="{FF2B5EF4-FFF2-40B4-BE49-F238E27FC236}">
-                <a16:creationId xmlns:a16="http://schemas.microsoft.com/office/drawing/2014/main" id="{88A9E790-D73A-A944-2DB8-7A25E60CD2F9}"/>
+                <a16:creationId xmlns:a16="http://schemas.microsoft.com/office/drawing/2014/main" id="{A8BCFE7B-4576-DA0C-4BC8-13B39DA74F94}"/>
               </a:ext>
             </a:extLst>
           </p:cNvPr>
@@ -1938,7 +1939,7 @@
           <p:cNvPr id="3" name="Datumsplatzhalter 2">
             <a:extLst>
               <a:ext uri="{FF2B5EF4-FFF2-40B4-BE49-F238E27FC236}">
-                <a16:creationId xmlns:a16="http://schemas.microsoft.com/office/drawing/2014/main" id="{AD6D8DBE-F869-F29C-E5D0-6A2A156BFEE5}"/>
+                <a16:creationId xmlns:a16="http://schemas.microsoft.com/office/drawing/2014/main" id="{EDF2301C-56EC-8B9D-BB9A-FE4B8CD71794}"/>
               </a:ext>
             </a:extLst>
           </p:cNvPr>
@@ -1954,11 +1955,11 @@
           <a:bodyPr/>
           <a:lstStyle/>
           <a:p>
-            <a:fld id="{ED78F558-32D9-465F-B1ED-15BDFCDFB2C4}" type="datetimeFigureOut">
+            <a:fld id="{33A5DE37-D982-404A-ACD9-39B1632D0E11}" type="datetimeFigureOut">
               <a:rPr lang="de-DE" smtClean="0"/>
-              <a:t>29.06.2022</a:t>
+              <a:t>19.07.2022</a:t>
             </a:fld>
-            <a:endParaRPr lang="de-DE"/>
+            <a:endParaRPr lang="de-DE" dirty="0"/>
           </a:p>
         </p:txBody>
       </p:sp>
@@ -1967,7 +1968,7 @@
           <p:cNvPr id="4" name="Fußzeilenplatzhalter 3">
             <a:extLst>
               <a:ext uri="{FF2B5EF4-FFF2-40B4-BE49-F238E27FC236}">
-                <a16:creationId xmlns:a16="http://schemas.microsoft.com/office/drawing/2014/main" id="{120C8BE3-A65A-FD71-EBFF-B013C9796259}"/>
+                <a16:creationId xmlns:a16="http://schemas.microsoft.com/office/drawing/2014/main" id="{6505289C-D6B0-0165-A2B9-96D6B6952522}"/>
               </a:ext>
             </a:extLst>
           </p:cNvPr>
@@ -1983,7 +1984,7 @@
           <a:bodyPr/>
           <a:lstStyle/>
           <a:p>
-            <a:endParaRPr lang="de-DE"/>
+            <a:endParaRPr lang="de-DE" dirty="0"/>
           </a:p>
         </p:txBody>
       </p:sp>
@@ -1992,7 +1993,7 @@
           <p:cNvPr id="5" name="Foliennummernplatzhalter 4">
             <a:extLst>
               <a:ext uri="{FF2B5EF4-FFF2-40B4-BE49-F238E27FC236}">
-                <a16:creationId xmlns:a16="http://schemas.microsoft.com/office/drawing/2014/main" id="{72EAFCE8-A87B-999A-89A2-FDCF9F0D31B3}"/>
+                <a16:creationId xmlns:a16="http://schemas.microsoft.com/office/drawing/2014/main" id="{495AE195-B231-398D-C01F-D39D7594E128}"/>
               </a:ext>
             </a:extLst>
           </p:cNvPr>
@@ -2008,18 +2009,18 @@
           <a:bodyPr/>
           <a:lstStyle/>
           <a:p>
-            <a:fld id="{B6D6DF0F-3360-4E50-AA9F-3D400C595EFD}" type="slidenum">
+            <a:fld id="{17AFC932-1482-4B30-BCED-9E8F9D6239CE}" type="slidenum">
               <a:rPr lang="de-DE" smtClean="0"/>
               <a:t>‹Nr.›</a:t>
             </a:fld>
-            <a:endParaRPr lang="de-DE"/>
+            <a:endParaRPr lang="de-DE" dirty="0"/>
           </a:p>
         </p:txBody>
       </p:sp>
     </p:spTree>
     <p:extLst>
       <p:ext uri="{BB962C8B-B14F-4D97-AF65-F5344CB8AC3E}">
-        <p14:creationId xmlns:p14="http://schemas.microsoft.com/office/powerpoint/2010/main" val="2598419845"/>
+        <p14:creationId xmlns:p14="http://schemas.microsoft.com/office/powerpoint/2010/main" val="1927173366"/>
       </p:ext>
     </p:extLst>
   </p:cSld>
@@ -2051,7 +2052,7 @@
           <p:cNvPr id="2" name="Datumsplatzhalter 1">
             <a:extLst>
               <a:ext uri="{FF2B5EF4-FFF2-40B4-BE49-F238E27FC236}">
-                <a16:creationId xmlns:a16="http://schemas.microsoft.com/office/drawing/2014/main" id="{815F53B4-AF35-66A7-336F-CBF2843DE640}"/>
+                <a16:creationId xmlns:a16="http://schemas.microsoft.com/office/drawing/2014/main" id="{7BDE8703-D145-4488-3F87-3D6D6EB13493}"/>
               </a:ext>
             </a:extLst>
           </p:cNvPr>
@@ -2067,11 +2068,11 @@
           <a:bodyPr/>
           <a:lstStyle/>
           <a:p>
-            <a:fld id="{ED78F558-32D9-465F-B1ED-15BDFCDFB2C4}" type="datetimeFigureOut">
+            <a:fld id="{33A5DE37-D982-404A-ACD9-39B1632D0E11}" type="datetimeFigureOut">
               <a:rPr lang="de-DE" smtClean="0"/>
-              <a:t>29.06.2022</a:t>
+              <a:t>19.07.2022</a:t>
             </a:fld>
-            <a:endParaRPr lang="de-DE"/>
+            <a:endParaRPr lang="de-DE" dirty="0"/>
           </a:p>
         </p:txBody>
       </p:sp>
@@ -2080,7 +2081,7 @@
           <p:cNvPr id="3" name="Fußzeilenplatzhalter 2">
             <a:extLst>
               <a:ext uri="{FF2B5EF4-FFF2-40B4-BE49-F238E27FC236}">
-                <a16:creationId xmlns:a16="http://schemas.microsoft.com/office/drawing/2014/main" id="{487543DE-7EBB-7F05-AC7F-319F3753624B}"/>
+                <a16:creationId xmlns:a16="http://schemas.microsoft.com/office/drawing/2014/main" id="{E1C3CDFE-649C-3195-60F6-CCD7D99E3051}"/>
               </a:ext>
             </a:extLst>
           </p:cNvPr>
@@ -2096,7 +2097,7 @@
           <a:bodyPr/>
           <a:lstStyle/>
           <a:p>
-            <a:endParaRPr lang="de-DE"/>
+            <a:endParaRPr lang="de-DE" dirty="0"/>
           </a:p>
         </p:txBody>
       </p:sp>
@@ -2105,7 +2106,7 @@
           <p:cNvPr id="4" name="Foliennummernplatzhalter 3">
             <a:extLst>
               <a:ext uri="{FF2B5EF4-FFF2-40B4-BE49-F238E27FC236}">
-                <a16:creationId xmlns:a16="http://schemas.microsoft.com/office/drawing/2014/main" id="{9D9738D7-020A-7099-516A-48EB1FE25D56}"/>
+                <a16:creationId xmlns:a16="http://schemas.microsoft.com/office/drawing/2014/main" id="{5718A52E-C927-3099-2C2E-B885DA80897D}"/>
               </a:ext>
             </a:extLst>
           </p:cNvPr>
@@ -2121,18 +2122,18 @@
           <a:bodyPr/>
           <a:lstStyle/>
           <a:p>
-            <a:fld id="{B6D6DF0F-3360-4E50-AA9F-3D400C595EFD}" type="slidenum">
+            <a:fld id="{17AFC932-1482-4B30-BCED-9E8F9D6239CE}" type="slidenum">
               <a:rPr lang="de-DE" smtClean="0"/>
               <a:t>‹Nr.›</a:t>
             </a:fld>
-            <a:endParaRPr lang="de-DE"/>
+            <a:endParaRPr lang="de-DE" dirty="0"/>
           </a:p>
         </p:txBody>
       </p:sp>
     </p:spTree>
     <p:extLst>
       <p:ext uri="{BB962C8B-B14F-4D97-AF65-F5344CB8AC3E}">
-        <p14:creationId xmlns:p14="http://schemas.microsoft.com/office/powerpoint/2010/main" val="949309915"/>
+        <p14:creationId xmlns:p14="http://schemas.microsoft.com/office/powerpoint/2010/main" val="3265137528"/>
       </p:ext>
     </p:extLst>
   </p:cSld>
@@ -2164,7 +2165,7 @@
           <p:cNvPr id="2" name="Titel 1">
             <a:extLst>
               <a:ext uri="{FF2B5EF4-FFF2-40B4-BE49-F238E27FC236}">
-                <a16:creationId xmlns:a16="http://schemas.microsoft.com/office/drawing/2014/main" id="{323E8079-D841-8FE9-5B36-7424E33AC6D6}"/>
+                <a16:creationId xmlns:a16="http://schemas.microsoft.com/office/drawing/2014/main" id="{1EF20B14-FE91-3034-F49A-60328B9980F4}"/>
               </a:ext>
             </a:extLst>
           </p:cNvPr>
@@ -2201,7 +2202,7 @@
           <p:cNvPr id="3" name="Inhaltsplatzhalter 2">
             <a:extLst>
               <a:ext uri="{FF2B5EF4-FFF2-40B4-BE49-F238E27FC236}">
-                <a16:creationId xmlns:a16="http://schemas.microsoft.com/office/drawing/2014/main" id="{6A88C54C-E62F-6F36-69D1-92DA5529E958}"/>
+                <a16:creationId xmlns:a16="http://schemas.microsoft.com/office/drawing/2014/main" id="{27A75D25-CC9E-4E62-4CA8-C5C369DB583E}"/>
               </a:ext>
             </a:extLst>
           </p:cNvPr>
@@ -2291,7 +2292,7 @@
           <p:cNvPr id="4" name="Textplatzhalter 3">
             <a:extLst>
               <a:ext uri="{FF2B5EF4-FFF2-40B4-BE49-F238E27FC236}">
-                <a16:creationId xmlns:a16="http://schemas.microsoft.com/office/drawing/2014/main" id="{E3CB5C73-0FBF-59CE-B680-602590F37AB1}"/>
+                <a16:creationId xmlns:a16="http://schemas.microsoft.com/office/drawing/2014/main" id="{36AE3E35-7D7E-798E-1C77-994313C36ECF}"/>
               </a:ext>
             </a:extLst>
           </p:cNvPr>
@@ -2362,7 +2363,7 @@
           <p:cNvPr id="5" name="Datumsplatzhalter 4">
             <a:extLst>
               <a:ext uri="{FF2B5EF4-FFF2-40B4-BE49-F238E27FC236}">
-                <a16:creationId xmlns:a16="http://schemas.microsoft.com/office/drawing/2014/main" id="{8B909603-A7C2-91CE-D4DB-A600ACFA69E0}"/>
+                <a16:creationId xmlns:a16="http://schemas.microsoft.com/office/drawing/2014/main" id="{2462844B-D295-5EB9-9474-187A872C1A9B}"/>
               </a:ext>
             </a:extLst>
           </p:cNvPr>
@@ -2378,11 +2379,11 @@
           <a:bodyPr/>
           <a:lstStyle/>
           <a:p>
-            <a:fld id="{ED78F558-32D9-465F-B1ED-15BDFCDFB2C4}" type="datetimeFigureOut">
+            <a:fld id="{33A5DE37-D982-404A-ACD9-39B1632D0E11}" type="datetimeFigureOut">
               <a:rPr lang="de-DE" smtClean="0"/>
-              <a:t>29.06.2022</a:t>
+              <a:t>19.07.2022</a:t>
             </a:fld>
-            <a:endParaRPr lang="de-DE"/>
+            <a:endParaRPr lang="de-DE" dirty="0"/>
           </a:p>
         </p:txBody>
       </p:sp>
@@ -2391,7 +2392,7 @@
           <p:cNvPr id="6" name="Fußzeilenplatzhalter 5">
             <a:extLst>
               <a:ext uri="{FF2B5EF4-FFF2-40B4-BE49-F238E27FC236}">
-                <a16:creationId xmlns:a16="http://schemas.microsoft.com/office/drawing/2014/main" id="{CA62E56A-6F7D-33DC-214C-91564EC490CA}"/>
+                <a16:creationId xmlns:a16="http://schemas.microsoft.com/office/drawing/2014/main" id="{845E5320-5C90-7587-54B8-B3F363492864}"/>
               </a:ext>
             </a:extLst>
           </p:cNvPr>
@@ -2407,7 +2408,7 @@
           <a:bodyPr/>
           <a:lstStyle/>
           <a:p>
-            <a:endParaRPr lang="de-DE"/>
+            <a:endParaRPr lang="de-DE" dirty="0"/>
           </a:p>
         </p:txBody>
       </p:sp>
@@ -2416,7 +2417,7 @@
           <p:cNvPr id="7" name="Foliennummernplatzhalter 6">
             <a:extLst>
               <a:ext uri="{FF2B5EF4-FFF2-40B4-BE49-F238E27FC236}">
-                <a16:creationId xmlns:a16="http://schemas.microsoft.com/office/drawing/2014/main" id="{5FB0BBF0-8DF1-7AE2-E3C3-A20FEFDB5D67}"/>
+                <a16:creationId xmlns:a16="http://schemas.microsoft.com/office/drawing/2014/main" id="{1C5FC41F-03BB-8FE5-5C5A-5681E421D329}"/>
               </a:ext>
             </a:extLst>
           </p:cNvPr>
@@ -2432,18 +2433,18 @@
           <a:bodyPr/>
           <a:lstStyle/>
           <a:p>
-            <a:fld id="{B6D6DF0F-3360-4E50-AA9F-3D400C595EFD}" type="slidenum">
+            <a:fld id="{17AFC932-1482-4B30-BCED-9E8F9D6239CE}" type="slidenum">
               <a:rPr lang="de-DE" smtClean="0"/>
               <a:t>‹Nr.›</a:t>
             </a:fld>
-            <a:endParaRPr lang="de-DE"/>
+            <a:endParaRPr lang="de-DE" dirty="0"/>
           </a:p>
         </p:txBody>
       </p:sp>
     </p:spTree>
     <p:extLst>
       <p:ext uri="{BB962C8B-B14F-4D97-AF65-F5344CB8AC3E}">
-        <p14:creationId xmlns:p14="http://schemas.microsoft.com/office/powerpoint/2010/main" val="2899025497"/>
+        <p14:creationId xmlns:p14="http://schemas.microsoft.com/office/powerpoint/2010/main" val="4070242725"/>
       </p:ext>
     </p:extLst>
   </p:cSld>
@@ -2475,7 +2476,7 @@
           <p:cNvPr id="2" name="Titel 1">
             <a:extLst>
               <a:ext uri="{FF2B5EF4-FFF2-40B4-BE49-F238E27FC236}">
-                <a16:creationId xmlns:a16="http://schemas.microsoft.com/office/drawing/2014/main" id="{CCF6D838-CF42-BADC-A6EA-4981330596B0}"/>
+                <a16:creationId xmlns:a16="http://schemas.microsoft.com/office/drawing/2014/main" id="{9264F4EE-DC91-B097-BBE4-D21C4002B6E8}"/>
               </a:ext>
             </a:extLst>
           </p:cNvPr>
@@ -2512,7 +2513,7 @@
           <p:cNvPr id="3" name="Bildplatzhalter 2">
             <a:extLst>
               <a:ext uri="{FF2B5EF4-FFF2-40B4-BE49-F238E27FC236}">
-                <a16:creationId xmlns:a16="http://schemas.microsoft.com/office/drawing/2014/main" id="{839B7348-5694-502F-5F01-7BD047FFDDFB}"/>
+                <a16:creationId xmlns:a16="http://schemas.microsoft.com/office/drawing/2014/main" id="{4B5142D5-E30F-D424-C418-36DA81A516CA}"/>
               </a:ext>
             </a:extLst>
           </p:cNvPr>
@@ -2570,7 +2571,7 @@
             </a:lvl9pPr>
           </a:lstStyle>
           <a:p>
-            <a:endParaRPr lang="de-DE"/>
+            <a:endParaRPr lang="de-DE" dirty="0"/>
           </a:p>
         </p:txBody>
       </p:sp>
@@ -2579,7 +2580,7 @@
           <p:cNvPr id="4" name="Textplatzhalter 3">
             <a:extLst>
               <a:ext uri="{FF2B5EF4-FFF2-40B4-BE49-F238E27FC236}">
-                <a16:creationId xmlns:a16="http://schemas.microsoft.com/office/drawing/2014/main" id="{E596D4D8-49DB-8B7C-1AED-AA98EB005DFD}"/>
+                <a16:creationId xmlns:a16="http://schemas.microsoft.com/office/drawing/2014/main" id="{7C90B171-9FDB-C86C-5194-52AD2C78AF87}"/>
               </a:ext>
             </a:extLst>
           </p:cNvPr>
@@ -2650,7 +2651,7 @@
           <p:cNvPr id="5" name="Datumsplatzhalter 4">
             <a:extLst>
               <a:ext uri="{FF2B5EF4-FFF2-40B4-BE49-F238E27FC236}">
-                <a16:creationId xmlns:a16="http://schemas.microsoft.com/office/drawing/2014/main" id="{09FE3AFB-926D-E853-9D29-500C5CACA25F}"/>
+                <a16:creationId xmlns:a16="http://schemas.microsoft.com/office/drawing/2014/main" id="{05D0E948-C552-5FE6-F7BB-BE0DB400A1CA}"/>
               </a:ext>
             </a:extLst>
           </p:cNvPr>
@@ -2666,11 +2667,11 @@
           <a:bodyPr/>
           <a:lstStyle/>
           <a:p>
-            <a:fld id="{ED78F558-32D9-465F-B1ED-15BDFCDFB2C4}" type="datetimeFigureOut">
+            <a:fld id="{33A5DE37-D982-404A-ACD9-39B1632D0E11}" type="datetimeFigureOut">
               <a:rPr lang="de-DE" smtClean="0"/>
-              <a:t>29.06.2022</a:t>
+              <a:t>19.07.2022</a:t>
             </a:fld>
-            <a:endParaRPr lang="de-DE"/>
+            <a:endParaRPr lang="de-DE" dirty="0"/>
           </a:p>
         </p:txBody>
       </p:sp>
@@ -2679,7 +2680,7 @@
           <p:cNvPr id="6" name="Fußzeilenplatzhalter 5">
             <a:extLst>
               <a:ext uri="{FF2B5EF4-FFF2-40B4-BE49-F238E27FC236}">
-                <a16:creationId xmlns:a16="http://schemas.microsoft.com/office/drawing/2014/main" id="{AA292F8C-0A1A-90DB-B5E7-5BB6BD1DDB38}"/>
+                <a16:creationId xmlns:a16="http://schemas.microsoft.com/office/drawing/2014/main" id="{8A722D44-9DEE-180D-CA8B-258B40542197}"/>
               </a:ext>
             </a:extLst>
           </p:cNvPr>
@@ -2695,7 +2696,7 @@
           <a:bodyPr/>
           <a:lstStyle/>
           <a:p>
-            <a:endParaRPr lang="de-DE"/>
+            <a:endParaRPr lang="de-DE" dirty="0"/>
           </a:p>
         </p:txBody>
       </p:sp>
@@ -2704,7 +2705,7 @@
           <p:cNvPr id="7" name="Foliennummernplatzhalter 6">
             <a:extLst>
               <a:ext uri="{FF2B5EF4-FFF2-40B4-BE49-F238E27FC236}">
-                <a16:creationId xmlns:a16="http://schemas.microsoft.com/office/drawing/2014/main" id="{95739846-0530-230C-C794-E6F2B3651CE3}"/>
+                <a16:creationId xmlns:a16="http://schemas.microsoft.com/office/drawing/2014/main" id="{0E78548C-8012-2E3B-64A7-825C2081ED55}"/>
               </a:ext>
             </a:extLst>
           </p:cNvPr>
@@ -2720,18 +2721,18 @@
           <a:bodyPr/>
           <a:lstStyle/>
           <a:p>
-            <a:fld id="{B6D6DF0F-3360-4E50-AA9F-3D400C595EFD}" type="slidenum">
+            <a:fld id="{17AFC932-1482-4B30-BCED-9E8F9D6239CE}" type="slidenum">
               <a:rPr lang="de-DE" smtClean="0"/>
               <a:t>‹Nr.›</a:t>
             </a:fld>
-            <a:endParaRPr lang="de-DE"/>
+            <a:endParaRPr lang="de-DE" dirty="0"/>
           </a:p>
         </p:txBody>
       </p:sp>
     </p:spTree>
     <p:extLst>
       <p:ext uri="{BB962C8B-B14F-4D97-AF65-F5344CB8AC3E}">
-        <p14:creationId xmlns:p14="http://schemas.microsoft.com/office/powerpoint/2010/main" val="1116719428"/>
+        <p14:creationId xmlns:p14="http://schemas.microsoft.com/office/powerpoint/2010/main" val="2049276604"/>
       </p:ext>
     </p:extLst>
   </p:cSld>
@@ -2768,7 +2769,7 @@
           <p:cNvPr id="2" name="Titelplatzhalter 1">
             <a:extLst>
               <a:ext uri="{FF2B5EF4-FFF2-40B4-BE49-F238E27FC236}">
-                <a16:creationId xmlns:a16="http://schemas.microsoft.com/office/drawing/2014/main" id="{4084360E-AD3A-E2F4-EF61-5C675752B3AF}"/>
+                <a16:creationId xmlns:a16="http://schemas.microsoft.com/office/drawing/2014/main" id="{AC597054-F0EF-E787-BFEB-C5A80736654B}"/>
               </a:ext>
             </a:extLst>
           </p:cNvPr>
@@ -2806,7 +2807,7 @@
           <p:cNvPr id="3" name="Textplatzhalter 2">
             <a:extLst>
               <a:ext uri="{FF2B5EF4-FFF2-40B4-BE49-F238E27FC236}">
-                <a16:creationId xmlns:a16="http://schemas.microsoft.com/office/drawing/2014/main" id="{AB7A56FF-8731-FAD9-7BC8-A3F8F7725567}"/>
+                <a16:creationId xmlns:a16="http://schemas.microsoft.com/office/drawing/2014/main" id="{9EC9D1DA-145C-8B81-2194-340521B85DCC}"/>
               </a:ext>
             </a:extLst>
           </p:cNvPr>
@@ -2873,7 +2874,7 @@
           <p:cNvPr id="4" name="Datumsplatzhalter 3">
             <a:extLst>
               <a:ext uri="{FF2B5EF4-FFF2-40B4-BE49-F238E27FC236}">
-                <a16:creationId xmlns:a16="http://schemas.microsoft.com/office/drawing/2014/main" id="{044B7F30-9784-3ED1-AB7B-CB07E06E310B}"/>
+                <a16:creationId xmlns:a16="http://schemas.microsoft.com/office/drawing/2014/main" id="{1DAF72F0-8248-9801-B43D-11972C2F4006}"/>
               </a:ext>
             </a:extLst>
           </p:cNvPr>
@@ -2907,11 +2908,11 @@
             </a:lvl1pPr>
           </a:lstStyle>
           <a:p>
-            <a:fld id="{ED78F558-32D9-465F-B1ED-15BDFCDFB2C4}" type="datetimeFigureOut">
+            <a:fld id="{33A5DE37-D982-404A-ACD9-39B1632D0E11}" type="datetimeFigureOut">
               <a:rPr lang="de-DE" smtClean="0"/>
-              <a:t>29.06.2022</a:t>
+              <a:t>19.07.2022</a:t>
             </a:fld>
-            <a:endParaRPr lang="de-DE"/>
+            <a:endParaRPr lang="de-DE" dirty="0"/>
           </a:p>
         </p:txBody>
       </p:sp>
@@ -2920,7 +2921,7 @@
           <p:cNvPr id="5" name="Fußzeilenplatzhalter 4">
             <a:extLst>
               <a:ext uri="{FF2B5EF4-FFF2-40B4-BE49-F238E27FC236}">
-                <a16:creationId xmlns:a16="http://schemas.microsoft.com/office/drawing/2014/main" id="{DF74EB97-7EA6-3BF9-B096-2876C889CE0B}"/>
+                <a16:creationId xmlns:a16="http://schemas.microsoft.com/office/drawing/2014/main" id="{897E6094-BB95-5CAC-EA28-8691E09A8CC2}"/>
               </a:ext>
             </a:extLst>
           </p:cNvPr>
@@ -2954,7 +2955,7 @@
             </a:lvl1pPr>
           </a:lstStyle>
           <a:p>
-            <a:endParaRPr lang="de-DE"/>
+            <a:endParaRPr lang="de-DE" dirty="0"/>
           </a:p>
         </p:txBody>
       </p:sp>
@@ -2963,7 +2964,7 @@
           <p:cNvPr id="6" name="Foliennummernplatzhalter 5">
             <a:extLst>
               <a:ext uri="{FF2B5EF4-FFF2-40B4-BE49-F238E27FC236}">
-                <a16:creationId xmlns:a16="http://schemas.microsoft.com/office/drawing/2014/main" id="{18610C72-F8CB-F654-0A1C-74166B7CE1E9}"/>
+                <a16:creationId xmlns:a16="http://schemas.microsoft.com/office/drawing/2014/main" id="{249C4897-4879-63F2-7DAE-283DA79686A4}"/>
               </a:ext>
             </a:extLst>
           </p:cNvPr>
@@ -2997,18 +2998,18 @@
             </a:lvl1pPr>
           </a:lstStyle>
           <a:p>
-            <a:fld id="{B6D6DF0F-3360-4E50-AA9F-3D400C595EFD}" type="slidenum">
+            <a:fld id="{17AFC932-1482-4B30-BCED-9E8F9D6239CE}" type="slidenum">
               <a:rPr lang="de-DE" smtClean="0"/>
               <a:t>‹Nr.›</a:t>
             </a:fld>
-            <a:endParaRPr lang="de-DE"/>
+            <a:endParaRPr lang="de-DE" dirty="0"/>
           </a:p>
         </p:txBody>
       </p:sp>
     </p:spTree>
     <p:extLst>
       <p:ext uri="{BB962C8B-B14F-4D97-AF65-F5344CB8AC3E}">
-        <p14:creationId xmlns:p14="http://schemas.microsoft.com/office/powerpoint/2010/main" val="2091931725"/>
+        <p14:creationId xmlns:p14="http://schemas.microsoft.com/office/powerpoint/2010/main" val="1981524254"/>
       </p:ext>
     </p:extLst>
   </p:cSld>
@@ -3326,99 +3327,162 @@
           <a:chExt cx="0" cy="0"/>
         </a:xfrm>
       </p:grpSpPr>
-      <p:pic>
-        <p:nvPicPr>
-          <p:cNvPr id="14" name="Grafik 13">
-            <a:extLst>
-              <a:ext uri="{FF2B5EF4-FFF2-40B4-BE49-F238E27FC236}">
-                <a16:creationId xmlns:a16="http://schemas.microsoft.com/office/drawing/2014/main" id="{D0D2BCE3-0FA8-4E32-5B29-D9AEC8F679CC}"/>
-              </a:ext>
-            </a:extLst>
-          </p:cNvPr>
-          <p:cNvPicPr>
-            <a:picLocks noChangeAspect="1"/>
-          </p:cNvPicPr>
+      <p:grpSp>
+        <p:nvGrpSpPr>
+          <p:cNvPr id="13" name="Gruppieren 12">
+            <a:extLst>
+              <a:ext uri="{FF2B5EF4-FFF2-40B4-BE49-F238E27FC236}">
+                <a16:creationId xmlns:a16="http://schemas.microsoft.com/office/drawing/2014/main" id="{DCABFCD8-2367-A41D-4588-56F03EBF990D}"/>
+              </a:ext>
+            </a:extLst>
+          </p:cNvPr>
+          <p:cNvGrpSpPr/>
           <p:nvPr/>
-        </p:nvPicPr>
-        <p:blipFill>
-          <a:blip r:embed="rId2">
-            <a:extLst>
-              <a:ext uri="{28A0092B-C50C-407E-A947-70E740481C1C}">
-                <a14:useLocalDpi xmlns:a14="http://schemas.microsoft.com/office/drawing/2010/main" val="0"/>
-              </a:ext>
-            </a:extLst>
-          </a:blip>
-          <a:stretch>
-            <a:fillRect/>
-          </a:stretch>
-        </p:blipFill>
+        </p:nvGrpSpPr>
+        <p:grpSpPr>
+          <a:xfrm>
+            <a:off x="135466" y="84578"/>
+            <a:ext cx="11921067" cy="2182557"/>
+            <a:chOff x="173564" y="2412997"/>
+            <a:chExt cx="11921067" cy="2032003"/>
+          </a:xfrm>
+          <a:noFill/>
+        </p:grpSpPr>
+        <p:sp>
+          <p:nvSpPr>
+            <p:cNvPr id="6" name="Rechteck 5">
+              <a:extLst>
+                <a:ext uri="{FF2B5EF4-FFF2-40B4-BE49-F238E27FC236}">
+                  <a16:creationId xmlns:a16="http://schemas.microsoft.com/office/drawing/2014/main" id="{AE1FB4C5-7A8A-76F9-EE10-CD939EC7178C}"/>
+                </a:ext>
+              </a:extLst>
+            </p:cNvPr>
+            <p:cNvSpPr/>
+            <p:nvPr/>
+          </p:nvSpPr>
+          <p:spPr>
+            <a:xfrm>
+              <a:off x="173564" y="2412999"/>
+              <a:ext cx="11921067" cy="2032001"/>
+            </a:xfrm>
+            <a:prstGeom prst="rect">
+              <a:avLst/>
+            </a:prstGeom>
+            <a:grpFill/>
+            <a:ln>
+              <a:solidFill>
+                <a:schemeClr val="tx1"/>
+              </a:solidFill>
+            </a:ln>
+          </p:spPr>
+          <p:style>
+            <a:lnRef idx="2">
+              <a:schemeClr val="accent6"/>
+            </a:lnRef>
+            <a:fillRef idx="1">
+              <a:schemeClr val="lt1"/>
+            </a:fillRef>
+            <a:effectRef idx="0">
+              <a:schemeClr val="accent6"/>
+            </a:effectRef>
+            <a:fontRef idx="minor">
+              <a:schemeClr val="dk1"/>
+            </a:fontRef>
+          </p:style>
+          <p:txBody>
+            <a:bodyPr rtlCol="0" anchor="ctr"/>
+            <a:lstStyle/>
+            <a:p>
+              <a:pPr algn="ctr"/>
+              <a:endParaRPr lang="de-DE"/>
+            </a:p>
+          </p:txBody>
+        </p:sp>
+        <p:sp>
+          <p:nvSpPr>
+            <p:cNvPr id="9" name="Rechteck 8">
+              <a:extLst>
+                <a:ext uri="{FF2B5EF4-FFF2-40B4-BE49-F238E27FC236}">
+                  <a16:creationId xmlns:a16="http://schemas.microsoft.com/office/drawing/2014/main" id="{BB976D02-0CFB-47BC-D89C-3C6705247289}"/>
+                </a:ext>
+              </a:extLst>
+            </p:cNvPr>
+            <p:cNvSpPr/>
+            <p:nvPr/>
+          </p:nvSpPr>
+          <p:spPr>
+            <a:xfrm rot="16200000">
+              <a:off x="-751417" y="3337978"/>
+              <a:ext cx="2032001" cy="182039"/>
+            </a:xfrm>
+            <a:prstGeom prst="rect">
+              <a:avLst/>
+            </a:prstGeom>
+            <a:solidFill>
+              <a:srgbClr val="FBE5D6"/>
+            </a:solidFill>
+            <a:ln>
+              <a:solidFill>
+                <a:schemeClr val="tx1"/>
+              </a:solidFill>
+            </a:ln>
+          </p:spPr>
+          <p:style>
+            <a:lnRef idx="2">
+              <a:schemeClr val="accent6"/>
+            </a:lnRef>
+            <a:fillRef idx="1">
+              <a:schemeClr val="lt1"/>
+            </a:fillRef>
+            <a:effectRef idx="0">
+              <a:schemeClr val="accent6"/>
+            </a:effectRef>
+            <a:fontRef idx="minor">
+              <a:schemeClr val="dk1"/>
+            </a:fontRef>
+          </p:style>
+          <p:txBody>
+            <a:bodyPr rtlCol="0" anchor="ctr"/>
+            <a:lstStyle/>
+            <a:p>
+              <a:pPr algn="ctr"/>
+              <a:r>
+                <a:rPr lang="de-DE" sz="1400" dirty="0"/>
+                <a:t>Projektdesign</a:t>
+              </a:r>
+              <a:endParaRPr lang="de-DE" dirty="0"/>
+            </a:p>
+          </p:txBody>
+        </p:sp>
+      </p:grpSp>
+      <p:sp>
+        <p:nvSpPr>
+          <p:cNvPr id="95" name="Pfeil: Chevron 94">
+            <a:extLst>
+              <a:ext uri="{FF2B5EF4-FFF2-40B4-BE49-F238E27FC236}">
+                <a16:creationId xmlns:a16="http://schemas.microsoft.com/office/drawing/2014/main" id="{133674C8-D0A8-7995-65B2-C9080E0BF475}"/>
+              </a:ext>
+            </a:extLst>
+          </p:cNvPr>
+          <p:cNvSpPr/>
+          <p:nvPr/>
+        </p:nvSpPr>
         <p:spPr>
           <a:xfrm>
-            <a:off x="4591784" y="928845"/>
-            <a:ext cx="370044" cy="379677"/>
+            <a:off x="7641590" y="2677745"/>
+            <a:ext cx="2937821" cy="229293"/>
           </a:xfrm>
-          <a:prstGeom prst="rect">
+          <a:prstGeom prst="chevron">
             <a:avLst/>
           </a:prstGeom>
-        </p:spPr>
-      </p:pic>
-      <p:pic>
-        <p:nvPicPr>
-          <p:cNvPr id="13" name="Grafik 12">
-            <a:extLst>
-              <a:ext uri="{FF2B5EF4-FFF2-40B4-BE49-F238E27FC236}">
-                <a16:creationId xmlns:a16="http://schemas.microsoft.com/office/drawing/2014/main" id="{18207153-97CA-F652-9EC1-C0B1135C2FC9}"/>
-              </a:ext>
-            </a:extLst>
-          </p:cNvPr>
-          <p:cNvPicPr>
-            <a:picLocks noChangeAspect="1"/>
-          </p:cNvPicPr>
-          <p:nvPr/>
-        </p:nvPicPr>
-        <p:blipFill>
-          <a:blip r:embed="rId2">
-            <a:extLst>
-              <a:ext uri="{28A0092B-C50C-407E-A947-70E740481C1C}">
-                <a14:useLocalDpi xmlns:a14="http://schemas.microsoft.com/office/drawing/2010/main" val="0"/>
-              </a:ext>
-            </a:extLst>
-          </a:blip>
-          <a:stretch>
-            <a:fillRect/>
-          </a:stretch>
-        </p:blipFill>
-        <p:spPr>
-          <a:xfrm>
-            <a:off x="4441662" y="928846"/>
-            <a:ext cx="370044" cy="379677"/>
-          </a:xfrm>
-          <a:prstGeom prst="rect">
-            <a:avLst/>
-          </a:prstGeom>
-        </p:spPr>
-      </p:pic>
-      <p:sp>
-        <p:nvSpPr>
-          <p:cNvPr id="2" name="Rechteck 1">
-            <a:extLst>
-              <a:ext uri="{FF2B5EF4-FFF2-40B4-BE49-F238E27FC236}">
-                <a16:creationId xmlns:a16="http://schemas.microsoft.com/office/drawing/2014/main" id="{7277AF3D-8332-F51A-B3D4-4BD29010CAD4}"/>
-              </a:ext>
-            </a:extLst>
-          </p:cNvPr>
-          <p:cNvSpPr/>
-          <p:nvPr/>
-        </p:nvSpPr>
-        <p:spPr>
-          <a:xfrm>
-            <a:off x="372585" y="597773"/>
-            <a:ext cx="1801656" cy="743348"/>
-          </a:xfrm>
-          <a:prstGeom prst="rect">
-            <a:avLst/>
-          </a:prstGeom>
-          <a:noFill/>
+          <a:solidFill>
+            <a:srgbClr val="FF5050">
+              <a:alpha val="60000"/>
+            </a:srgbClr>
+          </a:solidFill>
+          <a:ln>
+            <a:noFill/>
+          </a:ln>
         </p:spPr>
         <p:style>
           <a:lnRef idx="2">
@@ -3441,66 +3505,53 @@
           <a:lstStyle/>
           <a:p>
             <a:pPr algn="ctr"/>
-            <a:endParaRPr lang="de-DE"/>
-          </a:p>
-        </p:txBody>
-      </p:sp>
-      <p:pic>
-        <p:nvPicPr>
-          <p:cNvPr id="4" name="Grafik 3">
-            <a:extLst>
-              <a:ext uri="{FF2B5EF4-FFF2-40B4-BE49-F238E27FC236}">
-                <a16:creationId xmlns:a16="http://schemas.microsoft.com/office/drawing/2014/main" id="{9D7BF857-D08F-0456-0A49-B104FA1F47BF}"/>
-              </a:ext>
-            </a:extLst>
-          </p:cNvPr>
-          <p:cNvPicPr>
-            <a:picLocks noChangeAspect="1"/>
-          </p:cNvPicPr>
+            <a:r>
+              <a:rPr lang="de-DE" sz="1100" b="1" dirty="0" err="1">
+                <a:solidFill>
+                  <a:schemeClr val="tx1"/>
+                </a:solidFill>
+              </a:rPr>
+              <a:t>analyse.ipynb</a:t>
+            </a:r>
+            <a:endParaRPr lang="de-DE" sz="1100" b="1" dirty="0">
+              <a:solidFill>
+                <a:schemeClr val="tx1"/>
+              </a:solidFill>
+            </a:endParaRPr>
+          </a:p>
+        </p:txBody>
+      </p:sp>
+      <p:sp>
+        <p:nvSpPr>
+          <p:cNvPr id="207" name="Rechteck 206">
+            <a:extLst>
+              <a:ext uri="{FF2B5EF4-FFF2-40B4-BE49-F238E27FC236}">
+                <a16:creationId xmlns:a16="http://schemas.microsoft.com/office/drawing/2014/main" id="{39126844-598B-5EF3-8DFB-FA071A2E1D24}"/>
+              </a:ext>
+            </a:extLst>
+          </p:cNvPr>
+          <p:cNvSpPr/>
           <p:nvPr/>
-        </p:nvPicPr>
-        <p:blipFill>
-          <a:blip r:embed="rId3">
-            <a:extLst>
-              <a:ext uri="{28A0092B-C50C-407E-A947-70E740481C1C}">
-                <a14:useLocalDpi xmlns:a14="http://schemas.microsoft.com/office/drawing/2010/main" val="0"/>
-              </a:ext>
-            </a:extLst>
-          </a:blip>
-          <a:stretch>
-            <a:fillRect/>
-          </a:stretch>
-        </p:blipFill>
+        </p:nvSpPr>
         <p:spPr>
           <a:xfrm>
-            <a:off x="821799" y="627420"/>
-            <a:ext cx="737364" cy="737364"/>
+            <a:off x="135466" y="2970778"/>
+            <a:ext cx="11955551" cy="3783971"/>
           </a:xfrm>
           <a:prstGeom prst="rect">
             <a:avLst/>
           </a:prstGeom>
-        </p:spPr>
-      </p:pic>
-      <p:sp>
-        <p:nvSpPr>
-          <p:cNvPr id="5" name="Rechteck 4">
-            <a:extLst>
-              <a:ext uri="{FF2B5EF4-FFF2-40B4-BE49-F238E27FC236}">
-                <a16:creationId xmlns:a16="http://schemas.microsoft.com/office/drawing/2014/main" id="{92DFF4AA-FA82-39FD-DCE6-EA9E9D409C7B}"/>
-              </a:ext>
-            </a:extLst>
-          </p:cNvPr>
-          <p:cNvSpPr/>
-          <p:nvPr/>
-        </p:nvSpPr>
-        <p:spPr>
-          <a:xfrm>
-            <a:off x="372585" y="374650"/>
-            <a:ext cx="1801656" cy="223123"/>
-          </a:xfrm>
-          <a:prstGeom prst="rect">
-            <a:avLst/>
-          </a:prstGeom>
+          <a:solidFill>
+            <a:schemeClr val="bg1"/>
+          </a:solidFill>
+          <a:ln>
+            <a:solidFill>
+              <a:schemeClr val="accent1">
+                <a:lumMod val="20000"/>
+                <a:lumOff val="80000"/>
+              </a:schemeClr>
+            </a:solidFill>
+          </a:ln>
         </p:spPr>
         <p:style>
           <a:lnRef idx="2">
@@ -3523,20 +3574,16 @@
           <a:lstStyle/>
           <a:p>
             <a:pPr algn="ctr"/>
-            <a:r>
-              <a:rPr lang="de-DE" dirty="0" err="1"/>
-              <a:t>Synthea</a:t>
-            </a:r>
             <a:endParaRPr lang="de-DE" dirty="0"/>
           </a:p>
         </p:txBody>
       </p:sp>
       <p:sp>
         <p:nvSpPr>
-          <p:cNvPr id="6" name="Pfeil: nach rechts 5">
-            <a:extLst>
-              <a:ext uri="{FF2B5EF4-FFF2-40B4-BE49-F238E27FC236}">
-                <a16:creationId xmlns:a16="http://schemas.microsoft.com/office/drawing/2014/main" id="{B3F378EC-D5FC-C4AF-67B8-5C8AFEAD1B53}"/>
+          <p:cNvPr id="208" name="Rechteck 207">
+            <a:extLst>
+              <a:ext uri="{FF2B5EF4-FFF2-40B4-BE49-F238E27FC236}">
+                <a16:creationId xmlns:a16="http://schemas.microsoft.com/office/drawing/2014/main" id="{DBB79584-6F0D-758C-3DF2-8A681F2AA389}"/>
               </a:ext>
             </a:extLst>
           </p:cNvPr>
@@ -3544,13 +3591,1290 @@
           <p:nvPr/>
         </p:nvSpPr>
         <p:spPr>
-          <a:xfrm>
-            <a:off x="2174241" y="820896"/>
-            <a:ext cx="1064259" cy="107950"/>
+          <a:xfrm rot="16200000">
+            <a:off x="-1665500" y="4771740"/>
+            <a:ext cx="3783971" cy="182039"/>
           </a:xfrm>
-          <a:prstGeom prst="rightArrow">
+          <a:prstGeom prst="rect">
             <a:avLst/>
           </a:prstGeom>
+          <a:solidFill>
+            <a:schemeClr val="accent1">
+              <a:lumMod val="60000"/>
+              <a:lumOff val="40000"/>
+            </a:schemeClr>
+          </a:solidFill>
+          <a:ln>
+            <a:solidFill>
+              <a:schemeClr val="accent5">
+                <a:lumMod val="20000"/>
+                <a:lumOff val="80000"/>
+              </a:schemeClr>
+            </a:solidFill>
+          </a:ln>
+        </p:spPr>
+        <p:style>
+          <a:lnRef idx="2">
+            <a:schemeClr val="accent6"/>
+          </a:lnRef>
+          <a:fillRef idx="1">
+            <a:schemeClr val="lt1"/>
+          </a:fillRef>
+          <a:effectRef idx="0">
+            <a:schemeClr val="accent6"/>
+          </a:effectRef>
+          <a:fontRef idx="minor">
+            <a:schemeClr val="dk1"/>
+          </a:fontRef>
+        </p:style>
+        <p:txBody>
+          <a:bodyPr rtlCol="0" anchor="ctr"/>
+          <a:lstStyle/>
+          <a:p>
+            <a:pPr algn="ctr"/>
+            <a:r>
+              <a:rPr lang="de-DE" sz="1400" b="1" dirty="0">
+                <a:solidFill>
+                  <a:schemeClr val="tx1"/>
+                </a:solidFill>
+              </a:rPr>
+              <a:t>Daten</a:t>
+            </a:r>
+          </a:p>
+        </p:txBody>
+      </p:sp>
+      <p:grpSp>
+        <p:nvGrpSpPr>
+          <p:cNvPr id="127" name="Gruppieren 126">
+            <a:extLst>
+              <a:ext uri="{FF2B5EF4-FFF2-40B4-BE49-F238E27FC236}">
+                <a16:creationId xmlns:a16="http://schemas.microsoft.com/office/drawing/2014/main" id="{08976DCC-1047-6DC0-1E1C-F88BB66E37AF}"/>
+              </a:ext>
+            </a:extLst>
+          </p:cNvPr>
+          <p:cNvGrpSpPr/>
+          <p:nvPr/>
+        </p:nvGrpSpPr>
+        <p:grpSpPr>
+          <a:xfrm>
+            <a:off x="405588" y="5637260"/>
+            <a:ext cx="1568686" cy="1004326"/>
+            <a:chOff x="1612665" y="5660520"/>
+            <a:chExt cx="1568686" cy="1004326"/>
+          </a:xfrm>
+        </p:grpSpPr>
+        <p:grpSp>
+          <p:nvGrpSpPr>
+            <p:cNvPr id="187" name="Gruppieren 186">
+              <a:extLst>
+                <a:ext uri="{FF2B5EF4-FFF2-40B4-BE49-F238E27FC236}">
+                  <a16:creationId xmlns:a16="http://schemas.microsoft.com/office/drawing/2014/main" id="{D3C27400-367A-AD3E-E49A-3B24DEF88003}"/>
+                </a:ext>
+              </a:extLst>
+            </p:cNvPr>
+            <p:cNvGrpSpPr/>
+            <p:nvPr/>
+          </p:nvGrpSpPr>
+          <p:grpSpPr>
+            <a:xfrm>
+              <a:off x="1612665" y="5695953"/>
+              <a:ext cx="1568686" cy="968893"/>
+              <a:chOff x="173561" y="4693078"/>
+              <a:chExt cx="11921062" cy="2032000"/>
+            </a:xfrm>
+          </p:grpSpPr>
+          <p:sp>
+            <p:nvSpPr>
+              <p:cNvPr id="205" name="Rechteck 204">
+                <a:extLst>
+                  <a:ext uri="{FF2B5EF4-FFF2-40B4-BE49-F238E27FC236}">
+                    <a16:creationId xmlns:a16="http://schemas.microsoft.com/office/drawing/2014/main" id="{15A9D13B-64FD-7759-54B3-00FA5C493200}"/>
+                  </a:ext>
+                </a:extLst>
+              </p:cNvPr>
+              <p:cNvSpPr/>
+              <p:nvPr/>
+            </p:nvSpPr>
+            <p:spPr>
+              <a:xfrm>
+                <a:off x="173561" y="4693078"/>
+                <a:ext cx="11921062" cy="2032000"/>
+              </a:xfrm>
+              <a:prstGeom prst="rect">
+                <a:avLst/>
+              </a:prstGeom>
+              <a:noFill/>
+              <a:ln>
+                <a:solidFill>
+                  <a:schemeClr val="tx1"/>
+                </a:solidFill>
+              </a:ln>
+            </p:spPr>
+            <p:style>
+              <a:lnRef idx="2">
+                <a:schemeClr val="accent1">
+                  <a:shade val="50000"/>
+                </a:schemeClr>
+              </a:lnRef>
+              <a:fillRef idx="1">
+                <a:schemeClr val="accent1"/>
+              </a:fillRef>
+              <a:effectRef idx="0">
+                <a:schemeClr val="accent1"/>
+              </a:effectRef>
+              <a:fontRef idx="minor">
+                <a:schemeClr val="lt1"/>
+              </a:fontRef>
+            </p:style>
+            <p:txBody>
+              <a:bodyPr rtlCol="0" anchor="ctr"/>
+              <a:lstStyle/>
+              <a:p>
+                <a:pPr algn="ctr"/>
+                <a:endParaRPr lang="de-DE" dirty="0"/>
+              </a:p>
+            </p:txBody>
+          </p:sp>
+          <p:sp>
+            <p:nvSpPr>
+              <p:cNvPr id="206" name="Rechteck 205">
+                <a:extLst>
+                  <a:ext uri="{FF2B5EF4-FFF2-40B4-BE49-F238E27FC236}">
+                    <a16:creationId xmlns:a16="http://schemas.microsoft.com/office/drawing/2014/main" id="{D596271F-344D-29EB-0DAD-F5060FCCBD2E}"/>
+                  </a:ext>
+                </a:extLst>
+              </p:cNvPr>
+              <p:cNvSpPr/>
+              <p:nvPr/>
+            </p:nvSpPr>
+            <p:spPr>
+              <a:xfrm rot="16200000">
+                <a:off x="103185" y="4763482"/>
+                <a:ext cx="2031998" cy="1891193"/>
+              </a:xfrm>
+              <a:prstGeom prst="rect">
+                <a:avLst/>
+              </a:prstGeom>
+              <a:solidFill>
+                <a:srgbClr val="A9D18E"/>
+              </a:solidFill>
+              <a:ln>
+                <a:solidFill>
+                  <a:schemeClr val="tx1"/>
+                </a:solidFill>
+              </a:ln>
+            </p:spPr>
+            <p:style>
+              <a:lnRef idx="2">
+                <a:schemeClr val="accent6"/>
+              </a:lnRef>
+              <a:fillRef idx="1">
+                <a:schemeClr val="lt1"/>
+              </a:fillRef>
+              <a:effectRef idx="0">
+                <a:schemeClr val="accent6"/>
+              </a:effectRef>
+              <a:fontRef idx="minor">
+                <a:schemeClr val="dk1"/>
+              </a:fontRef>
+            </p:style>
+            <p:txBody>
+              <a:bodyPr rtlCol="0" anchor="ctr"/>
+              <a:lstStyle/>
+              <a:p>
+                <a:pPr algn="ctr"/>
+                <a:r>
+                  <a:rPr lang="de-DE" sz="1100" dirty="0"/>
+                  <a:t>.</a:t>
+                </a:r>
+                <a:r>
+                  <a:rPr lang="de-DE" sz="1100" b="1" dirty="0" err="1"/>
+                  <a:t>csv</a:t>
+                </a:r>
+                <a:endParaRPr lang="de-DE" sz="1100" b="1" dirty="0"/>
+              </a:p>
+            </p:txBody>
+          </p:sp>
+        </p:grpSp>
+        <p:grpSp>
+          <p:nvGrpSpPr>
+            <p:cNvPr id="188" name="Gruppieren 187">
+              <a:extLst>
+                <a:ext uri="{FF2B5EF4-FFF2-40B4-BE49-F238E27FC236}">
+                  <a16:creationId xmlns:a16="http://schemas.microsoft.com/office/drawing/2014/main" id="{91D6B7B6-2C6A-F6BA-FD04-4B5145D0C7F7}"/>
+                </a:ext>
+              </a:extLst>
+            </p:cNvPr>
+            <p:cNvGrpSpPr/>
+            <p:nvPr/>
+          </p:nvGrpSpPr>
+          <p:grpSpPr>
+            <a:xfrm>
+              <a:off x="1931458" y="5660520"/>
+              <a:ext cx="1159549" cy="964914"/>
+              <a:chOff x="3435113" y="3428340"/>
+              <a:chExt cx="1159549" cy="964914"/>
+            </a:xfrm>
+          </p:grpSpPr>
+          <p:grpSp>
+            <p:nvGrpSpPr>
+              <p:cNvPr id="189" name="Gruppieren 188">
+                <a:extLst>
+                  <a:ext uri="{FF2B5EF4-FFF2-40B4-BE49-F238E27FC236}">
+                    <a16:creationId xmlns:a16="http://schemas.microsoft.com/office/drawing/2014/main" id="{A3F986BB-4A9D-CB75-1F63-88F8FF0CF261}"/>
+                  </a:ext>
+                </a:extLst>
+              </p:cNvPr>
+              <p:cNvGrpSpPr/>
+              <p:nvPr/>
+            </p:nvGrpSpPr>
+            <p:grpSpPr>
+              <a:xfrm>
+                <a:off x="3435113" y="3428340"/>
+                <a:ext cx="1159549" cy="348599"/>
+                <a:chOff x="3678006" y="349778"/>
+                <a:chExt cx="4165528" cy="1013976"/>
+              </a:xfrm>
+            </p:grpSpPr>
+            <p:pic>
+              <p:nvPicPr>
+                <p:cNvPr id="203" name="Grafik 202" descr="Geöffneter Ordner mit einfarbiger Füllung">
+                  <a:extLst>
+                    <a:ext uri="{FF2B5EF4-FFF2-40B4-BE49-F238E27FC236}">
+                      <a16:creationId xmlns:a16="http://schemas.microsoft.com/office/drawing/2014/main" id="{5592147F-56EE-5937-8095-A5D5119C8C97}"/>
+                    </a:ext>
+                  </a:extLst>
+                </p:cNvPr>
+                <p:cNvPicPr>
+                  <a:picLocks noChangeAspect="1"/>
+                </p:cNvPicPr>
+                <p:nvPr/>
+              </p:nvPicPr>
+              <p:blipFill>
+                <a:blip r:embed="rId2">
+                  <a:extLst>
+                    <a:ext uri="{28A0092B-C50C-407E-A947-70E740481C1C}">
+                      <a14:useLocalDpi xmlns:a14="http://schemas.microsoft.com/office/drawing/2010/main" val="0"/>
+                    </a:ext>
+                    <a:ext uri="{96DAC541-7B7A-43D3-8B79-37D633B846F1}">
+                      <asvg:svgBlip xmlns:asvg="http://schemas.microsoft.com/office/drawing/2016/SVG/main" r:embed="rId3"/>
+                    </a:ext>
+                  </a:extLst>
+                </a:blip>
+                <a:stretch>
+                  <a:fillRect/>
+                </a:stretch>
+              </p:blipFill>
+              <p:spPr>
+                <a:xfrm>
+                  <a:off x="3678006" y="349778"/>
+                  <a:ext cx="893994" cy="893994"/>
+                </a:xfrm>
+                <a:prstGeom prst="rect">
+                  <a:avLst/>
+                </a:prstGeom>
+              </p:spPr>
+            </p:pic>
+            <p:sp>
+              <p:nvSpPr>
+                <p:cNvPr id="204" name="Textfeld 203">
+                  <a:extLst>
+                    <a:ext uri="{FF2B5EF4-FFF2-40B4-BE49-F238E27FC236}">
+                      <a16:creationId xmlns:a16="http://schemas.microsoft.com/office/drawing/2014/main" id="{5F9E4E7B-0182-3600-D4C1-36723B609B84}"/>
+                    </a:ext>
+                  </a:extLst>
+                </p:cNvPr>
+                <p:cNvSpPr txBox="1"/>
+                <p:nvPr/>
+              </p:nvSpPr>
+              <p:spPr>
+                <a:xfrm>
+                  <a:off x="4581609" y="558042"/>
+                  <a:ext cx="3261925" cy="805712"/>
+                </a:xfrm>
+                <a:prstGeom prst="rect">
+                  <a:avLst/>
+                </a:prstGeom>
+                <a:noFill/>
+              </p:spPr>
+              <p:txBody>
+                <a:bodyPr wrap="square" rtlCol="0">
+                  <a:spAutoFit/>
+                </a:bodyPr>
+                <a:lstStyle/>
+                <a:p>
+                  <a:r>
+                    <a:rPr lang="de-DE" sz="1200" dirty="0"/>
+                    <a:t>../Daten</a:t>
+                  </a:r>
+                </a:p>
+              </p:txBody>
+            </p:sp>
+          </p:grpSp>
+          <p:grpSp>
+            <p:nvGrpSpPr>
+              <p:cNvPr id="190" name="Gruppieren 189">
+                <a:extLst>
+                  <a:ext uri="{FF2B5EF4-FFF2-40B4-BE49-F238E27FC236}">
+                    <a16:creationId xmlns:a16="http://schemas.microsoft.com/office/drawing/2014/main" id="{428D492F-C50B-EB1D-C8CE-DB3132FBAECC}"/>
+                  </a:ext>
+                </a:extLst>
+              </p:cNvPr>
+              <p:cNvGrpSpPr/>
+              <p:nvPr/>
+            </p:nvGrpSpPr>
+            <p:grpSpPr>
+              <a:xfrm>
+                <a:off x="3549041" y="3649179"/>
+                <a:ext cx="934058" cy="744075"/>
+                <a:chOff x="8064815" y="2606637"/>
+                <a:chExt cx="2180555" cy="1668027"/>
+              </a:xfrm>
+            </p:grpSpPr>
+            <p:cxnSp>
+              <p:nvCxnSpPr>
+                <p:cNvPr id="191" name="Verbinder: gewinkelt 190">
+                  <a:extLst>
+                    <a:ext uri="{FF2B5EF4-FFF2-40B4-BE49-F238E27FC236}">
+                      <a16:creationId xmlns:a16="http://schemas.microsoft.com/office/drawing/2014/main" id="{21BCCFEF-5DA7-980A-5CCE-E903E7C61E53}"/>
+                    </a:ext>
+                  </a:extLst>
+                </p:cNvPr>
+                <p:cNvCxnSpPr>
+                  <a:cxnSpLocks/>
+                </p:cNvCxnSpPr>
+                <p:nvPr/>
+              </p:nvCxnSpPr>
+              <p:spPr>
+                <a:xfrm rot="16200000" flipH="1">
+                  <a:off x="7899715" y="2771737"/>
+                  <a:ext cx="660400" cy="330200"/>
+                </a:xfrm>
+                <a:prstGeom prst="bentConnector3">
+                  <a:avLst>
+                    <a:gd name="adj1" fmla="val 100000"/>
+                  </a:avLst>
+                </a:prstGeom>
+                <a:ln>
+                  <a:solidFill>
+                    <a:schemeClr val="tx1"/>
+                  </a:solidFill>
+                  <a:tailEnd type="triangle"/>
+                </a:ln>
+              </p:spPr>
+              <p:style>
+                <a:lnRef idx="1">
+                  <a:schemeClr val="accent1"/>
+                </a:lnRef>
+                <a:fillRef idx="0">
+                  <a:schemeClr val="accent1"/>
+                </a:fillRef>
+                <a:effectRef idx="0">
+                  <a:schemeClr val="accent1"/>
+                </a:effectRef>
+                <a:fontRef idx="minor">
+                  <a:schemeClr val="tx1"/>
+                </a:fontRef>
+              </p:style>
+            </p:cxnSp>
+            <p:cxnSp>
+              <p:nvCxnSpPr>
+                <p:cNvPr id="192" name="Verbinder: gewinkelt 191">
+                  <a:extLst>
+                    <a:ext uri="{FF2B5EF4-FFF2-40B4-BE49-F238E27FC236}">
+                      <a16:creationId xmlns:a16="http://schemas.microsoft.com/office/drawing/2014/main" id="{E3C64F45-2FBF-90D8-8F80-4656C6178275}"/>
+                    </a:ext>
+                  </a:extLst>
+                </p:cNvPr>
+                <p:cNvCxnSpPr>
+                  <a:cxnSpLocks/>
+                </p:cNvCxnSpPr>
+                <p:nvPr/>
+              </p:nvCxnSpPr>
+              <p:spPr>
+                <a:xfrm rot="16200000" flipH="1">
+                  <a:off x="7899715" y="3016222"/>
+                  <a:ext cx="660400" cy="330200"/>
+                </a:xfrm>
+                <a:prstGeom prst="bentConnector3">
+                  <a:avLst>
+                    <a:gd name="adj1" fmla="val 100000"/>
+                  </a:avLst>
+                </a:prstGeom>
+                <a:ln>
+                  <a:solidFill>
+                    <a:schemeClr val="tx1"/>
+                  </a:solidFill>
+                  <a:tailEnd type="triangle"/>
+                </a:ln>
+              </p:spPr>
+              <p:style>
+                <a:lnRef idx="1">
+                  <a:schemeClr val="accent1"/>
+                </a:lnRef>
+                <a:fillRef idx="0">
+                  <a:schemeClr val="accent1"/>
+                </a:fillRef>
+                <a:effectRef idx="0">
+                  <a:schemeClr val="accent1"/>
+                </a:effectRef>
+                <a:fontRef idx="minor">
+                  <a:schemeClr val="tx1"/>
+                </a:fontRef>
+              </p:style>
+            </p:cxnSp>
+            <p:cxnSp>
+              <p:nvCxnSpPr>
+                <p:cNvPr id="193" name="Verbinder: gewinkelt 192">
+                  <a:extLst>
+                    <a:ext uri="{FF2B5EF4-FFF2-40B4-BE49-F238E27FC236}">
+                      <a16:creationId xmlns:a16="http://schemas.microsoft.com/office/drawing/2014/main" id="{CA6806A6-591C-54C2-ABDD-E16AB5561AC0}"/>
+                    </a:ext>
+                  </a:extLst>
+                </p:cNvPr>
+                <p:cNvCxnSpPr>
+                  <a:cxnSpLocks/>
+                </p:cNvCxnSpPr>
+                <p:nvPr/>
+              </p:nvCxnSpPr>
+              <p:spPr>
+                <a:xfrm rot="16200000" flipH="1">
+                  <a:off x="7901071" y="3263900"/>
+                  <a:ext cx="660400" cy="330200"/>
+                </a:xfrm>
+                <a:prstGeom prst="bentConnector3">
+                  <a:avLst>
+                    <a:gd name="adj1" fmla="val 100000"/>
+                  </a:avLst>
+                </a:prstGeom>
+                <a:ln>
+                  <a:solidFill>
+                    <a:schemeClr val="tx1"/>
+                  </a:solidFill>
+                  <a:tailEnd type="triangle"/>
+                </a:ln>
+              </p:spPr>
+              <p:style>
+                <a:lnRef idx="1">
+                  <a:schemeClr val="accent1"/>
+                </a:lnRef>
+                <a:fillRef idx="0">
+                  <a:schemeClr val="accent1"/>
+                </a:fillRef>
+                <a:effectRef idx="0">
+                  <a:schemeClr val="accent1"/>
+                </a:effectRef>
+                <a:fontRef idx="minor">
+                  <a:schemeClr val="tx1"/>
+                </a:fontRef>
+              </p:style>
+            </p:cxnSp>
+            <p:cxnSp>
+              <p:nvCxnSpPr>
+                <p:cNvPr id="194" name="Verbinder: gewinkelt 193">
+                  <a:extLst>
+                    <a:ext uri="{FF2B5EF4-FFF2-40B4-BE49-F238E27FC236}">
+                      <a16:creationId xmlns:a16="http://schemas.microsoft.com/office/drawing/2014/main" id="{00657D29-C570-0B73-EEDC-9B1E8273ED11}"/>
+                    </a:ext>
+                  </a:extLst>
+                </p:cNvPr>
+                <p:cNvCxnSpPr>
+                  <a:cxnSpLocks/>
+                </p:cNvCxnSpPr>
+                <p:nvPr/>
+              </p:nvCxnSpPr>
+              <p:spPr>
+                <a:xfrm rot="16200000" flipH="1">
+                  <a:off x="8050372" y="2670410"/>
+                  <a:ext cx="366712" cy="331159"/>
+                </a:xfrm>
+                <a:prstGeom prst="bentConnector3">
+                  <a:avLst>
+                    <a:gd name="adj1" fmla="val 98485"/>
+                  </a:avLst>
+                </a:prstGeom>
+                <a:ln>
+                  <a:solidFill>
+                    <a:schemeClr val="tx1"/>
+                  </a:solidFill>
+                  <a:tailEnd type="triangle"/>
+                </a:ln>
+              </p:spPr>
+              <p:style>
+                <a:lnRef idx="1">
+                  <a:schemeClr val="accent1"/>
+                </a:lnRef>
+                <a:fillRef idx="0">
+                  <a:schemeClr val="accent1"/>
+                </a:fillRef>
+                <a:effectRef idx="0">
+                  <a:schemeClr val="accent1"/>
+                </a:effectRef>
+                <a:fontRef idx="minor">
+                  <a:schemeClr val="tx1"/>
+                </a:fontRef>
+              </p:style>
+            </p:cxnSp>
+            <p:sp>
+              <p:nvSpPr>
+                <p:cNvPr id="195" name="Textfeld 194">
+                  <a:extLst>
+                    <a:ext uri="{FF2B5EF4-FFF2-40B4-BE49-F238E27FC236}">
+                      <a16:creationId xmlns:a16="http://schemas.microsoft.com/office/drawing/2014/main" id="{2CCE8A4B-89A4-00E4-7375-AAF04865BD34}"/>
+                    </a:ext>
+                  </a:extLst>
+                </p:cNvPr>
+                <p:cNvSpPr txBox="1"/>
+                <p:nvPr/>
+              </p:nvSpPr>
+              <p:spPr>
+                <a:xfrm>
+                  <a:off x="8433430" y="2888541"/>
+                  <a:ext cx="1727200" cy="184666"/>
+                </a:xfrm>
+                <a:prstGeom prst="rect">
+                  <a:avLst/>
+                </a:prstGeom>
+                <a:noFill/>
+              </p:spPr>
+              <p:txBody>
+                <a:bodyPr wrap="square" rtlCol="0">
+                  <a:spAutoFit/>
+                </a:bodyPr>
+                <a:lstStyle/>
+                <a:p>
+                  <a:r>
+                    <a:rPr lang="de-DE" sz="600" b="1" dirty="0"/>
+                    <a:t>careplans.csv</a:t>
+                  </a:r>
+                </a:p>
+              </p:txBody>
+            </p:sp>
+            <p:cxnSp>
+              <p:nvCxnSpPr>
+                <p:cNvPr id="196" name="Verbinder: gewinkelt 195">
+                  <a:extLst>
+                    <a:ext uri="{FF2B5EF4-FFF2-40B4-BE49-F238E27FC236}">
+                      <a16:creationId xmlns:a16="http://schemas.microsoft.com/office/drawing/2014/main" id="{6AA40E16-52C0-6B9B-46EE-ABB9D375BDD7}"/>
+                    </a:ext>
+                  </a:extLst>
+                </p:cNvPr>
+                <p:cNvCxnSpPr>
+                  <a:cxnSpLocks/>
+                </p:cNvCxnSpPr>
+                <p:nvPr/>
+              </p:nvCxnSpPr>
+              <p:spPr>
+                <a:xfrm rot="16200000" flipH="1">
+                  <a:off x="7900667" y="3486759"/>
+                  <a:ext cx="660400" cy="330200"/>
+                </a:xfrm>
+                <a:prstGeom prst="bentConnector3">
+                  <a:avLst>
+                    <a:gd name="adj1" fmla="val 100000"/>
+                  </a:avLst>
+                </a:prstGeom>
+                <a:ln>
+                  <a:solidFill>
+                    <a:schemeClr val="tx1"/>
+                  </a:solidFill>
+                  <a:tailEnd type="triangle"/>
+                </a:ln>
+              </p:spPr>
+              <p:style>
+                <a:lnRef idx="1">
+                  <a:schemeClr val="accent1"/>
+                </a:lnRef>
+                <a:fillRef idx="0">
+                  <a:schemeClr val="accent1"/>
+                </a:fillRef>
+                <a:effectRef idx="0">
+                  <a:schemeClr val="accent1"/>
+                </a:effectRef>
+                <a:fontRef idx="minor">
+                  <a:schemeClr val="tx1"/>
+                </a:fontRef>
+              </p:style>
+            </p:cxnSp>
+            <p:cxnSp>
+              <p:nvCxnSpPr>
+                <p:cNvPr id="197" name="Verbinder: gewinkelt 196">
+                  <a:extLst>
+                    <a:ext uri="{FF2B5EF4-FFF2-40B4-BE49-F238E27FC236}">
+                      <a16:creationId xmlns:a16="http://schemas.microsoft.com/office/drawing/2014/main" id="{CA6DE764-A349-9277-F094-077579AC06D8}"/>
+                    </a:ext>
+                  </a:extLst>
+                </p:cNvPr>
+                <p:cNvCxnSpPr>
+                  <a:cxnSpLocks/>
+                </p:cNvCxnSpPr>
+                <p:nvPr/>
+              </p:nvCxnSpPr>
+              <p:spPr>
+                <a:xfrm rot="16200000" flipH="1">
+                  <a:off x="7900030" y="3725503"/>
+                  <a:ext cx="660400" cy="330200"/>
+                </a:xfrm>
+                <a:prstGeom prst="bentConnector3">
+                  <a:avLst>
+                    <a:gd name="adj1" fmla="val 100000"/>
+                  </a:avLst>
+                </a:prstGeom>
+                <a:ln>
+                  <a:solidFill>
+                    <a:schemeClr val="tx1"/>
+                  </a:solidFill>
+                  <a:tailEnd type="triangle"/>
+                </a:ln>
+              </p:spPr>
+              <p:style>
+                <a:lnRef idx="1">
+                  <a:schemeClr val="accent1"/>
+                </a:lnRef>
+                <a:fillRef idx="0">
+                  <a:schemeClr val="accent1"/>
+                </a:fillRef>
+                <a:effectRef idx="0">
+                  <a:schemeClr val="accent1"/>
+                </a:effectRef>
+                <a:fontRef idx="minor">
+                  <a:schemeClr val="tx1"/>
+                </a:fontRef>
+              </p:style>
+            </p:cxnSp>
+            <p:sp>
+              <p:nvSpPr>
+                <p:cNvPr id="198" name="Textfeld 197">
+                  <a:extLst>
+                    <a:ext uri="{FF2B5EF4-FFF2-40B4-BE49-F238E27FC236}">
+                      <a16:creationId xmlns:a16="http://schemas.microsoft.com/office/drawing/2014/main" id="{91EA64CD-2153-2BCF-96C1-772970999CEF}"/>
+                    </a:ext>
+                  </a:extLst>
+                </p:cNvPr>
+                <p:cNvSpPr txBox="1"/>
+                <p:nvPr/>
+              </p:nvSpPr>
+              <p:spPr>
+                <a:xfrm>
+                  <a:off x="8430813" y="3136232"/>
+                  <a:ext cx="1727200" cy="184666"/>
+                </a:xfrm>
+                <a:prstGeom prst="rect">
+                  <a:avLst/>
+                </a:prstGeom>
+                <a:noFill/>
+              </p:spPr>
+              <p:txBody>
+                <a:bodyPr wrap="square" rtlCol="0">
+                  <a:spAutoFit/>
+                </a:bodyPr>
+                <a:lstStyle/>
+                <a:p>
+                  <a:r>
+                    <a:rPr lang="de-DE" sz="600" b="1" dirty="0"/>
+                    <a:t>conditions.csv</a:t>
+                  </a:r>
+                </a:p>
+              </p:txBody>
+            </p:sp>
+            <p:sp>
+              <p:nvSpPr>
+                <p:cNvPr id="199" name="Textfeld 198">
+                  <a:extLst>
+                    <a:ext uri="{FF2B5EF4-FFF2-40B4-BE49-F238E27FC236}">
+                      <a16:creationId xmlns:a16="http://schemas.microsoft.com/office/drawing/2014/main" id="{7BD1AADE-FFB8-158A-553B-7F43F0DC51E0}"/>
+                    </a:ext>
+                  </a:extLst>
+                </p:cNvPr>
+                <p:cNvSpPr txBox="1"/>
+                <p:nvPr/>
+              </p:nvSpPr>
+              <p:spPr>
+                <a:xfrm>
+                  <a:off x="8430810" y="3380716"/>
+                  <a:ext cx="1814560" cy="413974"/>
+                </a:xfrm>
+                <a:prstGeom prst="rect">
+                  <a:avLst/>
+                </a:prstGeom>
+                <a:noFill/>
+              </p:spPr>
+              <p:txBody>
+                <a:bodyPr wrap="square" rtlCol="0">
+                  <a:spAutoFit/>
+                </a:bodyPr>
+                <a:lstStyle/>
+                <a:p>
+                  <a:r>
+                    <a:rPr lang="de-DE" sz="600" b="1" dirty="0"/>
+                    <a:t>immunizations.csv</a:t>
+                  </a:r>
+                </a:p>
+              </p:txBody>
+            </p:sp>
+            <p:sp>
+              <p:nvSpPr>
+                <p:cNvPr id="200" name="Textfeld 199">
+                  <a:extLst>
+                    <a:ext uri="{FF2B5EF4-FFF2-40B4-BE49-F238E27FC236}">
+                      <a16:creationId xmlns:a16="http://schemas.microsoft.com/office/drawing/2014/main" id="{5EFF35FC-F9C1-2818-4280-37C6B9941720}"/>
+                    </a:ext>
+                  </a:extLst>
+                </p:cNvPr>
+                <p:cNvSpPr txBox="1"/>
+                <p:nvPr/>
+              </p:nvSpPr>
+              <p:spPr>
+                <a:xfrm>
+                  <a:off x="8430813" y="3628408"/>
+                  <a:ext cx="1727200" cy="184666"/>
+                </a:xfrm>
+                <a:prstGeom prst="rect">
+                  <a:avLst/>
+                </a:prstGeom>
+                <a:noFill/>
+              </p:spPr>
+              <p:txBody>
+                <a:bodyPr wrap="square" rtlCol="0">
+                  <a:spAutoFit/>
+                </a:bodyPr>
+                <a:lstStyle/>
+                <a:p>
+                  <a:r>
+                    <a:rPr lang="de-DE" sz="600" b="1" dirty="0"/>
+                    <a:t>medications.csv</a:t>
+                  </a:r>
+                </a:p>
+              </p:txBody>
+            </p:sp>
+            <p:sp>
+              <p:nvSpPr>
+                <p:cNvPr id="201" name="Textfeld 200">
+                  <a:extLst>
+                    <a:ext uri="{FF2B5EF4-FFF2-40B4-BE49-F238E27FC236}">
+                      <a16:creationId xmlns:a16="http://schemas.microsoft.com/office/drawing/2014/main" id="{2F5B10DE-79D8-238F-51E3-4B916155B9C6}"/>
+                    </a:ext>
+                  </a:extLst>
+                </p:cNvPr>
+                <p:cNvSpPr txBox="1"/>
+                <p:nvPr/>
+              </p:nvSpPr>
+              <p:spPr>
+                <a:xfrm>
+                  <a:off x="8430813" y="3849034"/>
+                  <a:ext cx="1727200" cy="184666"/>
+                </a:xfrm>
+                <a:prstGeom prst="rect">
+                  <a:avLst/>
+                </a:prstGeom>
+                <a:noFill/>
+              </p:spPr>
+              <p:txBody>
+                <a:bodyPr wrap="square" rtlCol="0">
+                  <a:spAutoFit/>
+                </a:bodyPr>
+                <a:lstStyle/>
+                <a:p>
+                  <a:r>
+                    <a:rPr lang="de-DE" sz="600" b="1" dirty="0"/>
+                    <a:t>observations.csv</a:t>
+                  </a:r>
+                </a:p>
+              </p:txBody>
+            </p:sp>
+            <p:sp>
+              <p:nvSpPr>
+                <p:cNvPr id="202" name="Textfeld 201">
+                  <a:extLst>
+                    <a:ext uri="{FF2B5EF4-FFF2-40B4-BE49-F238E27FC236}">
+                      <a16:creationId xmlns:a16="http://schemas.microsoft.com/office/drawing/2014/main" id="{51F3418C-E82B-4520-5A24-BE33C3D072A2}"/>
+                    </a:ext>
+                  </a:extLst>
+                </p:cNvPr>
+                <p:cNvSpPr txBox="1"/>
+                <p:nvPr/>
+              </p:nvSpPr>
+              <p:spPr>
+                <a:xfrm>
+                  <a:off x="8430813" y="4089998"/>
+                  <a:ext cx="1727200" cy="184666"/>
+                </a:xfrm>
+                <a:prstGeom prst="rect">
+                  <a:avLst/>
+                </a:prstGeom>
+                <a:noFill/>
+              </p:spPr>
+              <p:txBody>
+                <a:bodyPr wrap="square" rtlCol="0">
+                  <a:spAutoFit/>
+                </a:bodyPr>
+                <a:lstStyle/>
+                <a:p>
+                  <a:r>
+                    <a:rPr lang="de-DE" sz="600" b="1" dirty="0"/>
+                    <a:t>patients.csv</a:t>
+                  </a:r>
+                </a:p>
+              </p:txBody>
+            </p:sp>
+          </p:grpSp>
+        </p:grpSp>
+      </p:grpSp>
+      <p:grpSp>
+        <p:nvGrpSpPr>
+          <p:cNvPr id="128" name="Gruppieren 127">
+            <a:extLst>
+              <a:ext uri="{FF2B5EF4-FFF2-40B4-BE49-F238E27FC236}">
+                <a16:creationId xmlns:a16="http://schemas.microsoft.com/office/drawing/2014/main" id="{EB65967B-69F2-1AD0-5688-2DBA9ACFDADC}"/>
+              </a:ext>
+            </a:extLst>
+          </p:cNvPr>
+          <p:cNvGrpSpPr/>
+          <p:nvPr/>
+        </p:nvGrpSpPr>
+        <p:grpSpPr>
+          <a:xfrm>
+            <a:off x="2491520" y="3011051"/>
+            <a:ext cx="5247626" cy="1701301"/>
+            <a:chOff x="173565" y="4707454"/>
+            <a:chExt cx="11921065" cy="2032012"/>
+          </a:xfrm>
+        </p:grpSpPr>
+        <p:sp>
+          <p:nvSpPr>
+            <p:cNvPr id="185" name="Rechteck 184">
+              <a:extLst>
+                <a:ext uri="{FF2B5EF4-FFF2-40B4-BE49-F238E27FC236}">
+                  <a16:creationId xmlns:a16="http://schemas.microsoft.com/office/drawing/2014/main" id="{FFDD4AA9-DB87-97AA-77A2-3A6220F20D38}"/>
+                </a:ext>
+              </a:extLst>
+            </p:cNvPr>
+            <p:cNvSpPr/>
+            <p:nvPr/>
+          </p:nvSpPr>
+          <p:spPr>
+            <a:xfrm>
+              <a:off x="173565" y="4707465"/>
+              <a:ext cx="11921065" cy="2032001"/>
+            </a:xfrm>
+            <a:prstGeom prst="rect">
+              <a:avLst/>
+            </a:prstGeom>
+            <a:noFill/>
+            <a:ln>
+              <a:solidFill>
+                <a:schemeClr val="tx1"/>
+              </a:solidFill>
+            </a:ln>
+          </p:spPr>
+          <p:style>
+            <a:lnRef idx="2">
+              <a:schemeClr val="accent1">
+                <a:shade val="50000"/>
+              </a:schemeClr>
+            </a:lnRef>
+            <a:fillRef idx="1">
+              <a:schemeClr val="accent1"/>
+            </a:fillRef>
+            <a:effectRef idx="0">
+              <a:schemeClr val="accent1"/>
+            </a:effectRef>
+            <a:fontRef idx="minor">
+              <a:schemeClr val="lt1"/>
+            </a:fontRef>
+          </p:style>
+          <p:txBody>
+            <a:bodyPr rtlCol="0" anchor="ctr"/>
+            <a:lstStyle/>
+            <a:p>
+              <a:pPr algn="ctr"/>
+              <a:endParaRPr lang="de-DE" dirty="0"/>
+            </a:p>
+          </p:txBody>
+        </p:sp>
+        <p:sp>
+          <p:nvSpPr>
+            <p:cNvPr id="186" name="Rechteck 185">
+              <a:extLst>
+                <a:ext uri="{FF2B5EF4-FFF2-40B4-BE49-F238E27FC236}">
+                  <a16:creationId xmlns:a16="http://schemas.microsoft.com/office/drawing/2014/main" id="{C3022FC5-2906-434B-F368-FBB6CC6F1999}"/>
+                </a:ext>
+              </a:extLst>
+            </p:cNvPr>
+            <p:cNvSpPr/>
+            <p:nvPr/>
+          </p:nvSpPr>
+          <p:spPr>
+            <a:xfrm rot="16200000">
+              <a:off x="-500788" y="5381813"/>
+              <a:ext cx="2031999" cy="683281"/>
+            </a:xfrm>
+            <a:prstGeom prst="rect">
+              <a:avLst/>
+            </a:prstGeom>
+            <a:solidFill>
+              <a:srgbClr val="A9D18E"/>
+            </a:solidFill>
+            <a:ln>
+              <a:solidFill>
+                <a:schemeClr val="tx1"/>
+              </a:solidFill>
+            </a:ln>
+          </p:spPr>
+          <p:style>
+            <a:lnRef idx="2">
+              <a:schemeClr val="accent6"/>
+            </a:lnRef>
+            <a:fillRef idx="1">
+              <a:schemeClr val="lt1"/>
+            </a:fillRef>
+            <a:effectRef idx="0">
+              <a:schemeClr val="accent6"/>
+            </a:effectRef>
+            <a:fontRef idx="minor">
+              <a:schemeClr val="dk1"/>
+            </a:fontRef>
+          </p:style>
+          <p:txBody>
+            <a:bodyPr rtlCol="0" anchor="ctr"/>
+            <a:lstStyle/>
+            <a:p>
+              <a:pPr algn="ctr"/>
+              <a:r>
+                <a:rPr lang="de-DE" sz="1100" b="1" dirty="0"/>
+                <a:t>SQL Lite</a:t>
+              </a:r>
+            </a:p>
+          </p:txBody>
+        </p:sp>
+      </p:grpSp>
+      <p:grpSp>
+        <p:nvGrpSpPr>
+          <p:cNvPr id="129" name="Gruppieren 128">
+            <a:extLst>
+              <a:ext uri="{FF2B5EF4-FFF2-40B4-BE49-F238E27FC236}">
+                <a16:creationId xmlns:a16="http://schemas.microsoft.com/office/drawing/2014/main" id="{A52B0C17-95B0-C03B-A1C5-BE9E7EC7771F}"/>
+              </a:ext>
+            </a:extLst>
+          </p:cNvPr>
+          <p:cNvGrpSpPr/>
+          <p:nvPr/>
+        </p:nvGrpSpPr>
+        <p:grpSpPr>
+          <a:xfrm>
+            <a:off x="2003589" y="4755159"/>
+            <a:ext cx="2020783" cy="1187794"/>
+            <a:chOff x="173565" y="4707455"/>
+            <a:chExt cx="11921065" cy="2032011"/>
+          </a:xfrm>
+        </p:grpSpPr>
+        <p:sp>
+          <p:nvSpPr>
+            <p:cNvPr id="183" name="Rechteck 182">
+              <a:extLst>
+                <a:ext uri="{FF2B5EF4-FFF2-40B4-BE49-F238E27FC236}">
+                  <a16:creationId xmlns:a16="http://schemas.microsoft.com/office/drawing/2014/main" id="{C55AA63C-5690-4916-A530-2B4E31FCB8F8}"/>
+                </a:ext>
+              </a:extLst>
+            </p:cNvPr>
+            <p:cNvSpPr/>
+            <p:nvPr/>
+          </p:nvSpPr>
+          <p:spPr>
+            <a:xfrm>
+              <a:off x="173565" y="4707465"/>
+              <a:ext cx="11921065" cy="2032001"/>
+            </a:xfrm>
+            <a:prstGeom prst="rect">
+              <a:avLst/>
+            </a:prstGeom>
+            <a:noFill/>
+            <a:ln>
+              <a:solidFill>
+                <a:schemeClr val="tx1"/>
+              </a:solidFill>
+            </a:ln>
+          </p:spPr>
+          <p:style>
+            <a:lnRef idx="2">
+              <a:schemeClr val="accent1">
+                <a:shade val="50000"/>
+              </a:schemeClr>
+            </a:lnRef>
+            <a:fillRef idx="1">
+              <a:schemeClr val="accent1"/>
+            </a:fillRef>
+            <a:effectRef idx="0">
+              <a:schemeClr val="accent1"/>
+            </a:effectRef>
+            <a:fontRef idx="minor">
+              <a:schemeClr val="lt1"/>
+            </a:fontRef>
+          </p:style>
+          <p:txBody>
+            <a:bodyPr rtlCol="0" anchor="ctr"/>
+            <a:lstStyle/>
+            <a:p>
+              <a:pPr algn="ctr"/>
+              <a:endParaRPr lang="de-DE" dirty="0"/>
+            </a:p>
+          </p:txBody>
+        </p:sp>
+        <p:sp>
+          <p:nvSpPr>
+            <p:cNvPr id="184" name="Rechteck 183">
+              <a:extLst>
+                <a:ext uri="{FF2B5EF4-FFF2-40B4-BE49-F238E27FC236}">
+                  <a16:creationId xmlns:a16="http://schemas.microsoft.com/office/drawing/2014/main" id="{3CEDB9D5-84FF-41B7-7732-4121090F3FAF}"/>
+                </a:ext>
+              </a:extLst>
+            </p:cNvPr>
+            <p:cNvSpPr/>
+            <p:nvPr/>
+          </p:nvSpPr>
+          <p:spPr>
+            <a:xfrm rot="16200000">
+              <a:off x="-197076" y="5078097"/>
+              <a:ext cx="2032000" cy="1290716"/>
+            </a:xfrm>
+            <a:prstGeom prst="rect">
+              <a:avLst/>
+            </a:prstGeom>
+            <a:solidFill>
+              <a:srgbClr val="A9D18E"/>
+            </a:solidFill>
+            <a:ln>
+              <a:solidFill>
+                <a:schemeClr val="tx1"/>
+              </a:solidFill>
+            </a:ln>
+          </p:spPr>
+          <p:style>
+            <a:lnRef idx="2">
+              <a:schemeClr val="accent6"/>
+            </a:lnRef>
+            <a:fillRef idx="1">
+              <a:schemeClr val="lt1"/>
+            </a:fillRef>
+            <a:effectRef idx="0">
+              <a:schemeClr val="accent6"/>
+            </a:effectRef>
+            <a:fontRef idx="minor">
+              <a:schemeClr val="dk1"/>
+            </a:fontRef>
+          </p:style>
+          <p:txBody>
+            <a:bodyPr rtlCol="0" anchor="ctr"/>
+            <a:lstStyle/>
+            <a:p>
+              <a:pPr algn="ctr"/>
+              <a:r>
+                <a:rPr lang="de-DE" sz="1100" b="1" dirty="0"/>
+                <a:t>Pandas</a:t>
+              </a:r>
+            </a:p>
+          </p:txBody>
+        </p:sp>
+      </p:grpSp>
+      <p:grpSp>
+        <p:nvGrpSpPr>
+          <p:cNvPr id="130" name="Gruppieren 129">
+            <a:extLst>
+              <a:ext uri="{FF2B5EF4-FFF2-40B4-BE49-F238E27FC236}">
+                <a16:creationId xmlns:a16="http://schemas.microsoft.com/office/drawing/2014/main" id="{0DA69EF6-32C0-F547-EC62-4D96CAE20A3A}"/>
+              </a:ext>
+            </a:extLst>
+          </p:cNvPr>
+          <p:cNvGrpSpPr/>
+          <p:nvPr/>
+        </p:nvGrpSpPr>
+        <p:grpSpPr>
+          <a:xfrm>
+            <a:off x="5715175" y="4753896"/>
+            <a:ext cx="4864236" cy="1189448"/>
+            <a:chOff x="173564" y="4707457"/>
+            <a:chExt cx="11921066" cy="2032009"/>
+          </a:xfrm>
+        </p:grpSpPr>
+        <p:sp>
+          <p:nvSpPr>
+            <p:cNvPr id="181" name="Rechteck 180">
+              <a:extLst>
+                <a:ext uri="{FF2B5EF4-FFF2-40B4-BE49-F238E27FC236}">
+                  <a16:creationId xmlns:a16="http://schemas.microsoft.com/office/drawing/2014/main" id="{57D17DEE-0F87-5B35-735C-3D1DF1FEE192}"/>
+                </a:ext>
+              </a:extLst>
+            </p:cNvPr>
+            <p:cNvSpPr/>
+            <p:nvPr/>
+          </p:nvSpPr>
+          <p:spPr>
+            <a:xfrm>
+              <a:off x="173565" y="4707465"/>
+              <a:ext cx="11921065" cy="2032001"/>
+            </a:xfrm>
+            <a:prstGeom prst="rect">
+              <a:avLst/>
+            </a:prstGeom>
+            <a:noFill/>
+            <a:ln>
+              <a:solidFill>
+                <a:schemeClr val="tx1"/>
+              </a:solidFill>
+            </a:ln>
+          </p:spPr>
+          <p:style>
+            <a:lnRef idx="2">
+              <a:schemeClr val="accent1">
+                <a:shade val="50000"/>
+              </a:schemeClr>
+            </a:lnRef>
+            <a:fillRef idx="1">
+              <a:schemeClr val="accent1"/>
+            </a:fillRef>
+            <a:effectRef idx="0">
+              <a:schemeClr val="accent1"/>
+            </a:effectRef>
+            <a:fontRef idx="minor">
+              <a:schemeClr val="lt1"/>
+            </a:fontRef>
+          </p:style>
+          <p:txBody>
+            <a:bodyPr rtlCol="0" anchor="ctr"/>
+            <a:lstStyle/>
+            <a:p>
+              <a:pPr algn="ctr"/>
+              <a:endParaRPr lang="de-DE" dirty="0"/>
+            </a:p>
+          </p:txBody>
+        </p:sp>
+        <p:sp>
+          <p:nvSpPr>
+            <p:cNvPr id="182" name="Rechteck 181">
+              <a:extLst>
+                <a:ext uri="{FF2B5EF4-FFF2-40B4-BE49-F238E27FC236}">
+                  <a16:creationId xmlns:a16="http://schemas.microsoft.com/office/drawing/2014/main" id="{0AD6B386-690C-BCDD-89FD-B2CB53C329E1}"/>
+                </a:ext>
+              </a:extLst>
+            </p:cNvPr>
+            <p:cNvSpPr/>
+            <p:nvPr/>
+          </p:nvSpPr>
+          <p:spPr>
+            <a:xfrm rot="16200000">
+              <a:off x="-523955" y="5404976"/>
+              <a:ext cx="2031998" cy="636959"/>
+            </a:xfrm>
+            <a:prstGeom prst="rect">
+              <a:avLst/>
+            </a:prstGeom>
+            <a:solidFill>
+              <a:srgbClr val="FF5050">
+                <a:alpha val="80000"/>
+              </a:srgbClr>
+            </a:solidFill>
+            <a:ln>
+              <a:solidFill>
+                <a:schemeClr val="tx1"/>
+              </a:solidFill>
+            </a:ln>
+          </p:spPr>
+          <p:style>
+            <a:lnRef idx="2">
+              <a:schemeClr val="accent6"/>
+            </a:lnRef>
+            <a:fillRef idx="1">
+              <a:schemeClr val="lt1"/>
+            </a:fillRef>
+            <a:effectRef idx="0">
+              <a:schemeClr val="accent6"/>
+            </a:effectRef>
+            <a:fontRef idx="minor">
+              <a:schemeClr val="dk1"/>
+            </a:fontRef>
+          </p:style>
+          <p:txBody>
+            <a:bodyPr rtlCol="0" anchor="ctr"/>
+            <a:lstStyle/>
+            <a:p>
+              <a:pPr algn="ctr"/>
+              <a:r>
+                <a:rPr lang="de-DE" sz="1100" b="1" dirty="0"/>
+                <a:t>Pandas</a:t>
+              </a:r>
+            </a:p>
+          </p:txBody>
+        </p:sp>
+      </p:grpSp>
+      <p:pic>
+        <p:nvPicPr>
+          <p:cNvPr id="131" name="Grafik 130" descr="Tabelle Silhouette">
+            <a:extLst>
+              <a:ext uri="{FF2B5EF4-FFF2-40B4-BE49-F238E27FC236}">
+                <a16:creationId xmlns:a16="http://schemas.microsoft.com/office/drawing/2014/main" id="{9B97E83A-67B7-BCA1-B15F-F19D8E9F3484}"/>
+              </a:ext>
+            </a:extLst>
+          </p:cNvPr>
+          <p:cNvPicPr>
+            <a:picLocks noChangeAspect="1"/>
+          </p:cNvPicPr>
+          <p:nvPr/>
+        </p:nvPicPr>
+        <p:blipFill>
+          <a:blip r:embed="rId4">
+            <a:extLst>
+              <a:ext uri="{28A0092B-C50C-407E-A947-70E740481C1C}">
+                <a14:useLocalDpi xmlns:a14="http://schemas.microsoft.com/office/drawing/2010/main" val="0"/>
+              </a:ext>
+              <a:ext uri="{96DAC541-7B7A-43D3-8B79-37D633B846F1}">
+                <asvg:svgBlip xmlns:asvg="http://schemas.microsoft.com/office/drawing/2016/SVG/main" r:embed="rId5"/>
+              </a:ext>
+            </a:extLst>
+          </a:blip>
+          <a:stretch>
+            <a:fillRect/>
+          </a:stretch>
+        </p:blipFill>
+        <p:spPr>
+          <a:xfrm>
+            <a:off x="2275864" y="5055173"/>
+            <a:ext cx="734334" cy="619321"/>
+          </a:xfrm>
+          <a:prstGeom prst="rect">
+            <a:avLst/>
+          </a:prstGeom>
+        </p:spPr>
+      </p:pic>
+      <p:sp>
+        <p:nvSpPr>
+          <p:cNvPr id="133" name="Flussdiagramm: Magnetplattenspeicher 132">
+            <a:extLst>
+              <a:ext uri="{FF2B5EF4-FFF2-40B4-BE49-F238E27FC236}">
+                <a16:creationId xmlns:a16="http://schemas.microsoft.com/office/drawing/2014/main" id="{66D651C1-4F3C-7673-F8EB-87DA36359368}"/>
+              </a:ext>
+            </a:extLst>
+          </p:cNvPr>
+          <p:cNvSpPr/>
+          <p:nvPr/>
+        </p:nvSpPr>
+        <p:spPr>
+          <a:xfrm>
+            <a:off x="3357384" y="3486272"/>
+            <a:ext cx="981075" cy="885825"/>
+          </a:xfrm>
+          <a:prstGeom prst="flowChartMagneticDisk">
+            <a:avLst/>
+          </a:prstGeom>
+          <a:solidFill>
+            <a:srgbClr val="A9D18E">
+              <a:alpha val="80000"/>
+            </a:srgbClr>
+          </a:solidFill>
+          <a:ln>
+            <a:solidFill>
+              <a:schemeClr val="tx1"/>
+            </a:solidFill>
+          </a:ln>
         </p:spPr>
         <p:style>
           <a:lnRef idx="2">
@@ -3573,16 +4897,745 @@
           <a:lstStyle/>
           <a:p>
             <a:pPr algn="ctr"/>
-            <a:endParaRPr lang="de-DE"/>
-          </a:p>
-        </p:txBody>
-      </p:sp>
-      <p:sp>
-        <p:nvSpPr>
-          <p:cNvPr id="7" name="Rechteck 6">
-            <a:extLst>
-              <a:ext uri="{FF2B5EF4-FFF2-40B4-BE49-F238E27FC236}">
-                <a16:creationId xmlns:a16="http://schemas.microsoft.com/office/drawing/2014/main" id="{9C984EA8-E90C-BF98-132C-2865D074A196}"/>
+            <a:r>
+              <a:rPr lang="de-DE" sz="1200" b="1" dirty="0">
+                <a:solidFill>
+                  <a:schemeClr val="tx1"/>
+                </a:solidFill>
+              </a:rPr>
+              <a:t>SQL</a:t>
+            </a:r>
+          </a:p>
+          <a:p>
+            <a:pPr algn="ctr"/>
+            <a:r>
+              <a:rPr lang="de-DE" sz="1200" b="1" dirty="0">
+                <a:solidFill>
+                  <a:schemeClr val="tx1"/>
+                </a:solidFill>
+              </a:rPr>
+              <a:t>Datenbank</a:t>
+            </a:r>
+            <a:endParaRPr lang="de-DE" b="1" dirty="0">
+              <a:solidFill>
+                <a:schemeClr val="tx1"/>
+              </a:solidFill>
+            </a:endParaRPr>
+          </a:p>
+        </p:txBody>
+      </p:sp>
+      <p:grpSp>
+        <p:nvGrpSpPr>
+          <p:cNvPr id="134" name="Gruppieren 133">
+            <a:extLst>
+              <a:ext uri="{FF2B5EF4-FFF2-40B4-BE49-F238E27FC236}">
+                <a16:creationId xmlns:a16="http://schemas.microsoft.com/office/drawing/2014/main" id="{BFBD153F-5319-1AD0-6039-212CEABB5970}"/>
+              </a:ext>
+            </a:extLst>
+          </p:cNvPr>
+          <p:cNvGrpSpPr/>
+          <p:nvPr/>
+        </p:nvGrpSpPr>
+        <p:grpSpPr>
+          <a:xfrm>
+            <a:off x="5887544" y="3134875"/>
+            <a:ext cx="1498740" cy="1537596"/>
+            <a:chOff x="2822558" y="3064854"/>
+            <a:chExt cx="1575079" cy="1626387"/>
+          </a:xfrm>
+        </p:grpSpPr>
+        <p:sp>
+          <p:nvSpPr>
+            <p:cNvPr id="170" name="Flussdiagramm: Magnetplattenspeicher 169">
+              <a:extLst>
+                <a:ext uri="{FF2B5EF4-FFF2-40B4-BE49-F238E27FC236}">
+                  <a16:creationId xmlns:a16="http://schemas.microsoft.com/office/drawing/2014/main" id="{9F8AB400-6AF2-A392-80F2-C1351F092464}"/>
+                </a:ext>
+              </a:extLst>
+            </p:cNvPr>
+            <p:cNvSpPr/>
+            <p:nvPr/>
+          </p:nvSpPr>
+          <p:spPr>
+            <a:xfrm>
+              <a:off x="2822558" y="3064854"/>
+              <a:ext cx="1575079" cy="1626387"/>
+            </a:xfrm>
+            <a:prstGeom prst="flowChartMagneticDisk">
+              <a:avLst/>
+            </a:prstGeom>
+            <a:solidFill>
+              <a:srgbClr val="A9D18E">
+                <a:alpha val="80000"/>
+              </a:srgbClr>
+            </a:solidFill>
+            <a:ln>
+              <a:solidFill>
+                <a:schemeClr val="tx1"/>
+              </a:solidFill>
+            </a:ln>
+          </p:spPr>
+          <p:style>
+            <a:lnRef idx="2">
+              <a:schemeClr val="accent1">
+                <a:shade val="50000"/>
+              </a:schemeClr>
+            </a:lnRef>
+            <a:fillRef idx="1">
+              <a:schemeClr val="accent1"/>
+            </a:fillRef>
+            <a:effectRef idx="0">
+              <a:schemeClr val="accent1"/>
+            </a:effectRef>
+            <a:fontRef idx="minor">
+              <a:schemeClr val="lt1"/>
+            </a:fontRef>
+          </p:style>
+          <p:txBody>
+            <a:bodyPr rtlCol="0" anchor="ctr"/>
+            <a:lstStyle/>
+            <a:p>
+              <a:pPr algn="ctr"/>
+              <a:endParaRPr lang="de-DE" sz="1200" dirty="0">
+                <a:solidFill>
+                  <a:schemeClr val="tx1"/>
+                </a:solidFill>
+              </a:endParaRPr>
+            </a:p>
+            <a:p>
+              <a:pPr algn="ctr"/>
+              <a:endParaRPr lang="de-DE" dirty="0">
+                <a:solidFill>
+                  <a:schemeClr val="tx1"/>
+                </a:solidFill>
+              </a:endParaRPr>
+            </a:p>
+          </p:txBody>
+        </p:sp>
+        <p:grpSp>
+          <p:nvGrpSpPr>
+            <p:cNvPr id="171" name="Gruppieren 170">
+              <a:extLst>
+                <a:ext uri="{FF2B5EF4-FFF2-40B4-BE49-F238E27FC236}">
+                  <a16:creationId xmlns:a16="http://schemas.microsoft.com/office/drawing/2014/main" id="{0668F7A6-D359-8F6C-94FC-0908AD269AF3}"/>
+                </a:ext>
+              </a:extLst>
+            </p:cNvPr>
+            <p:cNvGrpSpPr/>
+            <p:nvPr/>
+          </p:nvGrpSpPr>
+          <p:grpSpPr>
+            <a:xfrm>
+              <a:off x="2911596" y="3661873"/>
+              <a:ext cx="1397001" cy="861404"/>
+              <a:chOff x="2597149" y="1439373"/>
+              <a:chExt cx="1397001" cy="861404"/>
+            </a:xfrm>
+          </p:grpSpPr>
+          <p:sp>
+            <p:nvSpPr>
+              <p:cNvPr id="173" name="Rechteck 172">
+                <a:extLst>
+                  <a:ext uri="{FF2B5EF4-FFF2-40B4-BE49-F238E27FC236}">
+                    <a16:creationId xmlns:a16="http://schemas.microsoft.com/office/drawing/2014/main" id="{A8F2FD90-BDE0-12D5-3439-3AD53D91AABF}"/>
+                  </a:ext>
+                </a:extLst>
+              </p:cNvPr>
+              <p:cNvSpPr/>
+              <p:nvPr/>
+            </p:nvSpPr>
+            <p:spPr>
+              <a:xfrm>
+                <a:off x="2597150" y="1822450"/>
+                <a:ext cx="406400" cy="95250"/>
+              </a:xfrm>
+              <a:prstGeom prst="rect">
+                <a:avLst/>
+              </a:prstGeom>
+              <a:solidFill>
+                <a:schemeClr val="bg1"/>
+              </a:solidFill>
+              <a:ln>
+                <a:solidFill>
+                  <a:schemeClr val="tx1">
+                    <a:lumMod val="50000"/>
+                    <a:lumOff val="50000"/>
+                  </a:schemeClr>
+                </a:solidFill>
+              </a:ln>
+            </p:spPr>
+            <p:style>
+              <a:lnRef idx="2">
+                <a:schemeClr val="accent1">
+                  <a:shade val="50000"/>
+                </a:schemeClr>
+              </a:lnRef>
+              <a:fillRef idx="1">
+                <a:schemeClr val="accent1"/>
+              </a:fillRef>
+              <a:effectRef idx="0">
+                <a:schemeClr val="accent1"/>
+              </a:effectRef>
+              <a:fontRef idx="minor">
+                <a:schemeClr val="lt1"/>
+              </a:fontRef>
+            </p:style>
+            <p:txBody>
+              <a:bodyPr rtlCol="0" anchor="ctr"/>
+              <a:lstStyle/>
+              <a:p>
+                <a:pPr algn="ctr"/>
+                <a:r>
+                  <a:rPr lang="de-DE" sz="600" b="1" dirty="0" err="1">
+                    <a:solidFill>
+                      <a:schemeClr val="tx1"/>
+                    </a:solidFill>
+                  </a:rPr>
+                  <a:t>Dims</a:t>
+                </a:r>
+                <a:endParaRPr lang="de-DE" sz="600" b="1" dirty="0">
+                  <a:solidFill>
+                    <a:schemeClr val="tx1"/>
+                  </a:solidFill>
+                </a:endParaRPr>
+              </a:p>
+            </p:txBody>
+          </p:sp>
+          <p:sp>
+            <p:nvSpPr>
+              <p:cNvPr id="174" name="Rechteck 173">
+                <a:extLst>
+                  <a:ext uri="{FF2B5EF4-FFF2-40B4-BE49-F238E27FC236}">
+                    <a16:creationId xmlns:a16="http://schemas.microsoft.com/office/drawing/2014/main" id="{765209E1-2760-2A3A-B02D-E7F51514AC8B}"/>
+                  </a:ext>
+                </a:extLst>
+              </p:cNvPr>
+              <p:cNvSpPr/>
+              <p:nvPr/>
+            </p:nvSpPr>
+            <p:spPr>
+              <a:xfrm>
+                <a:off x="2597149" y="1919777"/>
+                <a:ext cx="406401" cy="381000"/>
+              </a:xfrm>
+              <a:prstGeom prst="rect">
+                <a:avLst/>
+              </a:prstGeom>
+              <a:solidFill>
+                <a:schemeClr val="bg1"/>
+              </a:solidFill>
+              <a:ln>
+                <a:solidFill>
+                  <a:schemeClr val="tx1">
+                    <a:lumMod val="50000"/>
+                    <a:lumOff val="50000"/>
+                  </a:schemeClr>
+                </a:solidFill>
+              </a:ln>
+            </p:spPr>
+            <p:style>
+              <a:lnRef idx="2">
+                <a:schemeClr val="accent1">
+                  <a:shade val="50000"/>
+                </a:schemeClr>
+              </a:lnRef>
+              <a:fillRef idx="1">
+                <a:schemeClr val="accent1"/>
+              </a:fillRef>
+              <a:effectRef idx="0">
+                <a:schemeClr val="accent1"/>
+              </a:effectRef>
+              <a:fontRef idx="minor">
+                <a:schemeClr val="lt1"/>
+              </a:fontRef>
+            </p:style>
+            <p:txBody>
+              <a:bodyPr rtlCol="0" anchor="ctr"/>
+              <a:lstStyle/>
+              <a:p>
+                <a:r>
+                  <a:rPr lang="de-DE" sz="600" b="1" dirty="0">
+                    <a:solidFill>
+                      <a:schemeClr val="tx1"/>
+                    </a:solidFill>
+                  </a:rPr>
+                  <a:t>Item 1</a:t>
+                </a:r>
+              </a:p>
+              <a:p>
+                <a:r>
+                  <a:rPr lang="de-DE" sz="600" b="1" dirty="0">
+                    <a:solidFill>
+                      <a:schemeClr val="tx1"/>
+                    </a:solidFill>
+                  </a:rPr>
+                  <a:t>Item 2</a:t>
+                </a:r>
+              </a:p>
+              <a:p>
+                <a:r>
+                  <a:rPr lang="de-DE" sz="600" b="1" dirty="0">
+                    <a:solidFill>
+                      <a:schemeClr val="tx1"/>
+                    </a:solidFill>
+                  </a:rPr>
+                  <a:t>Item 3</a:t>
+                </a:r>
+              </a:p>
+              <a:p>
+                <a:r>
+                  <a:rPr lang="de-DE" sz="600" b="1" dirty="0">
+                    <a:solidFill>
+                      <a:schemeClr val="tx1"/>
+                    </a:solidFill>
+                  </a:rPr>
+                  <a:t>Item 4</a:t>
+                </a:r>
+              </a:p>
+            </p:txBody>
+          </p:sp>
+          <p:sp>
+            <p:nvSpPr>
+              <p:cNvPr id="175" name="Rechteck 174">
+                <a:extLst>
+                  <a:ext uri="{FF2B5EF4-FFF2-40B4-BE49-F238E27FC236}">
+                    <a16:creationId xmlns:a16="http://schemas.microsoft.com/office/drawing/2014/main" id="{1217BAD6-1331-83BF-4292-FCBC6ED234C4}"/>
+                  </a:ext>
+                </a:extLst>
+              </p:cNvPr>
+              <p:cNvSpPr/>
+              <p:nvPr/>
+            </p:nvSpPr>
+            <p:spPr>
+              <a:xfrm>
+                <a:off x="3587750" y="1822450"/>
+                <a:ext cx="406400" cy="95250"/>
+              </a:xfrm>
+              <a:prstGeom prst="rect">
+                <a:avLst/>
+              </a:prstGeom>
+              <a:solidFill>
+                <a:schemeClr val="bg1"/>
+              </a:solidFill>
+              <a:ln>
+                <a:solidFill>
+                  <a:schemeClr val="tx1">
+                    <a:lumMod val="50000"/>
+                    <a:lumOff val="50000"/>
+                  </a:schemeClr>
+                </a:solidFill>
+              </a:ln>
+            </p:spPr>
+            <p:style>
+              <a:lnRef idx="2">
+                <a:schemeClr val="accent1">
+                  <a:shade val="50000"/>
+                </a:schemeClr>
+              </a:lnRef>
+              <a:fillRef idx="1">
+                <a:schemeClr val="accent1"/>
+              </a:fillRef>
+              <a:effectRef idx="0">
+                <a:schemeClr val="accent1"/>
+              </a:effectRef>
+              <a:fontRef idx="minor">
+                <a:schemeClr val="lt1"/>
+              </a:fontRef>
+            </p:style>
+            <p:txBody>
+              <a:bodyPr rtlCol="0" anchor="ctr"/>
+              <a:lstStyle/>
+              <a:p>
+                <a:pPr algn="ctr"/>
+                <a:r>
+                  <a:rPr lang="de-DE" sz="600" b="1" dirty="0" err="1">
+                    <a:solidFill>
+                      <a:schemeClr val="tx1"/>
+                    </a:solidFill>
+                  </a:rPr>
+                  <a:t>Dims</a:t>
+                </a:r>
+                <a:endParaRPr lang="de-DE" sz="600" b="1" dirty="0">
+                  <a:solidFill>
+                    <a:schemeClr val="tx1"/>
+                  </a:solidFill>
+                </a:endParaRPr>
+              </a:p>
+            </p:txBody>
+          </p:sp>
+          <p:sp>
+            <p:nvSpPr>
+              <p:cNvPr id="176" name="Rechteck 175">
+                <a:extLst>
+                  <a:ext uri="{FF2B5EF4-FFF2-40B4-BE49-F238E27FC236}">
+                    <a16:creationId xmlns:a16="http://schemas.microsoft.com/office/drawing/2014/main" id="{FF6C3002-A0BC-D289-CAD2-D5BEDCF09998}"/>
+                  </a:ext>
+                </a:extLst>
+              </p:cNvPr>
+              <p:cNvSpPr/>
+              <p:nvPr/>
+            </p:nvSpPr>
+            <p:spPr>
+              <a:xfrm>
+                <a:off x="3587749" y="1919777"/>
+                <a:ext cx="406401" cy="381000"/>
+              </a:xfrm>
+              <a:prstGeom prst="rect">
+                <a:avLst/>
+              </a:prstGeom>
+              <a:solidFill>
+                <a:schemeClr val="bg1"/>
+              </a:solidFill>
+              <a:ln>
+                <a:solidFill>
+                  <a:schemeClr val="tx1">
+                    <a:lumMod val="50000"/>
+                    <a:lumOff val="50000"/>
+                  </a:schemeClr>
+                </a:solidFill>
+              </a:ln>
+            </p:spPr>
+            <p:style>
+              <a:lnRef idx="2">
+                <a:schemeClr val="accent1">
+                  <a:shade val="50000"/>
+                </a:schemeClr>
+              </a:lnRef>
+              <a:fillRef idx="1">
+                <a:schemeClr val="accent1"/>
+              </a:fillRef>
+              <a:effectRef idx="0">
+                <a:schemeClr val="accent1"/>
+              </a:effectRef>
+              <a:fontRef idx="minor">
+                <a:schemeClr val="lt1"/>
+              </a:fontRef>
+            </p:style>
+            <p:txBody>
+              <a:bodyPr rtlCol="0" anchor="ctr"/>
+              <a:lstStyle/>
+              <a:p>
+                <a:r>
+                  <a:rPr lang="de-DE" sz="600" b="1" dirty="0">
+                    <a:solidFill>
+                      <a:schemeClr val="tx1"/>
+                    </a:solidFill>
+                  </a:rPr>
+                  <a:t>Item 1</a:t>
+                </a:r>
+              </a:p>
+              <a:p>
+                <a:r>
+                  <a:rPr lang="de-DE" sz="600" b="1" dirty="0">
+                    <a:solidFill>
+                      <a:schemeClr val="tx1"/>
+                    </a:solidFill>
+                  </a:rPr>
+                  <a:t>Item 2</a:t>
+                </a:r>
+              </a:p>
+              <a:p>
+                <a:r>
+                  <a:rPr lang="de-DE" sz="600" b="1" dirty="0">
+                    <a:solidFill>
+                      <a:schemeClr val="tx1"/>
+                    </a:solidFill>
+                  </a:rPr>
+                  <a:t>Item 3</a:t>
+                </a:r>
+              </a:p>
+              <a:p>
+                <a:r>
+                  <a:rPr lang="de-DE" sz="600" b="1" dirty="0">
+                    <a:solidFill>
+                      <a:schemeClr val="tx1"/>
+                    </a:solidFill>
+                  </a:rPr>
+                  <a:t>Item 4</a:t>
+                </a:r>
+              </a:p>
+            </p:txBody>
+          </p:sp>
+          <p:sp>
+            <p:nvSpPr>
+              <p:cNvPr id="177" name="Rechteck 176">
+                <a:extLst>
+                  <a:ext uri="{FF2B5EF4-FFF2-40B4-BE49-F238E27FC236}">
+                    <a16:creationId xmlns:a16="http://schemas.microsoft.com/office/drawing/2014/main" id="{BEA156AF-C634-0536-F40A-43C0DAE661EF}"/>
+                  </a:ext>
+                </a:extLst>
+              </p:cNvPr>
+              <p:cNvSpPr/>
+              <p:nvPr/>
+            </p:nvSpPr>
+            <p:spPr>
+              <a:xfrm>
+                <a:off x="3092450" y="1439373"/>
+                <a:ext cx="406400" cy="95250"/>
+              </a:xfrm>
+              <a:prstGeom prst="rect">
+                <a:avLst/>
+              </a:prstGeom>
+              <a:solidFill>
+                <a:schemeClr val="bg1"/>
+              </a:solidFill>
+              <a:ln>
+                <a:solidFill>
+                  <a:schemeClr val="tx1">
+                    <a:lumMod val="50000"/>
+                    <a:lumOff val="50000"/>
+                  </a:schemeClr>
+                </a:solidFill>
+              </a:ln>
+            </p:spPr>
+            <p:style>
+              <a:lnRef idx="2">
+                <a:schemeClr val="accent1">
+                  <a:shade val="50000"/>
+                </a:schemeClr>
+              </a:lnRef>
+              <a:fillRef idx="1">
+                <a:schemeClr val="accent1"/>
+              </a:fillRef>
+              <a:effectRef idx="0">
+                <a:schemeClr val="accent1"/>
+              </a:effectRef>
+              <a:fontRef idx="minor">
+                <a:schemeClr val="lt1"/>
+              </a:fontRef>
+            </p:style>
+            <p:txBody>
+              <a:bodyPr rtlCol="0" anchor="ctr"/>
+              <a:lstStyle/>
+              <a:p>
+                <a:pPr algn="ctr"/>
+                <a:r>
+                  <a:rPr lang="de-DE" sz="600" b="1" dirty="0">
+                    <a:solidFill>
+                      <a:schemeClr val="tx1"/>
+                    </a:solidFill>
+                  </a:rPr>
+                  <a:t>Facts</a:t>
+                </a:r>
+              </a:p>
+            </p:txBody>
+          </p:sp>
+          <p:sp>
+            <p:nvSpPr>
+              <p:cNvPr id="178" name="Rechteck 177">
+                <a:extLst>
+                  <a:ext uri="{FF2B5EF4-FFF2-40B4-BE49-F238E27FC236}">
+                    <a16:creationId xmlns:a16="http://schemas.microsoft.com/office/drawing/2014/main" id="{789CDCDA-5DAF-A803-DA35-7AC8B8C7FD03}"/>
+                  </a:ext>
+                </a:extLst>
+              </p:cNvPr>
+              <p:cNvSpPr/>
+              <p:nvPr/>
+            </p:nvSpPr>
+            <p:spPr>
+              <a:xfrm>
+                <a:off x="3092449" y="1536700"/>
+                <a:ext cx="406401" cy="381000"/>
+              </a:xfrm>
+              <a:prstGeom prst="rect">
+                <a:avLst/>
+              </a:prstGeom>
+              <a:solidFill>
+                <a:schemeClr val="bg1"/>
+              </a:solidFill>
+              <a:ln>
+                <a:solidFill>
+                  <a:schemeClr val="tx1">
+                    <a:lumMod val="50000"/>
+                    <a:lumOff val="50000"/>
+                  </a:schemeClr>
+                </a:solidFill>
+              </a:ln>
+            </p:spPr>
+            <p:style>
+              <a:lnRef idx="2">
+                <a:schemeClr val="accent1">
+                  <a:shade val="50000"/>
+                </a:schemeClr>
+              </a:lnRef>
+              <a:fillRef idx="1">
+                <a:schemeClr val="accent1"/>
+              </a:fillRef>
+              <a:effectRef idx="0">
+                <a:schemeClr val="accent1"/>
+              </a:effectRef>
+              <a:fontRef idx="minor">
+                <a:schemeClr val="lt1"/>
+              </a:fontRef>
+            </p:style>
+            <p:txBody>
+              <a:bodyPr rtlCol="0" anchor="ctr"/>
+              <a:lstStyle/>
+              <a:p>
+                <a:r>
+                  <a:rPr lang="de-DE" sz="600" b="1" dirty="0">
+                    <a:solidFill>
+                      <a:schemeClr val="tx1"/>
+                    </a:solidFill>
+                  </a:rPr>
+                  <a:t>Item 1</a:t>
+                </a:r>
+              </a:p>
+              <a:p>
+                <a:r>
+                  <a:rPr lang="de-DE" sz="600" b="1" dirty="0">
+                    <a:solidFill>
+                      <a:schemeClr val="tx1"/>
+                    </a:solidFill>
+                  </a:rPr>
+                  <a:t>Item 2</a:t>
+                </a:r>
+              </a:p>
+              <a:p>
+                <a:r>
+                  <a:rPr lang="de-DE" sz="600" b="1" dirty="0">
+                    <a:solidFill>
+                      <a:schemeClr val="tx1"/>
+                    </a:solidFill>
+                  </a:rPr>
+                  <a:t>Item 3</a:t>
+                </a:r>
+              </a:p>
+              <a:p>
+                <a:r>
+                  <a:rPr lang="de-DE" sz="600" b="1" dirty="0">
+                    <a:solidFill>
+                      <a:schemeClr val="tx1"/>
+                    </a:solidFill>
+                  </a:rPr>
+                  <a:t>Item 4</a:t>
+                </a:r>
+              </a:p>
+            </p:txBody>
+          </p:sp>
+          <p:cxnSp>
+            <p:nvCxnSpPr>
+              <p:cNvPr id="179" name="Gerader Verbinder 178">
+                <a:extLst>
+                  <a:ext uri="{FF2B5EF4-FFF2-40B4-BE49-F238E27FC236}">
+                    <a16:creationId xmlns:a16="http://schemas.microsoft.com/office/drawing/2014/main" id="{6109EDAF-390B-73A5-F862-C32FFC9DF164}"/>
+                  </a:ext>
+                </a:extLst>
+              </p:cNvPr>
+              <p:cNvCxnSpPr>
+                <a:stCxn id="174" idx="3"/>
+                <a:endCxn id="178" idx="1"/>
+              </p:cNvCxnSpPr>
+              <p:nvPr/>
+            </p:nvCxnSpPr>
+            <p:spPr>
+              <a:xfrm flipV="1">
+                <a:off x="3003550" y="1727200"/>
+                <a:ext cx="88899" cy="383077"/>
+              </a:xfrm>
+              <a:prstGeom prst="line">
+                <a:avLst/>
+              </a:prstGeom>
+            </p:spPr>
+            <p:style>
+              <a:lnRef idx="1">
+                <a:schemeClr val="dk1"/>
+              </a:lnRef>
+              <a:fillRef idx="0">
+                <a:schemeClr val="dk1"/>
+              </a:fillRef>
+              <a:effectRef idx="0">
+                <a:schemeClr val="dk1"/>
+              </a:effectRef>
+              <a:fontRef idx="minor">
+                <a:schemeClr val="tx1"/>
+              </a:fontRef>
+            </p:style>
+          </p:cxnSp>
+          <p:cxnSp>
+            <p:nvCxnSpPr>
+              <p:cNvPr id="180" name="Gerader Verbinder 179">
+                <a:extLst>
+                  <a:ext uri="{FF2B5EF4-FFF2-40B4-BE49-F238E27FC236}">
+                    <a16:creationId xmlns:a16="http://schemas.microsoft.com/office/drawing/2014/main" id="{F879AD6D-DFE8-46E1-1B81-CD5DB94FD811}"/>
+                  </a:ext>
+                </a:extLst>
+              </p:cNvPr>
+              <p:cNvCxnSpPr>
+                <a:cxnSpLocks/>
+                <a:stCxn id="176" idx="1"/>
+                <a:endCxn id="178" idx="3"/>
+              </p:cNvCxnSpPr>
+              <p:nvPr/>
+            </p:nvCxnSpPr>
+            <p:spPr>
+              <a:xfrm flipH="1" flipV="1">
+                <a:off x="3498850" y="1727200"/>
+                <a:ext cx="88899" cy="383077"/>
+              </a:xfrm>
+              <a:prstGeom prst="line">
+                <a:avLst/>
+              </a:prstGeom>
+            </p:spPr>
+            <p:style>
+              <a:lnRef idx="1">
+                <a:schemeClr val="dk1"/>
+              </a:lnRef>
+              <a:fillRef idx="0">
+                <a:schemeClr val="dk1"/>
+              </a:fillRef>
+              <a:effectRef idx="0">
+                <a:schemeClr val="dk1"/>
+              </a:effectRef>
+              <a:fontRef idx="minor">
+                <a:schemeClr val="tx1"/>
+              </a:fontRef>
+            </p:style>
+          </p:cxnSp>
+        </p:grpSp>
+        <p:sp>
+          <p:nvSpPr>
+            <p:cNvPr id="172" name="Textfeld 171">
+              <a:extLst>
+                <a:ext uri="{FF2B5EF4-FFF2-40B4-BE49-F238E27FC236}">
+                  <a16:creationId xmlns:a16="http://schemas.microsoft.com/office/drawing/2014/main" id="{5A79423D-6996-6132-ADFE-B4B802FA520D}"/>
+                </a:ext>
+              </a:extLst>
+            </p:cNvPr>
+            <p:cNvSpPr txBox="1"/>
+            <p:nvPr/>
+          </p:nvSpPr>
+          <p:spPr>
+            <a:xfrm>
+              <a:off x="3003550" y="3187700"/>
+              <a:ext cx="1200150" cy="246221"/>
+            </a:xfrm>
+            <a:prstGeom prst="rect">
+              <a:avLst/>
+            </a:prstGeom>
+            <a:noFill/>
+          </p:spPr>
+          <p:txBody>
+            <a:bodyPr wrap="square" rtlCol="0">
+              <a:spAutoFit/>
+            </a:bodyPr>
+            <a:lstStyle/>
+            <a:p>
+              <a:pPr algn="ctr"/>
+              <a:r>
+                <a:rPr lang="de-DE" sz="1000" b="1" dirty="0"/>
+                <a:t>Data Warehouse</a:t>
+              </a:r>
+            </a:p>
+          </p:txBody>
+        </p:sp>
+      </p:grpSp>
+      <p:sp>
+        <p:nvSpPr>
+          <p:cNvPr id="135" name="Rechteck 134">
+            <a:extLst>
+              <a:ext uri="{FF2B5EF4-FFF2-40B4-BE49-F238E27FC236}">
+                <a16:creationId xmlns:a16="http://schemas.microsoft.com/office/drawing/2014/main" id="{0C5325F0-9936-CC8A-5BD4-1FA49F937651}"/>
               </a:ext>
             </a:extLst>
           </p:cNvPr>
@@ -3591,13 +5644,20 @@
         </p:nvSpPr>
         <p:spPr>
           <a:xfrm>
-            <a:off x="3238500" y="597773"/>
-            <a:ext cx="1801656" cy="743348"/>
+            <a:off x="3344934" y="4800144"/>
+            <a:ext cx="997715" cy="205317"/>
           </a:xfrm>
           <a:prstGeom prst="rect">
             <a:avLst/>
           </a:prstGeom>
-          <a:noFill/>
+          <a:solidFill>
+            <a:schemeClr val="accent4"/>
+          </a:solidFill>
+          <a:ln>
+            <a:solidFill>
+              <a:schemeClr val="tx1"/>
+            </a:solidFill>
+          </a:ln>
         </p:spPr>
         <p:style>
           <a:lnRef idx="2">
@@ -3620,16 +5680,28 @@
           <a:lstStyle/>
           <a:p>
             <a:pPr algn="ctr"/>
-            <a:endParaRPr lang="de-DE"/>
-          </a:p>
-        </p:txBody>
-      </p:sp>
-      <p:sp>
-        <p:nvSpPr>
-          <p:cNvPr id="9" name="Rechteck 8">
-            <a:extLst>
-              <a:ext uri="{FF2B5EF4-FFF2-40B4-BE49-F238E27FC236}">
-                <a16:creationId xmlns:a16="http://schemas.microsoft.com/office/drawing/2014/main" id="{543222B5-B9AF-E9BF-34E0-95A68C46F1AC}"/>
+            <a:r>
+              <a:rPr lang="de-DE" sz="1000" b="1" dirty="0">
+                <a:solidFill>
+                  <a:schemeClr val="tx1"/>
+                </a:solidFill>
+              </a:rPr>
+              <a:t>Datenprüfen</a:t>
+            </a:r>
+            <a:endParaRPr lang="de-DE" b="1" dirty="0">
+              <a:solidFill>
+                <a:schemeClr val="tx1"/>
+              </a:solidFill>
+            </a:endParaRPr>
+          </a:p>
+        </p:txBody>
+      </p:sp>
+      <p:sp>
+        <p:nvSpPr>
+          <p:cNvPr id="136" name="Rechteck 135">
+            <a:extLst>
+              <a:ext uri="{FF2B5EF4-FFF2-40B4-BE49-F238E27FC236}">
+                <a16:creationId xmlns:a16="http://schemas.microsoft.com/office/drawing/2014/main" id="{7EABC87B-DE02-D543-C3B2-7EEB042109A7}"/>
               </a:ext>
             </a:extLst>
           </p:cNvPr>
@@ -3638,12 +5710,20 @@
         </p:nvSpPr>
         <p:spPr>
           <a:xfrm>
-            <a:off x="3238500" y="374650"/>
-            <a:ext cx="1801656" cy="223123"/>
+            <a:off x="3273026" y="5248881"/>
+            <a:ext cx="1126256" cy="205317"/>
           </a:xfrm>
           <a:prstGeom prst="rect">
             <a:avLst/>
           </a:prstGeom>
+          <a:solidFill>
+            <a:schemeClr val="accent4"/>
+          </a:solidFill>
+          <a:ln>
+            <a:solidFill>
+              <a:schemeClr val="tx1"/>
+            </a:solidFill>
+          </a:ln>
         </p:spPr>
         <p:style>
           <a:lnRef idx="2">
@@ -3667,140 +5747,54 @@
           <a:p>
             <a:pPr algn="ctr"/>
             <a:r>
-              <a:rPr lang="de-DE" dirty="0"/>
-              <a:t>Google Drive</a:t>
+              <a:rPr lang="de-DE" sz="1000" b="1" dirty="0">
+                <a:solidFill>
+                  <a:schemeClr val="tx1"/>
+                </a:solidFill>
+              </a:rPr>
+              <a:t>Anonymisierung</a:t>
             </a:r>
-          </a:p>
-        </p:txBody>
-      </p:sp>
-      <p:pic>
-        <p:nvPicPr>
-          <p:cNvPr id="11" name="Grafik 10">
-            <a:extLst>
-              <a:ext uri="{FF2B5EF4-FFF2-40B4-BE49-F238E27FC236}">
-                <a16:creationId xmlns:a16="http://schemas.microsoft.com/office/drawing/2014/main" id="{577559B9-9BF5-B4C3-7581-FA2410AFFBC7}"/>
-              </a:ext>
-            </a:extLst>
-          </p:cNvPr>
-          <p:cNvPicPr>
-            <a:picLocks noChangeAspect="1"/>
-          </p:cNvPicPr>
+            <a:endParaRPr lang="de-DE" b="1" dirty="0">
+              <a:solidFill>
+                <a:schemeClr val="tx1"/>
+              </a:solidFill>
+            </a:endParaRPr>
+          </a:p>
+        </p:txBody>
+      </p:sp>
+      <p:sp>
+        <p:nvSpPr>
+          <p:cNvPr id="137" name="Pfeil: gebogen 136">
+            <a:extLst>
+              <a:ext uri="{FF2B5EF4-FFF2-40B4-BE49-F238E27FC236}">
+                <a16:creationId xmlns:a16="http://schemas.microsoft.com/office/drawing/2014/main" id="{BD08390F-E57A-6FF4-563F-53AC79E3509B}"/>
+              </a:ext>
+            </a:extLst>
+          </p:cNvPr>
+          <p:cNvSpPr/>
           <p:nvPr/>
-        </p:nvPicPr>
-        <p:blipFill>
-          <a:blip r:embed="rId2">
-            <a:extLst>
-              <a:ext uri="{28A0092B-C50C-407E-A947-70E740481C1C}">
-                <a14:useLocalDpi xmlns:a14="http://schemas.microsoft.com/office/drawing/2010/main" val="0"/>
-              </a:ext>
-            </a:extLst>
-          </a:blip>
-          <a:stretch>
-            <a:fillRect/>
-          </a:stretch>
-        </p:blipFill>
+        </p:nvSpPr>
         <p:spPr>
           <a:xfrm>
-            <a:off x="4302759" y="928846"/>
-            <a:ext cx="370044" cy="379677"/>
+            <a:off x="1259457" y="5174921"/>
+            <a:ext cx="739847" cy="497772"/>
           </a:xfrm>
-          <a:prstGeom prst="rect">
-            <a:avLst/>
+          <a:prstGeom prst="bentArrow">
+            <a:avLst>
+              <a:gd name="adj1" fmla="val 19149"/>
+              <a:gd name="adj2" fmla="val 20911"/>
+              <a:gd name="adj3" fmla="val 23863"/>
+              <a:gd name="adj4" fmla="val 43750"/>
+            </a:avLst>
           </a:prstGeom>
-        </p:spPr>
-      </p:pic>
-      <p:sp>
-        <p:nvSpPr>
-          <p:cNvPr id="12" name="Textfeld 11">
-            <a:extLst>
-              <a:ext uri="{FF2B5EF4-FFF2-40B4-BE49-F238E27FC236}">
-                <a16:creationId xmlns:a16="http://schemas.microsoft.com/office/drawing/2014/main" id="{07C3AF94-21B8-0737-3BE0-DC2E57AA589A}"/>
-              </a:ext>
-            </a:extLst>
-          </p:cNvPr>
-          <p:cNvSpPr txBox="1"/>
-          <p:nvPr/>
-        </p:nvSpPr>
-        <p:spPr>
-          <a:xfrm>
-            <a:off x="2174241" y="626190"/>
-            <a:ext cx="1019809" cy="261610"/>
-          </a:xfrm>
-          <a:prstGeom prst="rect">
-            <a:avLst/>
-          </a:prstGeom>
-          <a:noFill/>
-        </p:spPr>
-        <p:txBody>
-          <a:bodyPr wrap="square" rtlCol="0">
-            <a:spAutoFit/>
-          </a:bodyPr>
-          <a:lstStyle/>
-          <a:p>
-            <a:pPr algn="ctr"/>
-            <a:r>
-              <a:rPr lang="de-DE" sz="1050" dirty="0"/>
-              <a:t>Export</a:t>
-            </a:r>
-          </a:p>
-        </p:txBody>
-      </p:sp>
-      <p:sp>
-        <p:nvSpPr>
-          <p:cNvPr id="15" name="Textfeld 14">
-            <a:extLst>
-              <a:ext uri="{FF2B5EF4-FFF2-40B4-BE49-F238E27FC236}">
-                <a16:creationId xmlns:a16="http://schemas.microsoft.com/office/drawing/2014/main" id="{7F9F0904-F96A-082A-A71D-792FC482A51C}"/>
-              </a:ext>
-            </a:extLst>
-          </p:cNvPr>
-          <p:cNvSpPr txBox="1"/>
-          <p:nvPr/>
-        </p:nvSpPr>
-        <p:spPr>
-          <a:xfrm>
-            <a:off x="5088891" y="626190"/>
-            <a:ext cx="1019809" cy="261610"/>
-          </a:xfrm>
-          <a:prstGeom prst="rect">
-            <a:avLst/>
-          </a:prstGeom>
-          <a:noFill/>
-        </p:spPr>
-        <p:txBody>
-          <a:bodyPr wrap="square" rtlCol="0">
-            <a:spAutoFit/>
-          </a:bodyPr>
-          <a:lstStyle/>
-          <a:p>
-            <a:pPr algn="ctr"/>
-            <a:r>
-              <a:rPr lang="de-DE" sz="1050" dirty="0"/>
-              <a:t>Import</a:t>
-            </a:r>
-          </a:p>
-        </p:txBody>
-      </p:sp>
-      <p:sp>
-        <p:nvSpPr>
-          <p:cNvPr id="16" name="Pfeil: nach rechts 15">
-            <a:extLst>
-              <a:ext uri="{FF2B5EF4-FFF2-40B4-BE49-F238E27FC236}">
-                <a16:creationId xmlns:a16="http://schemas.microsoft.com/office/drawing/2014/main" id="{E8A63E12-F30C-B4C0-0779-E1364F5F9530}"/>
-              </a:ext>
-            </a:extLst>
-          </p:cNvPr>
-          <p:cNvSpPr/>
-          <p:nvPr/>
-        </p:nvSpPr>
-        <p:spPr>
-          <a:xfrm>
-            <a:off x="5060744" y="833825"/>
-            <a:ext cx="1064259" cy="107950"/>
-          </a:xfrm>
-          <a:prstGeom prst="rightArrow">
-            <a:avLst/>
-          </a:prstGeom>
+          <a:solidFill>
+            <a:srgbClr val="000000"/>
+          </a:solidFill>
+          <a:ln>
+            <a:solidFill>
+              <a:srgbClr val="000000"/>
+            </a:solidFill>
+          </a:ln>
         </p:spPr>
         <p:style>
           <a:lnRef idx="2">
@@ -3823,31 +5817,295 @@
           <a:lstStyle/>
           <a:p>
             <a:pPr algn="ctr"/>
-            <a:endParaRPr lang="de-DE"/>
-          </a:p>
-        </p:txBody>
-      </p:sp>
-      <p:sp>
-        <p:nvSpPr>
-          <p:cNvPr id="21" name="Rechteck 20">
-            <a:extLst>
-              <a:ext uri="{FF2B5EF4-FFF2-40B4-BE49-F238E27FC236}">
-                <a16:creationId xmlns:a16="http://schemas.microsoft.com/office/drawing/2014/main" id="{DBCC4069-CD21-0C58-0F0B-51F3C0B936A0}"/>
-              </a:ext>
-            </a:extLst>
-          </p:cNvPr>
-          <p:cNvSpPr/>
+            <a:endParaRPr lang="de-DE">
+              <a:solidFill>
+                <a:schemeClr val="tx1"/>
+              </a:solidFill>
+            </a:endParaRPr>
+          </a:p>
+        </p:txBody>
+      </p:sp>
+      <p:sp>
+        <p:nvSpPr>
+          <p:cNvPr id="138" name="Textfeld 137">
+            <a:extLst>
+              <a:ext uri="{FF2B5EF4-FFF2-40B4-BE49-F238E27FC236}">
+                <a16:creationId xmlns:a16="http://schemas.microsoft.com/office/drawing/2014/main" id="{B4382AB2-5301-7106-E517-6AB356B55AFB}"/>
+              </a:ext>
+            </a:extLst>
+          </p:cNvPr>
+          <p:cNvSpPr txBox="1"/>
           <p:nvPr/>
         </p:nvSpPr>
         <p:spPr>
           <a:xfrm>
-            <a:off x="6112466" y="595471"/>
-            <a:ext cx="1801656" cy="743348"/>
+            <a:off x="2220519" y="4957721"/>
+            <a:ext cx="853827" cy="193357"/>
           </a:xfrm>
           <a:prstGeom prst="rect">
             <a:avLst/>
           </a:prstGeom>
           <a:noFill/>
+        </p:spPr>
+        <p:txBody>
+          <a:bodyPr wrap="square" rtlCol="0">
+            <a:spAutoFit/>
+          </a:bodyPr>
+          <a:lstStyle/>
+          <a:p>
+            <a:pPr algn="ctr"/>
+            <a:r>
+              <a:rPr lang="de-DE" sz="1000" b="1" dirty="0"/>
+              <a:t>Dataframes</a:t>
+            </a:r>
+            <a:endParaRPr lang="de-DE" b="1" dirty="0"/>
+          </a:p>
+        </p:txBody>
+      </p:sp>
+      <p:sp>
+        <p:nvSpPr>
+          <p:cNvPr id="139" name="Pfeil: nach rechts 138">
+            <a:extLst>
+              <a:ext uri="{FF2B5EF4-FFF2-40B4-BE49-F238E27FC236}">
+                <a16:creationId xmlns:a16="http://schemas.microsoft.com/office/drawing/2014/main" id="{3912B717-C8D0-4472-99EC-CA76193AD004}"/>
+              </a:ext>
+            </a:extLst>
+          </p:cNvPr>
+          <p:cNvSpPr/>
+          <p:nvPr/>
+        </p:nvSpPr>
+        <p:spPr>
+          <a:xfrm>
+            <a:off x="4415690" y="3874092"/>
+            <a:ext cx="1471852" cy="187372"/>
+          </a:xfrm>
+          <a:prstGeom prst="rightArrow">
+            <a:avLst/>
+          </a:prstGeom>
+          <a:solidFill>
+            <a:srgbClr val="000000"/>
+          </a:solidFill>
+          <a:ln>
+            <a:solidFill>
+              <a:schemeClr val="tx1"/>
+            </a:solidFill>
+          </a:ln>
+        </p:spPr>
+        <p:style>
+          <a:lnRef idx="2">
+            <a:schemeClr val="accent4">
+              <a:shade val="50000"/>
+            </a:schemeClr>
+          </a:lnRef>
+          <a:fillRef idx="1">
+            <a:schemeClr val="accent4"/>
+          </a:fillRef>
+          <a:effectRef idx="0">
+            <a:schemeClr val="accent4"/>
+          </a:effectRef>
+          <a:fontRef idx="minor">
+            <a:schemeClr val="lt1"/>
+          </a:fontRef>
+        </p:style>
+        <p:txBody>
+          <a:bodyPr rtlCol="0" anchor="ctr"/>
+          <a:lstStyle/>
+          <a:p>
+            <a:pPr algn="ctr"/>
+            <a:endParaRPr lang="de-DE" dirty="0"/>
+          </a:p>
+        </p:txBody>
+      </p:sp>
+      <p:sp>
+        <p:nvSpPr>
+          <p:cNvPr id="140" name="Pfeil: nach rechts 139">
+            <a:extLst>
+              <a:ext uri="{FF2B5EF4-FFF2-40B4-BE49-F238E27FC236}">
+                <a16:creationId xmlns:a16="http://schemas.microsoft.com/office/drawing/2014/main" id="{6F94B3D3-AA5D-2040-36E1-2F2B320E7D6F}"/>
+              </a:ext>
+            </a:extLst>
+          </p:cNvPr>
+          <p:cNvSpPr/>
+          <p:nvPr/>
+        </p:nvSpPr>
+        <p:spPr>
+          <a:xfrm>
+            <a:off x="2954747" y="5257028"/>
+            <a:ext cx="282748" cy="184049"/>
+          </a:xfrm>
+          <a:prstGeom prst="rightArrow">
+            <a:avLst/>
+          </a:prstGeom>
+          <a:solidFill>
+            <a:srgbClr val="000000"/>
+          </a:solidFill>
+          <a:ln>
+            <a:solidFill>
+              <a:schemeClr val="tx1"/>
+            </a:solidFill>
+          </a:ln>
+        </p:spPr>
+        <p:style>
+          <a:lnRef idx="2">
+            <a:schemeClr val="accent4">
+              <a:shade val="50000"/>
+            </a:schemeClr>
+          </a:lnRef>
+          <a:fillRef idx="1">
+            <a:schemeClr val="accent4"/>
+          </a:fillRef>
+          <a:effectRef idx="0">
+            <a:schemeClr val="accent4"/>
+          </a:effectRef>
+          <a:fontRef idx="minor">
+            <a:schemeClr val="lt1"/>
+          </a:fontRef>
+        </p:style>
+        <p:txBody>
+          <a:bodyPr rtlCol="0" anchor="ctr"/>
+          <a:lstStyle/>
+          <a:p>
+            <a:pPr algn="ctr"/>
+            <a:endParaRPr lang="de-DE"/>
+          </a:p>
+        </p:txBody>
+      </p:sp>
+      <p:sp>
+        <p:nvSpPr>
+          <p:cNvPr id="141" name="Pfeil: nach rechts 140">
+            <a:extLst>
+              <a:ext uri="{FF2B5EF4-FFF2-40B4-BE49-F238E27FC236}">
+                <a16:creationId xmlns:a16="http://schemas.microsoft.com/office/drawing/2014/main" id="{23FBC250-FB24-3691-439F-09857721D8B1}"/>
+              </a:ext>
+            </a:extLst>
+          </p:cNvPr>
+          <p:cNvSpPr/>
+          <p:nvPr/>
+        </p:nvSpPr>
+        <p:spPr>
+          <a:xfrm rot="16200000">
+            <a:off x="3751984" y="5037154"/>
+            <a:ext cx="183617" cy="175685"/>
+          </a:xfrm>
+          <a:prstGeom prst="rightArrow">
+            <a:avLst/>
+          </a:prstGeom>
+          <a:solidFill>
+            <a:srgbClr val="000000"/>
+          </a:solidFill>
+          <a:ln>
+            <a:solidFill>
+              <a:schemeClr val="tx1"/>
+            </a:solidFill>
+          </a:ln>
+        </p:spPr>
+        <p:style>
+          <a:lnRef idx="2">
+            <a:schemeClr val="accent4">
+              <a:shade val="50000"/>
+            </a:schemeClr>
+          </a:lnRef>
+          <a:fillRef idx="1">
+            <a:schemeClr val="accent4"/>
+          </a:fillRef>
+          <a:effectRef idx="0">
+            <a:schemeClr val="accent4"/>
+          </a:effectRef>
+          <a:fontRef idx="minor">
+            <a:schemeClr val="lt1"/>
+          </a:fontRef>
+        </p:style>
+        <p:txBody>
+          <a:bodyPr rtlCol="0" anchor="ctr"/>
+          <a:lstStyle/>
+          <a:p>
+            <a:pPr algn="ctr"/>
+            <a:endParaRPr lang="de-DE"/>
+          </a:p>
+        </p:txBody>
+      </p:sp>
+      <p:sp>
+        <p:nvSpPr>
+          <p:cNvPr id="142" name="Pfeil: nach rechts 141">
+            <a:extLst>
+              <a:ext uri="{FF2B5EF4-FFF2-40B4-BE49-F238E27FC236}">
+                <a16:creationId xmlns:a16="http://schemas.microsoft.com/office/drawing/2014/main" id="{BC15E710-35BE-E670-53C9-4C81610B43C5}"/>
+              </a:ext>
+            </a:extLst>
+          </p:cNvPr>
+          <p:cNvSpPr/>
+          <p:nvPr/>
+        </p:nvSpPr>
+        <p:spPr>
+          <a:xfrm rot="16200000">
+            <a:off x="3651435" y="4495615"/>
+            <a:ext cx="397545" cy="175683"/>
+          </a:xfrm>
+          <a:prstGeom prst="rightArrow">
+            <a:avLst/>
+          </a:prstGeom>
+          <a:solidFill>
+            <a:srgbClr val="000000"/>
+          </a:solidFill>
+          <a:ln>
+            <a:solidFill>
+              <a:schemeClr val="tx1"/>
+            </a:solidFill>
+          </a:ln>
+        </p:spPr>
+        <p:style>
+          <a:lnRef idx="2">
+            <a:schemeClr val="accent4">
+              <a:shade val="50000"/>
+            </a:schemeClr>
+          </a:lnRef>
+          <a:fillRef idx="1">
+            <a:schemeClr val="accent4"/>
+          </a:fillRef>
+          <a:effectRef idx="0">
+            <a:schemeClr val="accent4"/>
+          </a:effectRef>
+          <a:fontRef idx="minor">
+            <a:schemeClr val="lt1"/>
+          </a:fontRef>
+        </p:style>
+        <p:txBody>
+          <a:bodyPr rtlCol="0" anchor="ctr"/>
+          <a:lstStyle/>
+          <a:p>
+            <a:pPr algn="ctr"/>
+            <a:endParaRPr lang="de-DE"/>
+          </a:p>
+        </p:txBody>
+      </p:sp>
+      <p:sp>
+        <p:nvSpPr>
+          <p:cNvPr id="143" name="Rechteck 142">
+            <a:extLst>
+              <a:ext uri="{FF2B5EF4-FFF2-40B4-BE49-F238E27FC236}">
+                <a16:creationId xmlns:a16="http://schemas.microsoft.com/office/drawing/2014/main" id="{43031DB1-6563-F49D-BC56-B3EE4F3F9E39}"/>
+              </a:ext>
+            </a:extLst>
+          </p:cNvPr>
+          <p:cNvSpPr/>
+          <p:nvPr/>
+        </p:nvSpPr>
+        <p:spPr>
+          <a:xfrm>
+            <a:off x="4515492" y="3540217"/>
+            <a:ext cx="1199683" cy="318165"/>
+          </a:xfrm>
+          <a:prstGeom prst="rect">
+            <a:avLst/>
+          </a:prstGeom>
+          <a:solidFill>
+            <a:schemeClr val="bg1"/>
+          </a:solidFill>
+          <a:ln>
+            <a:solidFill>
+              <a:schemeClr val="tx1"/>
+            </a:solidFill>
+          </a:ln>
         </p:spPr>
         <p:style>
           <a:lnRef idx="2">
@@ -3870,16 +6128,39 @@
           <a:lstStyle/>
           <a:p>
             <a:pPr algn="ctr"/>
-            <a:endParaRPr lang="de-DE"/>
-          </a:p>
-        </p:txBody>
-      </p:sp>
-      <p:sp>
-        <p:nvSpPr>
-          <p:cNvPr id="23" name="Rechteck 22">
-            <a:extLst>
-              <a:ext uri="{FF2B5EF4-FFF2-40B4-BE49-F238E27FC236}">
-                <a16:creationId xmlns:a16="http://schemas.microsoft.com/office/drawing/2014/main" id="{BFA7DF40-DF1D-E2B0-53BB-839D7C06C43C}"/>
+            <a:r>
+              <a:rPr lang="de-DE" sz="1000" b="1" dirty="0">
+                <a:solidFill>
+                  <a:schemeClr val="tx1"/>
+                </a:solidFill>
+              </a:rPr>
+              <a:t>Transformation</a:t>
+            </a:r>
+          </a:p>
+          <a:p>
+            <a:pPr algn="ctr"/>
+            <a:r>
+              <a:rPr lang="de-DE" sz="1000" b="1" dirty="0">
+                <a:solidFill>
+                  <a:schemeClr val="tx1"/>
+                </a:solidFill>
+              </a:rPr>
+              <a:t>Zu Sternschema</a:t>
+            </a:r>
+            <a:endParaRPr lang="de-DE" b="1" dirty="0">
+              <a:solidFill>
+                <a:schemeClr val="tx1"/>
+              </a:solidFill>
+            </a:endParaRPr>
+          </a:p>
+        </p:txBody>
+      </p:sp>
+      <p:sp>
+        <p:nvSpPr>
+          <p:cNvPr id="145" name="Pfeil: nach rechts 144">
+            <a:extLst>
+              <a:ext uri="{FF2B5EF4-FFF2-40B4-BE49-F238E27FC236}">
+                <a16:creationId xmlns:a16="http://schemas.microsoft.com/office/drawing/2014/main" id="{2CA99C0F-348B-578C-3DD5-50B786D86A9D}"/>
               </a:ext>
             </a:extLst>
           </p:cNvPr>
@@ -3887,13 +6168,1093 @@
           <p:nvPr/>
         </p:nvSpPr>
         <p:spPr>
+          <a:xfrm rot="5400000">
+            <a:off x="6338089" y="4607232"/>
+            <a:ext cx="620777" cy="175684"/>
+          </a:xfrm>
+          <a:prstGeom prst="rightArrow">
+            <a:avLst/>
+          </a:prstGeom>
+          <a:solidFill>
+            <a:srgbClr val="000000"/>
+          </a:solidFill>
+          <a:ln>
+            <a:solidFill>
+              <a:schemeClr val="tx1"/>
+            </a:solidFill>
+          </a:ln>
+        </p:spPr>
+        <p:style>
+          <a:lnRef idx="2">
+            <a:schemeClr val="accent4">
+              <a:shade val="50000"/>
+            </a:schemeClr>
+          </a:lnRef>
+          <a:fillRef idx="1">
+            <a:schemeClr val="accent4"/>
+          </a:fillRef>
+          <a:effectRef idx="0">
+            <a:schemeClr val="accent4"/>
+          </a:effectRef>
+          <a:fontRef idx="minor">
+            <a:schemeClr val="lt1"/>
+          </a:fontRef>
+        </p:style>
+        <p:txBody>
+          <a:bodyPr rtlCol="0" anchor="ctr"/>
+          <a:lstStyle/>
+          <a:p>
+            <a:pPr algn="ctr"/>
+            <a:endParaRPr lang="de-DE" dirty="0"/>
+          </a:p>
+        </p:txBody>
+      </p:sp>
+      <p:pic>
+        <p:nvPicPr>
+          <p:cNvPr id="146" name="Grafik 145" descr="Tabelle Silhouette">
+            <a:extLst>
+              <a:ext uri="{FF2B5EF4-FFF2-40B4-BE49-F238E27FC236}">
+                <a16:creationId xmlns:a16="http://schemas.microsoft.com/office/drawing/2014/main" id="{B75BA301-FA67-9B03-EBFE-48C20745B86C}"/>
+              </a:ext>
+            </a:extLst>
+          </p:cNvPr>
+          <p:cNvPicPr>
+            <a:picLocks noChangeAspect="1"/>
+          </p:cNvPicPr>
+          <p:nvPr/>
+        </p:nvPicPr>
+        <p:blipFill>
+          <a:blip r:embed="rId4">
+            <a:extLst>
+              <a:ext uri="{28A0092B-C50C-407E-A947-70E740481C1C}">
+                <a14:useLocalDpi xmlns:a14="http://schemas.microsoft.com/office/drawing/2010/main" val="0"/>
+              </a:ext>
+              <a:ext uri="{96DAC541-7B7A-43D3-8B79-37D633B846F1}">
+                <asvg:svgBlip xmlns:asvg="http://schemas.microsoft.com/office/drawing/2016/SVG/main" r:embed="rId5"/>
+              </a:ext>
+            </a:extLst>
+          </a:blip>
+          <a:stretch>
+            <a:fillRect/>
+          </a:stretch>
+        </p:blipFill>
+        <p:spPr>
           <a:xfrm>
-            <a:off x="6112466" y="372348"/>
-            <a:ext cx="1801656" cy="223123"/>
+            <a:off x="6272214" y="5010298"/>
+            <a:ext cx="734334" cy="619321"/>
           </a:xfrm>
           <a:prstGeom prst="rect">
             <a:avLst/>
           </a:prstGeom>
+        </p:spPr>
+      </p:pic>
+      <p:sp>
+        <p:nvSpPr>
+          <p:cNvPr id="147" name="Textfeld 146">
+            <a:extLst>
+              <a:ext uri="{FF2B5EF4-FFF2-40B4-BE49-F238E27FC236}">
+                <a16:creationId xmlns:a16="http://schemas.microsoft.com/office/drawing/2014/main" id="{C6DA0D3A-041F-957F-7D56-F0AD5A9B7918}"/>
+              </a:ext>
+            </a:extLst>
+          </p:cNvPr>
+          <p:cNvSpPr txBox="1"/>
+          <p:nvPr/>
+        </p:nvSpPr>
+        <p:spPr>
+          <a:xfrm>
+            <a:off x="6221096" y="4928424"/>
+            <a:ext cx="853827" cy="193357"/>
+          </a:xfrm>
+          <a:prstGeom prst="rect">
+            <a:avLst/>
+          </a:prstGeom>
+          <a:noFill/>
+        </p:spPr>
+        <p:txBody>
+          <a:bodyPr wrap="square" rtlCol="0">
+            <a:spAutoFit/>
+          </a:bodyPr>
+          <a:lstStyle/>
+          <a:p>
+            <a:pPr algn="ctr"/>
+            <a:r>
+              <a:rPr lang="de-DE" sz="1000" b="1" dirty="0"/>
+              <a:t>Dataframes</a:t>
+            </a:r>
+            <a:endParaRPr lang="de-DE" b="1" dirty="0"/>
+          </a:p>
+        </p:txBody>
+      </p:sp>
+      <p:grpSp>
+        <p:nvGrpSpPr>
+          <p:cNvPr id="148" name="Gruppieren 147">
+            <a:extLst>
+              <a:ext uri="{FF2B5EF4-FFF2-40B4-BE49-F238E27FC236}">
+                <a16:creationId xmlns:a16="http://schemas.microsoft.com/office/drawing/2014/main" id="{6C557E76-76F3-CDE5-4986-827F0E49F229}"/>
+              </a:ext>
+            </a:extLst>
+          </p:cNvPr>
+          <p:cNvGrpSpPr/>
+          <p:nvPr/>
+        </p:nvGrpSpPr>
+        <p:grpSpPr>
+          <a:xfrm>
+            <a:off x="7168743" y="4875790"/>
+            <a:ext cx="3276354" cy="909326"/>
+            <a:chOff x="1441800" y="723855"/>
+            <a:chExt cx="3276354" cy="909326"/>
+          </a:xfrm>
+        </p:grpSpPr>
+        <p:grpSp>
+          <p:nvGrpSpPr>
+            <p:cNvPr id="153" name="Gruppieren 152">
+              <a:extLst>
+                <a:ext uri="{FF2B5EF4-FFF2-40B4-BE49-F238E27FC236}">
+                  <a16:creationId xmlns:a16="http://schemas.microsoft.com/office/drawing/2014/main" id="{6AC61FC8-93DB-AC6B-3167-35723F04BB4F}"/>
+                </a:ext>
+              </a:extLst>
+            </p:cNvPr>
+            <p:cNvGrpSpPr/>
+            <p:nvPr/>
+          </p:nvGrpSpPr>
+          <p:grpSpPr>
+            <a:xfrm>
+              <a:off x="1441800" y="723855"/>
+              <a:ext cx="884260" cy="882566"/>
+              <a:chOff x="7827183" y="743260"/>
+              <a:chExt cx="1061293" cy="1025918"/>
+            </a:xfrm>
+          </p:grpSpPr>
+          <p:sp>
+            <p:nvSpPr>
+              <p:cNvPr id="167" name="Rechteck 166">
+                <a:extLst>
+                  <a:ext uri="{FF2B5EF4-FFF2-40B4-BE49-F238E27FC236}">
+                    <a16:creationId xmlns:a16="http://schemas.microsoft.com/office/drawing/2014/main" id="{1E7704AA-07CF-0031-3F8D-9411B7FBB04B}"/>
+                  </a:ext>
+                </a:extLst>
+              </p:cNvPr>
+              <p:cNvSpPr/>
+              <p:nvPr/>
+            </p:nvSpPr>
+            <p:spPr>
+              <a:xfrm>
+                <a:off x="7827183" y="745223"/>
+                <a:ext cx="1058607" cy="1023955"/>
+              </a:xfrm>
+              <a:prstGeom prst="rect">
+                <a:avLst/>
+              </a:prstGeom>
+              <a:solidFill>
+                <a:srgbClr val="FF5050">
+                  <a:alpha val="60000"/>
+                </a:srgbClr>
+              </a:solidFill>
+              <a:ln>
+                <a:solidFill>
+                  <a:schemeClr val="tx1"/>
+                </a:solidFill>
+              </a:ln>
+            </p:spPr>
+            <p:style>
+              <a:lnRef idx="2">
+                <a:schemeClr val="accent1">
+                  <a:shade val="50000"/>
+                </a:schemeClr>
+              </a:lnRef>
+              <a:fillRef idx="1">
+                <a:schemeClr val="accent1"/>
+              </a:fillRef>
+              <a:effectRef idx="0">
+                <a:schemeClr val="accent1"/>
+              </a:effectRef>
+              <a:fontRef idx="minor">
+                <a:schemeClr val="lt1"/>
+              </a:fontRef>
+            </p:style>
+            <p:txBody>
+              <a:bodyPr rtlCol="0" anchor="ctr"/>
+              <a:lstStyle/>
+              <a:p>
+                <a:pPr algn="ctr"/>
+                <a:endParaRPr lang="de-DE" dirty="0"/>
+              </a:p>
+            </p:txBody>
+          </p:sp>
+          <p:sp>
+            <p:nvSpPr>
+              <p:cNvPr id="168" name="Rechteck 167">
+                <a:extLst>
+                  <a:ext uri="{FF2B5EF4-FFF2-40B4-BE49-F238E27FC236}">
+                    <a16:creationId xmlns:a16="http://schemas.microsoft.com/office/drawing/2014/main" id="{49228670-0344-95FA-E7E4-78495A370528}"/>
+                  </a:ext>
+                </a:extLst>
+              </p:cNvPr>
+              <p:cNvSpPr/>
+              <p:nvPr/>
+            </p:nvSpPr>
+            <p:spPr>
+              <a:xfrm>
+                <a:off x="7827183" y="743260"/>
+                <a:ext cx="1061293" cy="165108"/>
+              </a:xfrm>
+              <a:prstGeom prst="rect">
+                <a:avLst/>
+              </a:prstGeom>
+              <a:solidFill>
+                <a:schemeClr val="bg1"/>
+              </a:solidFill>
+              <a:ln>
+                <a:solidFill>
+                  <a:schemeClr val="tx1"/>
+                </a:solidFill>
+              </a:ln>
+            </p:spPr>
+            <p:style>
+              <a:lnRef idx="2">
+                <a:schemeClr val="accent1">
+                  <a:shade val="50000"/>
+                </a:schemeClr>
+              </a:lnRef>
+              <a:fillRef idx="1">
+                <a:schemeClr val="accent1"/>
+              </a:fillRef>
+              <a:effectRef idx="0">
+                <a:schemeClr val="accent1"/>
+              </a:effectRef>
+              <a:fontRef idx="minor">
+                <a:schemeClr val="lt1"/>
+              </a:fontRef>
+            </p:style>
+            <p:txBody>
+              <a:bodyPr rtlCol="0" anchor="ctr"/>
+              <a:lstStyle/>
+              <a:p>
+                <a:pPr algn="ctr"/>
+                <a:r>
+                  <a:rPr lang="de-DE" sz="900" b="1" dirty="0">
+                    <a:solidFill>
+                      <a:schemeClr val="tx1"/>
+                    </a:solidFill>
+                  </a:rPr>
+                  <a:t>Datenanalyse</a:t>
+                </a:r>
+                <a:endParaRPr lang="de-DE" b="1" dirty="0">
+                  <a:solidFill>
+                    <a:schemeClr val="tx1"/>
+                  </a:solidFill>
+                </a:endParaRPr>
+              </a:p>
+            </p:txBody>
+          </p:sp>
+          <p:pic>
+            <p:nvPicPr>
+              <p:cNvPr id="169" name="Grafik 168" descr="Recherche mit einfarbiger Füllung">
+                <a:extLst>
+                  <a:ext uri="{FF2B5EF4-FFF2-40B4-BE49-F238E27FC236}">
+                    <a16:creationId xmlns:a16="http://schemas.microsoft.com/office/drawing/2014/main" id="{40A1CAF0-FF1B-5589-60CF-828A21DD661E}"/>
+                  </a:ext>
+                </a:extLst>
+              </p:cNvPr>
+              <p:cNvPicPr>
+                <a:picLocks noChangeAspect="1"/>
+              </p:cNvPicPr>
+              <p:nvPr/>
+            </p:nvPicPr>
+            <p:blipFill>
+              <a:blip r:embed="rId6">
+                <a:extLst>
+                  <a:ext uri="{28A0092B-C50C-407E-A947-70E740481C1C}">
+                    <a14:useLocalDpi xmlns:a14="http://schemas.microsoft.com/office/drawing/2010/main" val="0"/>
+                  </a:ext>
+                  <a:ext uri="{96DAC541-7B7A-43D3-8B79-37D633B846F1}">
+                    <asvg:svgBlip xmlns:asvg="http://schemas.microsoft.com/office/drawing/2016/SVG/main" r:embed="rId7"/>
+                  </a:ext>
+                </a:extLst>
+              </a:blip>
+              <a:stretch>
+                <a:fillRect/>
+              </a:stretch>
+            </p:blipFill>
+            <p:spPr>
+              <a:xfrm>
+                <a:off x="8111727" y="1075869"/>
+                <a:ext cx="525808" cy="525808"/>
+              </a:xfrm>
+              <a:prstGeom prst="rect">
+                <a:avLst/>
+              </a:prstGeom>
+            </p:spPr>
+          </p:pic>
+        </p:grpSp>
+        <p:grpSp>
+          <p:nvGrpSpPr>
+            <p:cNvPr id="154" name="Gruppieren 153">
+              <a:extLst>
+                <a:ext uri="{FF2B5EF4-FFF2-40B4-BE49-F238E27FC236}">
+                  <a16:creationId xmlns:a16="http://schemas.microsoft.com/office/drawing/2014/main" id="{AC9C4747-4279-738F-FDC3-819C4DC4F7C2}"/>
+                </a:ext>
+              </a:extLst>
+            </p:cNvPr>
+            <p:cNvGrpSpPr/>
+            <p:nvPr/>
+          </p:nvGrpSpPr>
+          <p:grpSpPr>
+            <a:xfrm>
+              <a:off x="3836154" y="724421"/>
+              <a:ext cx="882000" cy="882000"/>
+              <a:chOff x="8923883" y="716403"/>
+              <a:chExt cx="1061293" cy="1025918"/>
+            </a:xfrm>
+          </p:grpSpPr>
+          <p:grpSp>
+            <p:nvGrpSpPr>
+              <p:cNvPr id="163" name="Gruppieren 162">
+                <a:extLst>
+                  <a:ext uri="{FF2B5EF4-FFF2-40B4-BE49-F238E27FC236}">
+                    <a16:creationId xmlns:a16="http://schemas.microsoft.com/office/drawing/2014/main" id="{0A01C5E2-7989-033F-49CF-3C72F1415B8B}"/>
+                  </a:ext>
+                </a:extLst>
+              </p:cNvPr>
+              <p:cNvGrpSpPr/>
+              <p:nvPr/>
+            </p:nvGrpSpPr>
+            <p:grpSpPr>
+              <a:xfrm>
+                <a:off x="8923883" y="716403"/>
+                <a:ext cx="1061293" cy="1025918"/>
+                <a:chOff x="7827183" y="743260"/>
+                <a:chExt cx="1061293" cy="1025918"/>
+              </a:xfrm>
+            </p:grpSpPr>
+            <p:sp>
+              <p:nvSpPr>
+                <p:cNvPr id="165" name="Rechteck 164">
+                  <a:extLst>
+                    <a:ext uri="{FF2B5EF4-FFF2-40B4-BE49-F238E27FC236}">
+                      <a16:creationId xmlns:a16="http://schemas.microsoft.com/office/drawing/2014/main" id="{B673DD7B-C031-76A3-9581-4F063B4A511F}"/>
+                    </a:ext>
+                  </a:extLst>
+                </p:cNvPr>
+                <p:cNvSpPr/>
+                <p:nvPr/>
+              </p:nvSpPr>
+              <p:spPr>
+                <a:xfrm>
+                  <a:off x="7827183" y="745223"/>
+                  <a:ext cx="1058607" cy="1023955"/>
+                </a:xfrm>
+                <a:prstGeom prst="rect">
+                  <a:avLst/>
+                </a:prstGeom>
+                <a:solidFill>
+                  <a:srgbClr val="FF5050">
+                    <a:alpha val="60000"/>
+                  </a:srgbClr>
+                </a:solidFill>
+                <a:ln>
+                  <a:solidFill>
+                    <a:schemeClr val="tx1"/>
+                  </a:solidFill>
+                </a:ln>
+              </p:spPr>
+              <p:style>
+                <a:lnRef idx="2">
+                  <a:schemeClr val="accent1">
+                    <a:shade val="50000"/>
+                  </a:schemeClr>
+                </a:lnRef>
+                <a:fillRef idx="1">
+                  <a:schemeClr val="accent1"/>
+                </a:fillRef>
+                <a:effectRef idx="0">
+                  <a:schemeClr val="accent1"/>
+                </a:effectRef>
+                <a:fontRef idx="minor">
+                  <a:schemeClr val="lt1"/>
+                </a:fontRef>
+              </p:style>
+              <p:txBody>
+                <a:bodyPr rtlCol="0" anchor="ctr"/>
+                <a:lstStyle/>
+                <a:p>
+                  <a:pPr algn="ctr"/>
+                  <a:endParaRPr lang="de-DE"/>
+                </a:p>
+              </p:txBody>
+            </p:sp>
+            <p:sp>
+              <p:nvSpPr>
+                <p:cNvPr id="166" name="Rechteck 165">
+                  <a:extLst>
+                    <a:ext uri="{FF2B5EF4-FFF2-40B4-BE49-F238E27FC236}">
+                      <a16:creationId xmlns:a16="http://schemas.microsoft.com/office/drawing/2014/main" id="{A3DC6C80-E819-D661-EE63-DC28582DDBDC}"/>
+                    </a:ext>
+                  </a:extLst>
+                </p:cNvPr>
+                <p:cNvSpPr/>
+                <p:nvPr/>
+              </p:nvSpPr>
+              <p:spPr>
+                <a:xfrm>
+                  <a:off x="7827183" y="743260"/>
+                  <a:ext cx="1061293" cy="165108"/>
+                </a:xfrm>
+                <a:prstGeom prst="rect">
+                  <a:avLst/>
+                </a:prstGeom>
+                <a:solidFill>
+                  <a:schemeClr val="bg1"/>
+                </a:solidFill>
+                <a:ln>
+                  <a:solidFill>
+                    <a:schemeClr val="tx1"/>
+                  </a:solidFill>
+                </a:ln>
+              </p:spPr>
+              <p:style>
+                <a:lnRef idx="2">
+                  <a:schemeClr val="accent1">
+                    <a:shade val="50000"/>
+                  </a:schemeClr>
+                </a:lnRef>
+                <a:fillRef idx="1">
+                  <a:schemeClr val="accent1"/>
+                </a:fillRef>
+                <a:effectRef idx="0">
+                  <a:schemeClr val="accent1"/>
+                </a:effectRef>
+                <a:fontRef idx="minor">
+                  <a:schemeClr val="lt1"/>
+                </a:fontRef>
+              </p:style>
+              <p:txBody>
+                <a:bodyPr rtlCol="0" anchor="ctr"/>
+                <a:lstStyle/>
+                <a:p>
+                  <a:pPr algn="ctr"/>
+                  <a:r>
+                    <a:rPr lang="de-DE" sz="1000" b="1" dirty="0">
+                      <a:solidFill>
+                        <a:schemeClr val="tx1"/>
+                      </a:solidFill>
+                    </a:rPr>
+                    <a:t>Auswertung</a:t>
+                  </a:r>
+                  <a:endParaRPr lang="de-DE" b="1" dirty="0">
+                    <a:solidFill>
+                      <a:schemeClr val="tx1"/>
+                    </a:solidFill>
+                  </a:endParaRPr>
+                </a:p>
+              </p:txBody>
+            </p:sp>
+          </p:grpSp>
+          <p:pic>
+            <p:nvPicPr>
+              <p:cNvPr id="164" name="Grafik 163" descr="Gehirn im Kopf Silhouette">
+                <a:extLst>
+                  <a:ext uri="{FF2B5EF4-FFF2-40B4-BE49-F238E27FC236}">
+                    <a16:creationId xmlns:a16="http://schemas.microsoft.com/office/drawing/2014/main" id="{46F78C15-3EAA-0778-E63C-4A96BEFD9706}"/>
+                  </a:ext>
+                </a:extLst>
+              </p:cNvPr>
+              <p:cNvPicPr>
+                <a:picLocks noChangeAspect="1"/>
+              </p:cNvPicPr>
+              <p:nvPr/>
+            </p:nvPicPr>
+            <p:blipFill>
+              <a:blip r:embed="rId8">
+                <a:extLst>
+                  <a:ext uri="{28A0092B-C50C-407E-A947-70E740481C1C}">
+                    <a14:useLocalDpi xmlns:a14="http://schemas.microsoft.com/office/drawing/2010/main" val="0"/>
+                  </a:ext>
+                  <a:ext uri="{96DAC541-7B7A-43D3-8B79-37D633B846F1}">
+                    <asvg:svgBlip xmlns:asvg="http://schemas.microsoft.com/office/drawing/2016/SVG/main" r:embed="rId9"/>
+                  </a:ext>
+                </a:extLst>
+              </a:blip>
+              <a:stretch>
+                <a:fillRect/>
+              </a:stretch>
+            </p:blipFill>
+            <p:spPr>
+              <a:xfrm>
+                <a:off x="9114409" y="972158"/>
+                <a:ext cx="677553" cy="677553"/>
+              </a:xfrm>
+              <a:prstGeom prst="rect">
+                <a:avLst/>
+              </a:prstGeom>
+            </p:spPr>
+          </p:pic>
+        </p:grpSp>
+        <p:grpSp>
+          <p:nvGrpSpPr>
+            <p:cNvPr id="155" name="Gruppieren 154">
+              <a:extLst>
+                <a:ext uri="{FF2B5EF4-FFF2-40B4-BE49-F238E27FC236}">
+                  <a16:creationId xmlns:a16="http://schemas.microsoft.com/office/drawing/2014/main" id="{EA81F849-1C6A-F6F4-3EDC-57BACB13F29D}"/>
+                </a:ext>
+              </a:extLst>
+            </p:cNvPr>
+            <p:cNvGrpSpPr/>
+            <p:nvPr/>
+          </p:nvGrpSpPr>
+          <p:grpSpPr>
+            <a:xfrm>
+              <a:off x="2653321" y="725981"/>
+              <a:ext cx="885600" cy="907200"/>
+              <a:chOff x="6343257" y="725000"/>
+              <a:chExt cx="1061294" cy="1057100"/>
+            </a:xfrm>
+          </p:grpSpPr>
+          <p:grpSp>
+            <p:nvGrpSpPr>
+              <p:cNvPr id="156" name="Gruppieren 155">
+                <a:extLst>
+                  <a:ext uri="{FF2B5EF4-FFF2-40B4-BE49-F238E27FC236}">
+                    <a16:creationId xmlns:a16="http://schemas.microsoft.com/office/drawing/2014/main" id="{FCA573ED-7F99-B5C6-02F0-CCE12B8CD94E}"/>
+                  </a:ext>
+                </a:extLst>
+              </p:cNvPr>
+              <p:cNvGrpSpPr/>
+              <p:nvPr/>
+            </p:nvGrpSpPr>
+            <p:grpSpPr>
+              <a:xfrm>
+                <a:off x="6343257" y="725000"/>
+                <a:ext cx="1061294" cy="1025918"/>
+                <a:chOff x="7827183" y="743260"/>
+                <a:chExt cx="1061294" cy="1025918"/>
+              </a:xfrm>
+            </p:grpSpPr>
+            <p:sp>
+              <p:nvSpPr>
+                <p:cNvPr id="161" name="Rechteck 160">
+                  <a:extLst>
+                    <a:ext uri="{FF2B5EF4-FFF2-40B4-BE49-F238E27FC236}">
+                      <a16:creationId xmlns:a16="http://schemas.microsoft.com/office/drawing/2014/main" id="{E996876A-7EA1-2288-9CC3-E77D07765B5E}"/>
+                    </a:ext>
+                  </a:extLst>
+                </p:cNvPr>
+                <p:cNvSpPr/>
+                <p:nvPr/>
+              </p:nvSpPr>
+              <p:spPr>
+                <a:xfrm>
+                  <a:off x="7827183" y="745223"/>
+                  <a:ext cx="1058607" cy="1023955"/>
+                </a:xfrm>
+                <a:prstGeom prst="rect">
+                  <a:avLst/>
+                </a:prstGeom>
+                <a:solidFill>
+                  <a:srgbClr val="FF5050">
+                    <a:alpha val="60000"/>
+                  </a:srgbClr>
+                </a:solidFill>
+                <a:ln>
+                  <a:solidFill>
+                    <a:schemeClr val="tx1"/>
+                  </a:solidFill>
+                </a:ln>
+              </p:spPr>
+              <p:style>
+                <a:lnRef idx="2">
+                  <a:schemeClr val="accent1">
+                    <a:shade val="50000"/>
+                  </a:schemeClr>
+                </a:lnRef>
+                <a:fillRef idx="1">
+                  <a:schemeClr val="accent1"/>
+                </a:fillRef>
+                <a:effectRef idx="0">
+                  <a:schemeClr val="accent1"/>
+                </a:effectRef>
+                <a:fontRef idx="minor">
+                  <a:schemeClr val="lt1"/>
+                </a:fontRef>
+              </p:style>
+              <p:txBody>
+                <a:bodyPr rtlCol="0" anchor="ctr"/>
+                <a:lstStyle/>
+                <a:p>
+                  <a:pPr algn="ctr"/>
+                  <a:endParaRPr lang="de-DE"/>
+                </a:p>
+              </p:txBody>
+            </p:sp>
+            <p:sp>
+              <p:nvSpPr>
+                <p:cNvPr id="162" name="Rechteck 161">
+                  <a:extLst>
+                    <a:ext uri="{FF2B5EF4-FFF2-40B4-BE49-F238E27FC236}">
+                      <a16:creationId xmlns:a16="http://schemas.microsoft.com/office/drawing/2014/main" id="{9DEF20FE-24FB-50AF-F1F3-8A2AA36EAE26}"/>
+                    </a:ext>
+                  </a:extLst>
+                </p:cNvPr>
+                <p:cNvSpPr/>
+                <p:nvPr/>
+              </p:nvSpPr>
+              <p:spPr>
+                <a:xfrm>
+                  <a:off x="7827184" y="743260"/>
+                  <a:ext cx="1061293" cy="165108"/>
+                </a:xfrm>
+                <a:prstGeom prst="rect">
+                  <a:avLst/>
+                </a:prstGeom>
+                <a:solidFill>
+                  <a:schemeClr val="bg1"/>
+                </a:solidFill>
+                <a:ln>
+                  <a:solidFill>
+                    <a:schemeClr val="tx1"/>
+                  </a:solidFill>
+                </a:ln>
+              </p:spPr>
+              <p:style>
+                <a:lnRef idx="2">
+                  <a:schemeClr val="accent1">
+                    <a:shade val="50000"/>
+                  </a:schemeClr>
+                </a:lnRef>
+                <a:fillRef idx="1">
+                  <a:schemeClr val="accent1"/>
+                </a:fillRef>
+                <a:effectRef idx="0">
+                  <a:schemeClr val="accent1"/>
+                </a:effectRef>
+                <a:fontRef idx="minor">
+                  <a:schemeClr val="lt1"/>
+                </a:fontRef>
+              </p:style>
+              <p:txBody>
+                <a:bodyPr rtlCol="0" anchor="ctr"/>
+                <a:lstStyle/>
+                <a:p>
+                  <a:pPr algn="ctr"/>
+                  <a:r>
+                    <a:rPr lang="de-DE" sz="900" b="1" dirty="0">
+                      <a:solidFill>
+                        <a:schemeClr val="tx1"/>
+                      </a:solidFill>
+                    </a:rPr>
+                    <a:t>Visualisierung</a:t>
+                  </a:r>
+                  <a:endParaRPr lang="de-DE" b="1" dirty="0">
+                    <a:solidFill>
+                      <a:schemeClr val="tx1"/>
+                    </a:solidFill>
+                  </a:endParaRPr>
+                </a:p>
+              </p:txBody>
+            </p:sp>
+          </p:grpSp>
+          <p:pic>
+            <p:nvPicPr>
+              <p:cNvPr id="157" name="Grafik 156" descr="Harvey Balls 30% Silhouette">
+                <a:extLst>
+                  <a:ext uri="{FF2B5EF4-FFF2-40B4-BE49-F238E27FC236}">
+                    <a16:creationId xmlns:a16="http://schemas.microsoft.com/office/drawing/2014/main" id="{E87A1580-B490-5592-C254-6297F6E21789}"/>
+                  </a:ext>
+                </a:extLst>
+              </p:cNvPr>
+              <p:cNvPicPr>
+                <a:picLocks noChangeAspect="1"/>
+              </p:cNvPicPr>
+              <p:nvPr/>
+            </p:nvPicPr>
+            <p:blipFill>
+              <a:blip r:embed="rId10">
+                <a:extLst>
+                  <a:ext uri="{28A0092B-C50C-407E-A947-70E740481C1C}">
+                    <a14:useLocalDpi xmlns:a14="http://schemas.microsoft.com/office/drawing/2010/main" val="0"/>
+                  </a:ext>
+                  <a:ext uri="{96DAC541-7B7A-43D3-8B79-37D633B846F1}">
+                    <asvg:svgBlip xmlns:asvg="http://schemas.microsoft.com/office/drawing/2016/SVG/main" r:embed="rId11"/>
+                  </a:ext>
+                </a:extLst>
+              </a:blip>
+              <a:stretch>
+                <a:fillRect/>
+              </a:stretch>
+            </p:blipFill>
+            <p:spPr>
+              <a:xfrm>
+                <a:off x="6912233" y="873429"/>
+                <a:ext cx="490974" cy="490974"/>
+              </a:xfrm>
+              <a:prstGeom prst="rect">
+                <a:avLst/>
+              </a:prstGeom>
+            </p:spPr>
+          </p:pic>
+          <p:pic>
+            <p:nvPicPr>
+              <p:cNvPr id="158" name="Grafik 157" descr="Balkendiagramm Silhouette">
+                <a:extLst>
+                  <a:ext uri="{FF2B5EF4-FFF2-40B4-BE49-F238E27FC236}">
+                    <a16:creationId xmlns:a16="http://schemas.microsoft.com/office/drawing/2014/main" id="{039AB038-B444-5925-2248-E0D66BC9C279}"/>
+                  </a:ext>
+                </a:extLst>
+              </p:cNvPr>
+              <p:cNvPicPr>
+                <a:picLocks noChangeAspect="1"/>
+              </p:cNvPicPr>
+              <p:nvPr/>
+            </p:nvPicPr>
+            <p:blipFill>
+              <a:blip r:embed="rId12">
+                <a:extLst>
+                  <a:ext uri="{28A0092B-C50C-407E-A947-70E740481C1C}">
+                    <a14:useLocalDpi xmlns:a14="http://schemas.microsoft.com/office/drawing/2010/main" val="0"/>
+                  </a:ext>
+                  <a:ext uri="{96DAC541-7B7A-43D3-8B79-37D633B846F1}">
+                    <asvg:svgBlip xmlns:asvg="http://schemas.microsoft.com/office/drawing/2016/SVG/main" r:embed="rId13"/>
+                  </a:ext>
+                </a:extLst>
+              </a:blip>
+              <a:stretch>
+                <a:fillRect/>
+              </a:stretch>
+            </p:blipFill>
+            <p:spPr>
+              <a:xfrm>
+                <a:off x="6376831" y="1336971"/>
+                <a:ext cx="413947" cy="413947"/>
+              </a:xfrm>
+              <a:prstGeom prst="rect">
+                <a:avLst/>
+              </a:prstGeom>
+            </p:spPr>
+          </p:pic>
+          <p:pic>
+            <p:nvPicPr>
+              <p:cNvPr id="159" name="Grafik 158" descr="Statistiken Silhouette">
+                <a:extLst>
+                  <a:ext uri="{FF2B5EF4-FFF2-40B4-BE49-F238E27FC236}">
+                    <a16:creationId xmlns:a16="http://schemas.microsoft.com/office/drawing/2014/main" id="{243B36C4-FFC5-C02C-E90E-FD583C273560}"/>
+                  </a:ext>
+                </a:extLst>
+              </p:cNvPr>
+              <p:cNvPicPr>
+                <a:picLocks noChangeAspect="1"/>
+              </p:cNvPicPr>
+              <p:nvPr/>
+            </p:nvPicPr>
+            <p:blipFill>
+              <a:blip r:embed="rId14">
+                <a:extLst>
+                  <a:ext uri="{28A0092B-C50C-407E-A947-70E740481C1C}">
+                    <a14:useLocalDpi xmlns:a14="http://schemas.microsoft.com/office/drawing/2010/main" val="0"/>
+                  </a:ext>
+                  <a:ext uri="{96DAC541-7B7A-43D3-8B79-37D633B846F1}">
+                    <asvg:svgBlip xmlns:asvg="http://schemas.microsoft.com/office/drawing/2016/SVG/main" r:embed="rId15"/>
+                  </a:ext>
+                </a:extLst>
+              </a:blip>
+              <a:stretch>
+                <a:fillRect/>
+              </a:stretch>
+            </p:blipFill>
+            <p:spPr>
+              <a:xfrm>
+                <a:off x="6360226" y="862677"/>
+                <a:ext cx="501726" cy="501727"/>
+              </a:xfrm>
+              <a:prstGeom prst="rect">
+                <a:avLst/>
+              </a:prstGeom>
+            </p:spPr>
+          </p:pic>
+          <p:pic>
+            <p:nvPicPr>
+              <p:cNvPr id="160" name="Grafik 159" descr="Gantt-Diagramm Silhouette">
+                <a:extLst>
+                  <a:ext uri="{FF2B5EF4-FFF2-40B4-BE49-F238E27FC236}">
+                    <a16:creationId xmlns:a16="http://schemas.microsoft.com/office/drawing/2014/main" id="{703FFC9B-0919-40D7-B8E6-21D32DEC6F43}"/>
+                  </a:ext>
+                </a:extLst>
+              </p:cNvPr>
+              <p:cNvPicPr>
+                <a:picLocks noChangeAspect="1"/>
+              </p:cNvPicPr>
+              <p:nvPr/>
+            </p:nvPicPr>
+            <p:blipFill>
+              <a:blip r:embed="rId16">
+                <a:extLst>
+                  <a:ext uri="{28A0092B-C50C-407E-A947-70E740481C1C}">
+                    <a14:useLocalDpi xmlns:a14="http://schemas.microsoft.com/office/drawing/2010/main" val="0"/>
+                  </a:ext>
+                  <a:ext uri="{96DAC541-7B7A-43D3-8B79-37D633B846F1}">
+                    <asvg:svgBlip xmlns:asvg="http://schemas.microsoft.com/office/drawing/2016/SVG/main" r:embed="rId17"/>
+                  </a:ext>
+                </a:extLst>
+              </a:blip>
+              <a:stretch>
+                <a:fillRect/>
+              </a:stretch>
+            </p:blipFill>
+            <p:spPr>
+              <a:xfrm>
+                <a:off x="6895526" y="1313795"/>
+                <a:ext cx="468305" cy="468305"/>
+              </a:xfrm>
+              <a:prstGeom prst="rect">
+                <a:avLst/>
+              </a:prstGeom>
+            </p:spPr>
+          </p:pic>
+        </p:grpSp>
+      </p:grpSp>
+      <p:sp>
+        <p:nvSpPr>
+          <p:cNvPr id="149" name="Pfeil: nach rechts 148">
+            <a:extLst>
+              <a:ext uri="{FF2B5EF4-FFF2-40B4-BE49-F238E27FC236}">
+                <a16:creationId xmlns:a16="http://schemas.microsoft.com/office/drawing/2014/main" id="{C0A73CF1-29E7-5A23-8615-19CC2A09E335}"/>
+              </a:ext>
+            </a:extLst>
+          </p:cNvPr>
+          <p:cNvSpPr/>
+          <p:nvPr/>
+        </p:nvSpPr>
+        <p:spPr>
+          <a:xfrm>
+            <a:off x="6971397" y="5222299"/>
+            <a:ext cx="425902" cy="191235"/>
+          </a:xfrm>
+          <a:prstGeom prst="rightArrow">
+            <a:avLst/>
+          </a:prstGeom>
+          <a:solidFill>
+            <a:srgbClr val="000000"/>
+          </a:solidFill>
+          <a:ln>
+            <a:solidFill>
+              <a:schemeClr val="tx1"/>
+            </a:solidFill>
+          </a:ln>
+        </p:spPr>
+        <p:style>
+          <a:lnRef idx="2">
+            <a:schemeClr val="accent4">
+              <a:shade val="50000"/>
+            </a:schemeClr>
+          </a:lnRef>
+          <a:fillRef idx="1">
+            <a:schemeClr val="accent4"/>
+          </a:fillRef>
+          <a:effectRef idx="0">
+            <a:schemeClr val="accent4"/>
+          </a:effectRef>
+          <a:fontRef idx="minor">
+            <a:schemeClr val="lt1"/>
+          </a:fontRef>
+        </p:style>
+        <p:txBody>
+          <a:bodyPr rtlCol="0" anchor="ctr"/>
+          <a:lstStyle/>
+          <a:p>
+            <a:pPr algn="ctr"/>
+            <a:endParaRPr lang="de-DE" dirty="0"/>
+          </a:p>
+        </p:txBody>
+      </p:sp>
+      <p:sp>
+        <p:nvSpPr>
+          <p:cNvPr id="150" name="Pfeil: nach rechts 149">
+            <a:extLst>
+              <a:ext uri="{FF2B5EF4-FFF2-40B4-BE49-F238E27FC236}">
+                <a16:creationId xmlns:a16="http://schemas.microsoft.com/office/drawing/2014/main" id="{4B737D16-59A0-C2C0-994F-AE1B037E5B41}"/>
+              </a:ext>
+            </a:extLst>
+          </p:cNvPr>
+          <p:cNvSpPr/>
+          <p:nvPr/>
+        </p:nvSpPr>
+        <p:spPr>
+          <a:xfrm>
+            <a:off x="8008972" y="5232293"/>
+            <a:ext cx="425902" cy="191235"/>
+          </a:xfrm>
+          <a:prstGeom prst="rightArrow">
+            <a:avLst/>
+          </a:prstGeom>
+          <a:solidFill>
+            <a:srgbClr val="000000"/>
+          </a:solidFill>
+          <a:ln>
+            <a:solidFill>
+              <a:schemeClr val="tx1"/>
+            </a:solidFill>
+          </a:ln>
+        </p:spPr>
+        <p:style>
+          <a:lnRef idx="2">
+            <a:schemeClr val="accent4">
+              <a:shade val="50000"/>
+            </a:schemeClr>
+          </a:lnRef>
+          <a:fillRef idx="1">
+            <a:schemeClr val="accent4"/>
+          </a:fillRef>
+          <a:effectRef idx="0">
+            <a:schemeClr val="accent4"/>
+          </a:effectRef>
+          <a:fontRef idx="minor">
+            <a:schemeClr val="lt1"/>
+          </a:fontRef>
+        </p:style>
+        <p:txBody>
+          <a:bodyPr rtlCol="0" anchor="ctr"/>
+          <a:lstStyle/>
+          <a:p>
+            <a:pPr algn="ctr"/>
+            <a:endParaRPr lang="de-DE" dirty="0"/>
+          </a:p>
+        </p:txBody>
+      </p:sp>
+      <p:sp>
+        <p:nvSpPr>
+          <p:cNvPr id="151" name="Pfeil: nach rechts 150">
+            <a:extLst>
+              <a:ext uri="{FF2B5EF4-FFF2-40B4-BE49-F238E27FC236}">
+                <a16:creationId xmlns:a16="http://schemas.microsoft.com/office/drawing/2014/main" id="{A3F4B4A0-83B1-65AA-5328-A693A92DB69A}"/>
+              </a:ext>
+            </a:extLst>
+          </p:cNvPr>
+          <p:cNvSpPr/>
+          <p:nvPr/>
+        </p:nvSpPr>
+        <p:spPr>
+          <a:xfrm>
+            <a:off x="9244430" y="5248794"/>
+            <a:ext cx="425902" cy="191235"/>
+          </a:xfrm>
+          <a:prstGeom prst="rightArrow">
+            <a:avLst/>
+          </a:prstGeom>
+          <a:solidFill>
+            <a:srgbClr val="000000"/>
+          </a:solidFill>
+          <a:ln>
+            <a:solidFill>
+              <a:schemeClr val="tx1"/>
+            </a:solidFill>
+          </a:ln>
+        </p:spPr>
+        <p:style>
+          <a:lnRef idx="2">
+            <a:schemeClr val="accent4">
+              <a:shade val="50000"/>
+            </a:schemeClr>
+          </a:lnRef>
+          <a:fillRef idx="1">
+            <a:schemeClr val="accent4"/>
+          </a:fillRef>
+          <a:effectRef idx="0">
+            <a:schemeClr val="accent4"/>
+          </a:effectRef>
+          <a:fontRef idx="minor">
+            <a:schemeClr val="lt1"/>
+          </a:fontRef>
+        </p:style>
+        <p:txBody>
+          <a:bodyPr rtlCol="0" anchor="ctr"/>
+          <a:lstStyle/>
+          <a:p>
+            <a:pPr algn="ctr"/>
+            <a:endParaRPr lang="de-DE" dirty="0"/>
+          </a:p>
+        </p:txBody>
+      </p:sp>
+      <p:sp>
+        <p:nvSpPr>
+          <p:cNvPr id="152" name="Pfeil: nach rechts 151">
+            <a:extLst>
+              <a:ext uri="{FF2B5EF4-FFF2-40B4-BE49-F238E27FC236}">
+                <a16:creationId xmlns:a16="http://schemas.microsoft.com/office/drawing/2014/main" id="{F9800D34-32C0-B039-864D-A97FB371DDD7}"/>
+              </a:ext>
+            </a:extLst>
+          </p:cNvPr>
+          <p:cNvSpPr/>
+          <p:nvPr/>
+        </p:nvSpPr>
+        <p:spPr>
+          <a:xfrm>
+            <a:off x="10417564" y="5254748"/>
+            <a:ext cx="349883" cy="185281"/>
+          </a:xfrm>
+          <a:prstGeom prst="rightArrow">
+            <a:avLst/>
+          </a:prstGeom>
+          <a:solidFill>
+            <a:srgbClr val="000000"/>
+          </a:solidFill>
+          <a:ln>
+            <a:solidFill>
+              <a:schemeClr val="tx1"/>
+            </a:solidFill>
+          </a:ln>
+        </p:spPr>
+        <p:style>
+          <a:lnRef idx="2">
+            <a:schemeClr val="accent4">
+              <a:shade val="50000"/>
+            </a:schemeClr>
+          </a:lnRef>
+          <a:fillRef idx="1">
+            <a:schemeClr val="accent4"/>
+          </a:fillRef>
+          <a:effectRef idx="0">
+            <a:schemeClr val="accent4"/>
+          </a:effectRef>
+          <a:fontRef idx="minor">
+            <a:schemeClr val="lt1"/>
+          </a:fontRef>
+        </p:style>
+        <p:txBody>
+          <a:bodyPr rtlCol="0" anchor="ctr"/>
+          <a:lstStyle/>
+          <a:p>
+            <a:pPr algn="ctr"/>
+            <a:endParaRPr lang="de-DE" dirty="0"/>
+          </a:p>
+        </p:txBody>
+      </p:sp>
+      <p:sp>
+        <p:nvSpPr>
+          <p:cNvPr id="93" name="Pfeil: Fünfeck 92">
+            <a:extLst>
+              <a:ext uri="{FF2B5EF4-FFF2-40B4-BE49-F238E27FC236}">
+                <a16:creationId xmlns:a16="http://schemas.microsoft.com/office/drawing/2014/main" id="{2BEB4DC9-6D64-E64D-631B-1BF0F87469B0}"/>
+              </a:ext>
+            </a:extLst>
+          </p:cNvPr>
+          <p:cNvSpPr/>
+          <p:nvPr/>
+        </p:nvSpPr>
+        <p:spPr>
+          <a:xfrm>
+            <a:off x="349515" y="2683017"/>
+            <a:ext cx="2142005" cy="228621"/>
+          </a:xfrm>
+          <a:prstGeom prst="homePlate">
+            <a:avLst/>
+          </a:prstGeom>
+          <a:solidFill>
+            <a:srgbClr val="A9D18E">
+              <a:alpha val="80000"/>
+            </a:srgbClr>
+          </a:solidFill>
+          <a:ln>
+            <a:noFill/>
+          </a:ln>
         </p:spPr>
         <p:style>
           <a:lnRef idx="2">
@@ -3917,150 +7278,47 @@
           <a:p>
             <a:pPr algn="ctr"/>
             <a:r>
-              <a:rPr lang="de-DE" dirty="0"/>
-              <a:t>Python Pandas</a:t>
+              <a:rPr lang="de-DE" sz="1100" b="1" dirty="0" err="1">
+                <a:solidFill>
+                  <a:schemeClr val="tx1"/>
+                </a:solidFill>
+              </a:rPr>
+              <a:t>create_data_warehouse.ipynb</a:t>
             </a:r>
-          </a:p>
-        </p:txBody>
-      </p:sp>
-      <p:pic>
-        <p:nvPicPr>
-          <p:cNvPr id="29" name="Grafik 28" descr="Ein Bild, das Text, ClipArt enthält.&#10;&#10;Automatisch generierte Beschreibung">
-            <a:extLst>
-              <a:ext uri="{FF2B5EF4-FFF2-40B4-BE49-F238E27FC236}">
-                <a16:creationId xmlns:a16="http://schemas.microsoft.com/office/drawing/2014/main" id="{30D5DE45-CEF8-7A9C-A3A1-BE0261830D47}"/>
-              </a:ext>
-            </a:extLst>
-          </p:cNvPr>
-          <p:cNvPicPr>
-            <a:picLocks noChangeAspect="1"/>
-          </p:cNvPicPr>
+            <a:endParaRPr lang="de-DE" sz="1100" b="1" dirty="0">
+              <a:solidFill>
+                <a:schemeClr val="tx1"/>
+              </a:solidFill>
+            </a:endParaRPr>
+          </a:p>
+        </p:txBody>
+      </p:sp>
+      <p:sp>
+        <p:nvSpPr>
+          <p:cNvPr id="94" name="Pfeil: Chevron 93">
+            <a:extLst>
+              <a:ext uri="{FF2B5EF4-FFF2-40B4-BE49-F238E27FC236}">
+                <a16:creationId xmlns:a16="http://schemas.microsoft.com/office/drawing/2014/main" id="{B5CD125B-BB85-28CA-BA1E-AE1DB92833A6}"/>
+              </a:ext>
+            </a:extLst>
+          </p:cNvPr>
+          <p:cNvSpPr/>
           <p:nvPr/>
-        </p:nvPicPr>
-        <p:blipFill>
-          <a:blip r:embed="rId4">
-            <a:extLst>
-              <a:ext uri="{28A0092B-C50C-407E-A947-70E740481C1C}">
-                <a14:useLocalDpi xmlns:a14="http://schemas.microsoft.com/office/drawing/2010/main" val="0"/>
-              </a:ext>
-            </a:extLst>
-          </a:blip>
-          <a:stretch>
-            <a:fillRect/>
-          </a:stretch>
-        </p:blipFill>
+        </p:nvSpPr>
         <p:spPr>
           <a:xfrm>
-            <a:off x="6751725" y="627420"/>
-            <a:ext cx="523137" cy="692150"/>
+            <a:off x="2411431" y="2680552"/>
+            <a:ext cx="1662228" cy="231086"/>
           </a:xfrm>
-          <a:prstGeom prst="rect">
+          <a:prstGeom prst="chevron">
             <a:avLst/>
           </a:prstGeom>
-        </p:spPr>
-      </p:pic>
-      <p:pic>
-        <p:nvPicPr>
-          <p:cNvPr id="31" name="Grafik 30" descr="Datenbank Silhouette">
-            <a:extLst>
-              <a:ext uri="{FF2B5EF4-FFF2-40B4-BE49-F238E27FC236}">
-                <a16:creationId xmlns:a16="http://schemas.microsoft.com/office/drawing/2014/main" id="{EE7A2FC4-1AF4-F87D-9B50-F7871F0D86C4}"/>
-              </a:ext>
-            </a:extLst>
-          </p:cNvPr>
-          <p:cNvPicPr>
-            <a:picLocks noChangeAspect="1"/>
-          </p:cNvPicPr>
-          <p:nvPr/>
-        </p:nvPicPr>
-        <p:blipFill>
-          <a:blip r:embed="rId5">
-            <a:extLst>
-              <a:ext uri="{28A0092B-C50C-407E-A947-70E740481C1C}">
-                <a14:useLocalDpi xmlns:a14="http://schemas.microsoft.com/office/drawing/2010/main" val="0"/>
-              </a:ext>
-              <a:ext uri="{96DAC541-7B7A-43D3-8B79-37D633B846F1}">
-                <asvg:svgBlip xmlns:asvg="http://schemas.microsoft.com/office/drawing/2016/SVG/main" r:embed="rId6"/>
-              </a:ext>
-            </a:extLst>
-          </a:blip>
-          <a:stretch>
-            <a:fillRect/>
-          </a:stretch>
-        </p:blipFill>
-        <p:spPr>
-          <a:xfrm>
-            <a:off x="6751725" y="2057400"/>
-            <a:ext cx="708660" cy="708660"/>
-          </a:xfrm>
-          <a:prstGeom prst="rect">
-            <a:avLst/>
-          </a:prstGeom>
-        </p:spPr>
-      </p:pic>
-      <p:sp>
-        <p:nvSpPr>
-          <p:cNvPr id="32" name="Textfeld 31">
-            <a:extLst>
-              <a:ext uri="{FF2B5EF4-FFF2-40B4-BE49-F238E27FC236}">
-                <a16:creationId xmlns:a16="http://schemas.microsoft.com/office/drawing/2014/main" id="{2C584FDF-B49D-2AF4-E0A4-3A92D7211393}"/>
-              </a:ext>
-            </a:extLst>
-          </p:cNvPr>
-          <p:cNvSpPr txBox="1"/>
-          <p:nvPr/>
-        </p:nvSpPr>
-        <p:spPr>
-          <a:xfrm>
-            <a:off x="5993484" y="2203981"/>
-            <a:ext cx="1019809" cy="415498"/>
-          </a:xfrm>
-          <a:prstGeom prst="rect">
-            <a:avLst/>
-          </a:prstGeom>
-          <a:noFill/>
-        </p:spPr>
-        <p:txBody>
-          <a:bodyPr wrap="square" rtlCol="0">
-            <a:spAutoFit/>
-          </a:bodyPr>
-          <a:lstStyle/>
-          <a:p>
-            <a:pPr algn="ctr"/>
-            <a:r>
-              <a:rPr lang="de-DE" sz="1050" dirty="0"/>
-              <a:t>SQL-Lite</a:t>
-            </a:r>
-          </a:p>
-          <a:p>
-            <a:pPr algn="ctr"/>
-            <a:r>
-              <a:rPr lang="de-DE" sz="1050" dirty="0"/>
-              <a:t>Database</a:t>
-            </a:r>
-          </a:p>
-        </p:txBody>
-      </p:sp>
-      <p:sp>
-        <p:nvSpPr>
-          <p:cNvPr id="33" name="Pfeil: nach rechts 32">
-            <a:extLst>
-              <a:ext uri="{FF2B5EF4-FFF2-40B4-BE49-F238E27FC236}">
-                <a16:creationId xmlns:a16="http://schemas.microsoft.com/office/drawing/2014/main" id="{DD376D1F-8F45-B689-3B1F-960296F6F851}"/>
-              </a:ext>
-            </a:extLst>
-          </p:cNvPr>
-          <p:cNvSpPr/>
-          <p:nvPr/>
-        </p:nvSpPr>
-        <p:spPr>
-          <a:xfrm rot="5400000">
-            <a:off x="6732332" y="1645745"/>
-            <a:ext cx="708658" cy="146737"/>
-          </a:xfrm>
-          <a:prstGeom prst="rightArrow">
-            <a:avLst/>
-          </a:prstGeom>
+          <a:solidFill>
+            <a:schemeClr val="accent4"/>
+          </a:solidFill>
+          <a:ln>
+            <a:noFill/>
+          </a:ln>
         </p:spPr>
         <p:style>
           <a:lnRef idx="2">
@@ -4083,16 +7341,28 @@
           <a:lstStyle/>
           <a:p>
             <a:pPr algn="ctr"/>
-            <a:endParaRPr lang="de-DE"/>
-          </a:p>
-        </p:txBody>
-      </p:sp>
-      <p:sp>
-        <p:nvSpPr>
-          <p:cNvPr id="37" name="Rechteck 36">
-            <a:extLst>
-              <a:ext uri="{FF2B5EF4-FFF2-40B4-BE49-F238E27FC236}">
-                <a16:creationId xmlns:a16="http://schemas.microsoft.com/office/drawing/2014/main" id="{EC57B077-DCBC-FF86-8862-26F53147F7EF}"/>
+            <a:r>
+              <a:rPr lang="de-DE" sz="1050" b="1" dirty="0" err="1">
+                <a:solidFill>
+                  <a:schemeClr val="tx1"/>
+                </a:solidFill>
+              </a:rPr>
+              <a:t>daten_qualitaet.ipynb</a:t>
+            </a:r>
+            <a:endParaRPr lang="de-DE" sz="1050" b="1" dirty="0">
+              <a:solidFill>
+                <a:schemeClr val="tx1"/>
+              </a:solidFill>
+            </a:endParaRPr>
+          </a:p>
+        </p:txBody>
+      </p:sp>
+      <p:sp>
+        <p:nvSpPr>
+          <p:cNvPr id="209" name="Pfeil: Chevron 208">
+            <a:extLst>
+              <a:ext uri="{FF2B5EF4-FFF2-40B4-BE49-F238E27FC236}">
+                <a16:creationId xmlns:a16="http://schemas.microsoft.com/office/drawing/2014/main" id="{A4AACB52-7F2A-AD5A-0BCF-189FEC8736EC}"/>
               </a:ext>
             </a:extLst>
           </p:cNvPr>
@@ -4101,13 +7371,18 @@
         </p:nvSpPr>
         <p:spPr>
           <a:xfrm>
-            <a:off x="6034492" y="3687055"/>
-            <a:ext cx="2194029" cy="511503"/>
+            <a:off x="3997952" y="2684675"/>
+            <a:ext cx="1069348" cy="222363"/>
           </a:xfrm>
-          <a:prstGeom prst="rect">
+          <a:prstGeom prst="chevron">
             <a:avLst/>
           </a:prstGeom>
-          <a:noFill/>
+          <a:solidFill>
+            <a:schemeClr val="accent4"/>
+          </a:solidFill>
+          <a:ln>
+            <a:noFill/>
+          </a:ln>
         </p:spPr>
         <p:style>
           <a:lnRef idx="2">
@@ -4129,55 +7404,24 @@
           <a:bodyPr rtlCol="0" anchor="ctr"/>
           <a:lstStyle/>
           <a:p>
-            <a:pPr marL="285750" indent="-285750">
-              <a:buFont typeface="Arial" panose="020B0604020202020204" pitchFamily="34" charset="0"/>
-              <a:buChar char="•"/>
-            </a:pPr>
+            <a:pPr algn="ctr"/>
             <a:r>
-              <a:rPr lang="de-DE" sz="1050" dirty="0">
+              <a:rPr lang="de-DE" sz="1050" b="1" dirty="0">
                 <a:solidFill>
                   <a:schemeClr val="tx1"/>
                 </a:solidFill>
               </a:rPr>
-              <a:t>Prüfen </a:t>
+              <a:t>unittests.py</a:t>
             </a:r>
           </a:p>
-          <a:p>
-            <a:pPr marL="285750" indent="-285750">
-              <a:buFont typeface="Arial" panose="020B0604020202020204" pitchFamily="34" charset="0"/>
-              <a:buChar char="•"/>
-            </a:pPr>
-            <a:r>
-              <a:rPr lang="de-DE" sz="1050" dirty="0">
-                <a:solidFill>
-                  <a:schemeClr val="tx1"/>
-                </a:solidFill>
-              </a:rPr>
-              <a:t>Pseudonymisieren</a:t>
-            </a:r>
-          </a:p>
-          <a:p>
-            <a:pPr marL="285750" indent="-285750">
-              <a:buFont typeface="Arial" panose="020B0604020202020204" pitchFamily="34" charset="0"/>
-              <a:buChar char="•"/>
-            </a:pPr>
-            <a:r>
-              <a:rPr lang="de-DE" sz="1050" dirty="0">
-                <a:solidFill>
-                  <a:schemeClr val="tx1"/>
-                </a:solidFill>
-              </a:rPr>
-              <a:t>In Sternschema transformieren</a:t>
-            </a:r>
-          </a:p>
-        </p:txBody>
-      </p:sp>
-      <p:sp>
-        <p:nvSpPr>
-          <p:cNvPr id="38" name="Rechteck 37">
-            <a:extLst>
-              <a:ext uri="{FF2B5EF4-FFF2-40B4-BE49-F238E27FC236}">
-                <a16:creationId xmlns:a16="http://schemas.microsoft.com/office/drawing/2014/main" id="{71D59B39-CB51-1896-15A3-0F434E4B61CB}"/>
+        </p:txBody>
+      </p:sp>
+      <p:sp>
+        <p:nvSpPr>
+          <p:cNvPr id="211" name="Pfeil: Chevron 210">
+            <a:extLst>
+              <a:ext uri="{FF2B5EF4-FFF2-40B4-BE49-F238E27FC236}">
+                <a16:creationId xmlns:a16="http://schemas.microsoft.com/office/drawing/2014/main" id="{484D86DC-2AF8-FF32-74A7-8D4290124C3C}"/>
               </a:ext>
             </a:extLst>
           </p:cNvPr>
@@ -4186,12 +7430,20 @@
         </p:nvSpPr>
         <p:spPr>
           <a:xfrm>
-            <a:off x="6034492" y="3463934"/>
-            <a:ext cx="2194029" cy="223121"/>
+            <a:off x="4991100" y="2679841"/>
+            <a:ext cx="2730996" cy="228622"/>
           </a:xfrm>
-          <a:prstGeom prst="rect">
+          <a:prstGeom prst="chevron">
             <a:avLst/>
           </a:prstGeom>
+          <a:solidFill>
+            <a:srgbClr val="A9D18E">
+              <a:alpha val="80000"/>
+            </a:srgbClr>
+          </a:solidFill>
+          <a:ln>
+            <a:noFill/>
+          </a:ln>
         </p:spPr>
         <p:style>
           <a:lnRef idx="2">
@@ -4215,71 +7467,370 @@
           <a:p>
             <a:pPr algn="ctr"/>
             <a:r>
-              <a:rPr lang="de-DE" dirty="0"/>
-              <a:t>Verarbeitung</a:t>
+              <a:rPr lang="de-DE" sz="1050" b="1" dirty="0" err="1">
+                <a:solidFill>
+                  <a:schemeClr val="tx1"/>
+                </a:solidFill>
+              </a:rPr>
+              <a:t>create_data_warehouse.ipynb</a:t>
             </a:r>
-          </a:p>
-        </p:txBody>
-      </p:sp>
-      <p:pic>
-        <p:nvPicPr>
-          <p:cNvPr id="40" name="Grafik 39" descr="Datenbank Silhouette">
-            <a:extLst>
-              <a:ext uri="{FF2B5EF4-FFF2-40B4-BE49-F238E27FC236}">
-                <a16:creationId xmlns:a16="http://schemas.microsoft.com/office/drawing/2014/main" id="{22FC7B4D-6FC0-FE31-9AD6-DDA74E9D5707}"/>
-              </a:ext>
-            </a:extLst>
-          </p:cNvPr>
-          <p:cNvPicPr>
-            <a:picLocks noChangeAspect="1"/>
-          </p:cNvPicPr>
+            <a:endParaRPr lang="de-DE" sz="1050" b="1" dirty="0">
+              <a:solidFill>
+                <a:schemeClr val="tx1"/>
+              </a:solidFill>
+            </a:endParaRPr>
+          </a:p>
+        </p:txBody>
+      </p:sp>
+      <p:grpSp>
+        <p:nvGrpSpPr>
+          <p:cNvPr id="215" name="Gruppieren 214">
+            <a:extLst>
+              <a:ext uri="{FF2B5EF4-FFF2-40B4-BE49-F238E27FC236}">
+                <a16:creationId xmlns:a16="http://schemas.microsoft.com/office/drawing/2014/main" id="{564CA1FF-E9C8-F163-92EE-270ADBE54B41}"/>
+              </a:ext>
+            </a:extLst>
+          </p:cNvPr>
+          <p:cNvGrpSpPr/>
           <p:nvPr/>
-        </p:nvPicPr>
-        <p:blipFill>
-          <a:blip r:embed="rId5">
-            <a:extLst>
-              <a:ext uri="{28A0092B-C50C-407E-A947-70E740481C1C}">
-                <a14:useLocalDpi xmlns:a14="http://schemas.microsoft.com/office/drawing/2010/main" val="0"/>
-              </a:ext>
-              <a:ext uri="{96DAC541-7B7A-43D3-8B79-37D633B846F1}">
-                <asvg:svgBlip xmlns:asvg="http://schemas.microsoft.com/office/drawing/2016/SVG/main" r:embed="rId6"/>
-              </a:ext>
-            </a:extLst>
-          </a:blip>
-          <a:stretch>
-            <a:fillRect/>
-          </a:stretch>
-        </p:blipFill>
+        </p:nvGrpSpPr>
+        <p:grpSpPr>
+          <a:xfrm>
+            <a:off x="10510722" y="2681209"/>
+            <a:ext cx="1526761" cy="229293"/>
+            <a:chOff x="8538274" y="3503413"/>
+            <a:chExt cx="2129343" cy="402264"/>
+          </a:xfrm>
+          <a:solidFill>
+            <a:srgbClr val="648ACE"/>
+          </a:solidFill>
+        </p:grpSpPr>
+        <p:sp>
+          <p:nvSpPr>
+            <p:cNvPr id="92" name="Pfeil: Chevron 91">
+              <a:extLst>
+                <a:ext uri="{FF2B5EF4-FFF2-40B4-BE49-F238E27FC236}">
+                  <a16:creationId xmlns:a16="http://schemas.microsoft.com/office/drawing/2014/main" id="{FD1BB4E5-F3EE-C37E-D64E-92432A3E7734}"/>
+                </a:ext>
+              </a:extLst>
+            </p:cNvPr>
+            <p:cNvSpPr/>
+            <p:nvPr/>
+          </p:nvSpPr>
+          <p:spPr>
+            <a:xfrm>
+              <a:off x="8538274" y="3503413"/>
+              <a:ext cx="1797060" cy="401551"/>
+            </a:xfrm>
+            <a:prstGeom prst="chevron">
+              <a:avLst/>
+            </a:prstGeom>
+            <a:grpFill/>
+            <a:ln>
+              <a:noFill/>
+            </a:ln>
+          </p:spPr>
+          <p:style>
+            <a:lnRef idx="2">
+              <a:schemeClr val="accent1">
+                <a:shade val="50000"/>
+              </a:schemeClr>
+            </a:lnRef>
+            <a:fillRef idx="1">
+              <a:schemeClr val="accent1"/>
+            </a:fillRef>
+            <a:effectRef idx="0">
+              <a:schemeClr val="accent1"/>
+            </a:effectRef>
+            <a:fontRef idx="minor">
+              <a:schemeClr val="lt1"/>
+            </a:fontRef>
+          </p:style>
+          <p:txBody>
+            <a:bodyPr rtlCol="0" anchor="ctr"/>
+            <a:lstStyle/>
+            <a:p>
+              <a:pPr algn="ctr"/>
+              <a:endParaRPr lang="de-DE">
+                <a:solidFill>
+                  <a:schemeClr val="tx1"/>
+                </a:solidFill>
+              </a:endParaRPr>
+            </a:p>
+          </p:txBody>
+        </p:sp>
+        <p:sp>
+          <p:nvSpPr>
+            <p:cNvPr id="212" name="Rechteck 211">
+              <a:extLst>
+                <a:ext uri="{FF2B5EF4-FFF2-40B4-BE49-F238E27FC236}">
+                  <a16:creationId xmlns:a16="http://schemas.microsoft.com/office/drawing/2014/main" id="{979E1AF2-DE9A-6C9F-3232-38220E8ED9C8}"/>
+                </a:ext>
+              </a:extLst>
+            </p:cNvPr>
+            <p:cNvSpPr/>
+            <p:nvPr/>
+          </p:nvSpPr>
+          <p:spPr>
+            <a:xfrm>
+              <a:off x="8982784" y="3503413"/>
+              <a:ext cx="1684833" cy="402264"/>
+            </a:xfrm>
+            <a:prstGeom prst="rect">
+              <a:avLst/>
+            </a:prstGeom>
+            <a:grpFill/>
+            <a:ln>
+              <a:noFill/>
+            </a:ln>
+          </p:spPr>
+          <p:style>
+            <a:lnRef idx="2">
+              <a:schemeClr val="accent1">
+                <a:shade val="50000"/>
+              </a:schemeClr>
+            </a:lnRef>
+            <a:fillRef idx="1">
+              <a:schemeClr val="accent1"/>
+            </a:fillRef>
+            <a:effectRef idx="0">
+              <a:schemeClr val="accent1"/>
+            </a:effectRef>
+            <a:fontRef idx="minor">
+              <a:schemeClr val="lt1"/>
+            </a:fontRef>
+          </p:style>
+          <p:txBody>
+            <a:bodyPr rtlCol="0" anchor="ctr"/>
+            <a:lstStyle/>
+            <a:p>
+              <a:pPr algn="ctr"/>
+              <a:r>
+                <a:rPr lang="de-DE" sz="1100" b="1" dirty="0">
+                  <a:solidFill>
+                    <a:schemeClr val="tx1"/>
+                  </a:solidFill>
+                </a:rPr>
+                <a:t>Video.mp4</a:t>
+              </a:r>
+            </a:p>
+          </p:txBody>
+        </p:sp>
+      </p:grpSp>
+      <p:grpSp>
+        <p:nvGrpSpPr>
+          <p:cNvPr id="218" name="Gruppieren 217">
+            <a:extLst>
+              <a:ext uri="{FF2B5EF4-FFF2-40B4-BE49-F238E27FC236}">
+                <a16:creationId xmlns:a16="http://schemas.microsoft.com/office/drawing/2014/main" id="{053FCD5D-7444-4301-6105-10912821EDC0}"/>
+              </a:ext>
+            </a:extLst>
+          </p:cNvPr>
+          <p:cNvGrpSpPr/>
+          <p:nvPr/>
+        </p:nvGrpSpPr>
+        <p:grpSpPr>
+          <a:xfrm>
+            <a:off x="10784689" y="4760726"/>
+            <a:ext cx="1289086" cy="1182222"/>
+            <a:chOff x="7635839" y="928381"/>
+            <a:chExt cx="1289086" cy="1199683"/>
+          </a:xfrm>
+        </p:grpSpPr>
+        <p:sp>
+          <p:nvSpPr>
+            <p:cNvPr id="144" name="Rechteck 143">
+              <a:extLst>
+                <a:ext uri="{FF2B5EF4-FFF2-40B4-BE49-F238E27FC236}">
+                  <a16:creationId xmlns:a16="http://schemas.microsoft.com/office/drawing/2014/main" id="{0E1531F8-4FD7-3CAE-59A9-CF5E38921ABB}"/>
+                </a:ext>
+              </a:extLst>
+            </p:cNvPr>
+            <p:cNvSpPr/>
+            <p:nvPr/>
+          </p:nvSpPr>
+          <p:spPr>
+            <a:xfrm rot="16200000">
+              <a:off x="7195080" y="1369140"/>
+              <a:ext cx="1199683" cy="318165"/>
+            </a:xfrm>
+            <a:prstGeom prst="rect">
+              <a:avLst/>
+            </a:prstGeom>
+            <a:solidFill>
+              <a:srgbClr val="648ACE"/>
+            </a:solidFill>
+            <a:ln>
+              <a:solidFill>
+                <a:schemeClr val="tx1"/>
+              </a:solidFill>
+            </a:ln>
+          </p:spPr>
+          <p:style>
+            <a:lnRef idx="2">
+              <a:schemeClr val="accent1">
+                <a:shade val="50000"/>
+              </a:schemeClr>
+            </a:lnRef>
+            <a:fillRef idx="1">
+              <a:schemeClr val="accent1"/>
+            </a:fillRef>
+            <a:effectRef idx="0">
+              <a:schemeClr val="accent1"/>
+            </a:effectRef>
+            <a:fontRef idx="minor">
+              <a:schemeClr val="lt1"/>
+            </a:fontRef>
+          </p:style>
+          <p:txBody>
+            <a:bodyPr rtlCol="0" anchor="ctr"/>
+            <a:lstStyle/>
+            <a:p>
+              <a:pPr algn="ctr"/>
+              <a:r>
+                <a:rPr lang="de-DE" sz="1000" b="1" dirty="0">
+                  <a:solidFill>
+                    <a:schemeClr val="tx1"/>
+                  </a:solidFill>
+                </a:rPr>
+                <a:t>Präsentation der Ergebnisse</a:t>
+              </a:r>
+              <a:endParaRPr lang="de-DE" b="1" dirty="0">
+                <a:solidFill>
+                  <a:schemeClr val="tx1"/>
+                </a:solidFill>
+              </a:endParaRPr>
+            </a:p>
+          </p:txBody>
+        </p:sp>
+        <p:sp>
+          <p:nvSpPr>
+            <p:cNvPr id="217" name="Rechteck 216">
+              <a:extLst>
+                <a:ext uri="{FF2B5EF4-FFF2-40B4-BE49-F238E27FC236}">
+                  <a16:creationId xmlns:a16="http://schemas.microsoft.com/office/drawing/2014/main" id="{0199BDA3-8582-B7BD-83B3-3BBA9E4E7C5B}"/>
+                </a:ext>
+              </a:extLst>
+            </p:cNvPr>
+            <p:cNvSpPr/>
+            <p:nvPr/>
+          </p:nvSpPr>
+          <p:spPr>
+            <a:xfrm>
+              <a:off x="7955793" y="930885"/>
+              <a:ext cx="969132" cy="1197179"/>
+            </a:xfrm>
+            <a:prstGeom prst="rect">
+              <a:avLst/>
+            </a:prstGeom>
+            <a:solidFill>
+              <a:schemeClr val="bg1"/>
+            </a:solidFill>
+            <a:ln>
+              <a:solidFill>
+                <a:schemeClr val="tx1"/>
+              </a:solidFill>
+            </a:ln>
+          </p:spPr>
+          <p:style>
+            <a:lnRef idx="2">
+              <a:schemeClr val="accent1">
+                <a:shade val="50000"/>
+              </a:schemeClr>
+            </a:lnRef>
+            <a:fillRef idx="1">
+              <a:schemeClr val="accent1"/>
+            </a:fillRef>
+            <a:effectRef idx="0">
+              <a:schemeClr val="accent1"/>
+            </a:effectRef>
+            <a:fontRef idx="minor">
+              <a:schemeClr val="lt1"/>
+            </a:fontRef>
+          </p:style>
+          <p:txBody>
+            <a:bodyPr rtlCol="0" anchor="ctr"/>
+            <a:lstStyle/>
+            <a:p>
+              <a:pPr algn="ctr"/>
+              <a:endParaRPr lang="de-DE" b="1" dirty="0">
+                <a:solidFill>
+                  <a:schemeClr val="tx1"/>
+                </a:solidFill>
+              </a:endParaRPr>
+            </a:p>
+          </p:txBody>
+        </p:sp>
+        <p:pic>
+          <p:nvPicPr>
+            <p:cNvPr id="132" name="Grafik 131" descr="Klassenzimmer Silhouette">
+              <a:extLst>
+                <a:ext uri="{FF2B5EF4-FFF2-40B4-BE49-F238E27FC236}">
+                  <a16:creationId xmlns:a16="http://schemas.microsoft.com/office/drawing/2014/main" id="{CE8503EB-9969-E8D3-78A2-76F7794CB876}"/>
+                </a:ext>
+              </a:extLst>
+            </p:cNvPr>
+            <p:cNvPicPr>
+              <a:picLocks noChangeAspect="1"/>
+            </p:cNvPicPr>
+            <p:nvPr/>
+          </p:nvPicPr>
+          <p:blipFill>
+            <a:blip r:embed="rId18">
+              <a:extLst>
+                <a:ext uri="{28A0092B-C50C-407E-A947-70E740481C1C}">
+                  <a14:useLocalDpi xmlns:a14="http://schemas.microsoft.com/office/drawing/2010/main" val="0"/>
+                </a:ext>
+                <a:ext uri="{96DAC541-7B7A-43D3-8B79-37D633B846F1}">
+                  <asvg:svgBlip xmlns:asvg="http://schemas.microsoft.com/office/drawing/2016/SVG/main" r:embed="rId19"/>
+                </a:ext>
+              </a:extLst>
+            </a:blip>
+            <a:stretch>
+              <a:fillRect/>
+            </a:stretch>
+          </p:blipFill>
+          <p:spPr>
+            <a:xfrm>
+              <a:off x="7977674" y="1095193"/>
+              <a:ext cx="914400" cy="914400"/>
+            </a:xfrm>
+            <a:prstGeom prst="rect">
+              <a:avLst/>
+            </a:prstGeom>
+          </p:spPr>
+        </p:pic>
+      </p:grpSp>
+      <p:sp>
+        <p:nvSpPr>
+          <p:cNvPr id="220" name="Pfeil: Fünfeck 219">
+            <a:extLst>
+              <a:ext uri="{FF2B5EF4-FFF2-40B4-BE49-F238E27FC236}">
+                <a16:creationId xmlns:a16="http://schemas.microsoft.com/office/drawing/2014/main" id="{DF18F521-8897-28FB-4CDF-E8D032F1E17D}"/>
+              </a:ext>
+            </a:extLst>
+          </p:cNvPr>
+          <p:cNvSpPr/>
+          <p:nvPr/>
+        </p:nvSpPr>
         <p:spPr>
           <a:xfrm>
-            <a:off x="9292780" y="3458676"/>
-            <a:ext cx="708660" cy="708660"/>
+            <a:off x="405589" y="233111"/>
+            <a:ext cx="2386714" cy="1951683"/>
           </a:xfrm>
-          <a:prstGeom prst="rect">
-            <a:avLst/>
+          <a:prstGeom prst="homePlate">
+            <a:avLst>
+              <a:gd name="adj" fmla="val 32919"/>
+            </a:avLst>
           </a:prstGeom>
-        </p:spPr>
-      </p:pic>
-      <p:sp>
-        <p:nvSpPr>
-          <p:cNvPr id="41" name="Pfeil: nach rechts 40">
-            <a:extLst>
-              <a:ext uri="{FF2B5EF4-FFF2-40B4-BE49-F238E27FC236}">
-                <a16:creationId xmlns:a16="http://schemas.microsoft.com/office/drawing/2014/main" id="{2CC30DEB-81B6-E7F8-DA03-B41A221BC2CD}"/>
-              </a:ext>
-            </a:extLst>
-          </p:cNvPr>
-          <p:cNvSpPr/>
-          <p:nvPr/>
-        </p:nvSpPr>
-        <p:spPr>
-          <a:xfrm>
-            <a:off x="8228521" y="3759031"/>
-            <a:ext cx="1064259" cy="107950"/>
-          </a:xfrm>
-          <a:prstGeom prst="rightArrow">
-            <a:avLst/>
-          </a:prstGeom>
+          <a:solidFill>
+            <a:srgbClr val="FBE5D6"/>
+          </a:solidFill>
+          <a:ln>
+            <a:solidFill>
+              <a:schemeClr val="tx1"/>
+            </a:solidFill>
+          </a:ln>
         </p:spPr>
         <p:style>
           <a:lnRef idx="2">
@@ -4301,67 +7852,91 @@
           <a:bodyPr rtlCol="0" anchor="ctr"/>
           <a:lstStyle/>
           <a:p>
-            <a:pPr algn="ctr"/>
-            <a:endParaRPr lang="de-DE"/>
-          </a:p>
-        </p:txBody>
-      </p:sp>
-      <p:sp>
-        <p:nvSpPr>
-          <p:cNvPr id="42" name="Textfeld 41">
-            <a:extLst>
-              <a:ext uri="{FF2B5EF4-FFF2-40B4-BE49-F238E27FC236}">
-                <a16:creationId xmlns:a16="http://schemas.microsoft.com/office/drawing/2014/main" id="{C366B232-E81B-76B7-E980-F558EB26A302}"/>
-              </a:ext>
-            </a:extLst>
-          </p:cNvPr>
-          <p:cNvSpPr txBox="1"/>
+            <a:pPr>
+              <a:lnSpc>
+                <a:spcPct val="150000"/>
+              </a:lnSpc>
+            </a:pPr>
+            <a:r>
+              <a:rPr lang="de-DE" sz="1100" b="1" dirty="0">
+                <a:solidFill>
+                  <a:schemeClr val="tx1"/>
+                </a:solidFill>
+              </a:rPr>
+              <a:t>Große Datenexploration</a:t>
+            </a:r>
+          </a:p>
+          <a:p>
+            <a:pPr>
+              <a:lnSpc>
+                <a:spcPct val="150000"/>
+              </a:lnSpc>
+            </a:pPr>
+            <a:r>
+              <a:rPr lang="de-DE" sz="1100" b="1" dirty="0">
+                <a:solidFill>
+                  <a:schemeClr val="tx1"/>
+                </a:solidFill>
+              </a:rPr>
+              <a:t>Entwickeln der Forschungsfrage</a:t>
+            </a:r>
+          </a:p>
+          <a:p>
+            <a:pPr>
+              <a:lnSpc>
+                <a:spcPct val="150000"/>
+              </a:lnSpc>
+            </a:pPr>
+            <a:r>
+              <a:rPr lang="de-DE" sz="1100" b="1" dirty="0">
+                <a:solidFill>
+                  <a:schemeClr val="tx1"/>
+                </a:solidFill>
+              </a:rPr>
+              <a:t>Design einer Quelldatenbank </a:t>
+            </a:r>
+          </a:p>
+          <a:p>
+            <a:endParaRPr lang="de-DE" sz="1100" b="1" dirty="0">
+              <a:solidFill>
+                <a:schemeClr val="tx1"/>
+              </a:solidFill>
+            </a:endParaRPr>
+          </a:p>
+        </p:txBody>
+      </p:sp>
+      <p:sp>
+        <p:nvSpPr>
+          <p:cNvPr id="222" name="Pfeil: Fünfeck 221">
+            <a:extLst>
+              <a:ext uri="{FF2B5EF4-FFF2-40B4-BE49-F238E27FC236}">
+                <a16:creationId xmlns:a16="http://schemas.microsoft.com/office/drawing/2014/main" id="{88318D76-A829-B1E5-B40B-BAFAA2C09505}"/>
+              </a:ext>
+            </a:extLst>
+          </p:cNvPr>
+          <p:cNvSpPr/>
           <p:nvPr/>
         </p:nvSpPr>
         <p:spPr>
           <a:xfrm>
-            <a:off x="8272971" y="3521729"/>
-            <a:ext cx="1019809" cy="261610"/>
+            <a:off x="350071" y="2394879"/>
+            <a:ext cx="10229340" cy="228621"/>
           </a:xfrm>
-          <a:prstGeom prst="rect">
+          <a:prstGeom prst="homePlate">
             <a:avLst/>
           </a:prstGeom>
-          <a:noFill/>
-        </p:spPr>
-        <p:txBody>
-          <a:bodyPr wrap="square" rtlCol="0">
-            <a:spAutoFit/>
-          </a:bodyPr>
-          <a:lstStyle/>
-          <a:p>
-            <a:pPr algn="ctr"/>
-            <a:r>
-              <a:rPr lang="de-DE" sz="1050" dirty="0"/>
-              <a:t>Export</a:t>
-            </a:r>
-          </a:p>
-        </p:txBody>
-      </p:sp>
-      <p:sp>
-        <p:nvSpPr>
-          <p:cNvPr id="43" name="Pfeil: nach rechts 42">
-            <a:extLst>
-              <a:ext uri="{FF2B5EF4-FFF2-40B4-BE49-F238E27FC236}">
-                <a16:creationId xmlns:a16="http://schemas.microsoft.com/office/drawing/2014/main" id="{99394D42-F275-5E66-A4CC-5E21EEEA9351}"/>
-              </a:ext>
-            </a:extLst>
-          </p:cNvPr>
-          <p:cNvSpPr/>
-          <p:nvPr/>
-        </p:nvSpPr>
-        <p:spPr>
-          <a:xfrm rot="5400000">
-            <a:off x="6730555" y="4514209"/>
-            <a:ext cx="708658" cy="146737"/>
-          </a:xfrm>
-          <a:prstGeom prst="rightArrow">
-            <a:avLst/>
-          </a:prstGeom>
+          <a:solidFill>
+            <a:srgbClr val="7030A0">
+              <a:alpha val="20000"/>
+            </a:srgbClr>
+          </a:solidFill>
+          <a:ln>
+            <a:solidFill>
+              <a:srgbClr val="7030A0">
+                <a:alpha val="20000"/>
+              </a:srgbClr>
+            </a:solidFill>
+          </a:ln>
         </p:spPr>
         <p:style>
           <a:lnRef idx="2">
@@ -4384,16 +7959,28 @@
           <a:lstStyle/>
           <a:p>
             <a:pPr algn="ctr"/>
-            <a:endParaRPr lang="de-DE"/>
-          </a:p>
-        </p:txBody>
-      </p:sp>
-      <p:sp>
-        <p:nvSpPr>
-          <p:cNvPr id="44" name="Pfeil: nach rechts 43">
-            <a:extLst>
-              <a:ext uri="{FF2B5EF4-FFF2-40B4-BE49-F238E27FC236}">
-                <a16:creationId xmlns:a16="http://schemas.microsoft.com/office/drawing/2014/main" id="{2F6A7179-F592-088D-A7E9-7051BA39BB82}"/>
+            <a:r>
+              <a:rPr lang="de-DE" sz="1100" b="1" dirty="0" err="1">
+                <a:solidFill>
+                  <a:schemeClr val="tx1"/>
+                </a:solidFill>
+              </a:rPr>
+              <a:t>Logging</a:t>
+            </a:r>
+            <a:endParaRPr lang="de-DE" sz="1100" b="1" dirty="0">
+              <a:solidFill>
+                <a:schemeClr val="tx1"/>
+              </a:solidFill>
+            </a:endParaRPr>
+          </a:p>
+        </p:txBody>
+      </p:sp>
+      <p:sp>
+        <p:nvSpPr>
+          <p:cNvPr id="224" name="Flussdiagramm: Magnetplattenspeicher 223">
+            <a:extLst>
+              <a:ext uri="{FF2B5EF4-FFF2-40B4-BE49-F238E27FC236}">
+                <a16:creationId xmlns:a16="http://schemas.microsoft.com/office/drawing/2014/main" id="{1DF28C84-9338-9420-BCE8-ECCD0C41CC52}"/>
               </a:ext>
             </a:extLst>
           </p:cNvPr>
@@ -4401,13 +7988,19 @@
           <p:nvPr/>
         </p:nvSpPr>
         <p:spPr>
-          <a:xfrm rot="5400000">
-            <a:off x="6751724" y="3030979"/>
-            <a:ext cx="708658" cy="146737"/>
+          <a:xfrm>
+            <a:off x="8619962" y="3504920"/>
+            <a:ext cx="981075" cy="885825"/>
           </a:xfrm>
-          <a:prstGeom prst="rightArrow">
+          <a:prstGeom prst="flowChartMagneticDisk">
             <a:avLst/>
           </a:prstGeom>
+          <a:noFill/>
+          <a:ln>
+            <a:solidFill>
+              <a:schemeClr val="tx1"/>
+            </a:solidFill>
+          </a:ln>
         </p:spPr>
         <p:style>
           <a:lnRef idx="2">
@@ -4430,67 +8023,61 @@
           <a:lstStyle/>
           <a:p>
             <a:pPr algn="ctr"/>
-            <a:endParaRPr lang="de-DE"/>
-          </a:p>
-        </p:txBody>
-      </p:sp>
-      <p:sp>
-        <p:nvSpPr>
-          <p:cNvPr id="45" name="Textfeld 44">
-            <a:extLst>
-              <a:ext uri="{FF2B5EF4-FFF2-40B4-BE49-F238E27FC236}">
-                <a16:creationId xmlns:a16="http://schemas.microsoft.com/office/drawing/2014/main" id="{728B014A-ED7E-D8E2-F652-D6ECF705ED98}"/>
-              </a:ext>
-            </a:extLst>
-          </p:cNvPr>
-          <p:cNvSpPr txBox="1"/>
+            <a:r>
+              <a:rPr lang="de-DE" sz="1200" b="1" dirty="0">
+                <a:solidFill>
+                  <a:schemeClr val="tx1"/>
+                </a:solidFill>
+              </a:rPr>
+              <a:t>SQL</a:t>
+            </a:r>
+          </a:p>
+          <a:p>
+            <a:pPr algn="ctr"/>
+            <a:r>
+              <a:rPr lang="de-DE" sz="1200" b="1" dirty="0">
+                <a:solidFill>
+                  <a:schemeClr val="tx1"/>
+                </a:solidFill>
+              </a:rPr>
+              <a:t>Datenbank</a:t>
+            </a:r>
+            <a:endParaRPr lang="de-DE" b="1" dirty="0">
+              <a:solidFill>
+                <a:schemeClr val="tx1"/>
+              </a:solidFill>
+            </a:endParaRPr>
+          </a:p>
+        </p:txBody>
+      </p:sp>
+      <p:sp>
+        <p:nvSpPr>
+          <p:cNvPr id="226" name="Rechteck 225">
+            <a:extLst>
+              <a:ext uri="{FF2B5EF4-FFF2-40B4-BE49-F238E27FC236}">
+                <a16:creationId xmlns:a16="http://schemas.microsoft.com/office/drawing/2014/main" id="{3C9A3B02-B6E2-85C2-F2EA-D0DB1229A46F}"/>
+              </a:ext>
+            </a:extLst>
+          </p:cNvPr>
+          <p:cNvSpPr/>
           <p:nvPr/>
         </p:nvSpPr>
         <p:spPr>
           <a:xfrm>
-            <a:off x="9073928" y="3214145"/>
-            <a:ext cx="1146364" cy="253916"/>
+            <a:off x="8538957" y="3113380"/>
+            <a:ext cx="1199683" cy="318165"/>
           </a:xfrm>
           <a:prstGeom prst="rect">
             <a:avLst/>
           </a:prstGeom>
-          <a:noFill/>
-        </p:spPr>
-        <p:txBody>
-          <a:bodyPr wrap="square" rtlCol="0">
-            <a:spAutoFit/>
-          </a:bodyPr>
-          <a:lstStyle/>
-          <a:p>
-            <a:pPr algn="ctr"/>
-            <a:r>
-              <a:rPr lang="de-DE" sz="1050" dirty="0"/>
-              <a:t>Data Warehouse</a:t>
-            </a:r>
-          </a:p>
-        </p:txBody>
-      </p:sp>
-      <p:sp>
-        <p:nvSpPr>
-          <p:cNvPr id="46" name="Rechteck 45">
-            <a:extLst>
-              <a:ext uri="{FF2B5EF4-FFF2-40B4-BE49-F238E27FC236}">
-                <a16:creationId xmlns:a16="http://schemas.microsoft.com/office/drawing/2014/main" id="{5B8D8CA9-B055-4E5F-4A94-F65FE2B9202E}"/>
-              </a:ext>
-            </a:extLst>
-          </p:cNvPr>
-          <p:cNvSpPr/>
-          <p:nvPr/>
-        </p:nvSpPr>
-        <p:spPr>
-          <a:xfrm>
-            <a:off x="6205226" y="5199720"/>
-            <a:ext cx="1801656" cy="743348"/>
-          </a:xfrm>
-          <a:prstGeom prst="rect">
-            <a:avLst/>
-          </a:prstGeom>
-          <a:noFill/>
+          <a:solidFill>
+            <a:schemeClr val="bg1"/>
+          </a:solidFill>
+          <a:ln>
+            <a:solidFill>
+              <a:schemeClr val="tx1"/>
+            </a:solidFill>
+          </a:ln>
         </p:spPr>
         <p:style>
           <a:lnRef idx="2">
@@ -4513,16 +8100,23 @@
           <a:lstStyle/>
           <a:p>
             <a:pPr algn="ctr"/>
-            <a:endParaRPr lang="de-DE"/>
-          </a:p>
-        </p:txBody>
-      </p:sp>
-      <p:sp>
-        <p:nvSpPr>
-          <p:cNvPr id="47" name="Rechteck 46">
-            <a:extLst>
-              <a:ext uri="{FF2B5EF4-FFF2-40B4-BE49-F238E27FC236}">
-                <a16:creationId xmlns:a16="http://schemas.microsoft.com/office/drawing/2014/main" id="{6FC97E84-9983-737D-BB58-3999426B2162}"/>
+            <a:r>
+              <a:rPr lang="de-DE" sz="1000" b="1" dirty="0">
+                <a:solidFill>
+                  <a:schemeClr val="tx1"/>
+                </a:solidFill>
+              </a:rPr>
+              <a:t>Externer Speicher</a:t>
+            </a:r>
+          </a:p>
+        </p:txBody>
+      </p:sp>
+      <p:sp>
+        <p:nvSpPr>
+          <p:cNvPr id="227" name="Pfeil: nach rechts 226">
+            <a:extLst>
+              <a:ext uri="{FF2B5EF4-FFF2-40B4-BE49-F238E27FC236}">
+                <a16:creationId xmlns:a16="http://schemas.microsoft.com/office/drawing/2014/main" id="{4494B340-F3F7-A32B-9503-000EF9572919}"/>
               </a:ext>
             </a:extLst>
           </p:cNvPr>
@@ -4531,12 +8125,76 @@
         </p:nvSpPr>
         <p:spPr>
           <a:xfrm>
-            <a:off x="6205226" y="4976597"/>
-            <a:ext cx="1801656" cy="223123"/>
+            <a:off x="7416372" y="3827567"/>
+            <a:ext cx="1122585" cy="212653"/>
           </a:xfrm>
-          <a:prstGeom prst="rect">
+          <a:prstGeom prst="rightArrow">
             <a:avLst/>
           </a:prstGeom>
+          <a:solidFill>
+            <a:srgbClr val="000000"/>
+          </a:solidFill>
+          <a:ln>
+            <a:solidFill>
+              <a:schemeClr val="tx1"/>
+            </a:solidFill>
+          </a:ln>
+        </p:spPr>
+        <p:style>
+          <a:lnRef idx="2">
+            <a:schemeClr val="accent4">
+              <a:shade val="50000"/>
+            </a:schemeClr>
+          </a:lnRef>
+          <a:fillRef idx="1">
+            <a:schemeClr val="accent4"/>
+          </a:fillRef>
+          <a:effectRef idx="0">
+            <a:schemeClr val="accent4"/>
+          </a:effectRef>
+          <a:fontRef idx="minor">
+            <a:schemeClr val="lt1"/>
+          </a:fontRef>
+        </p:style>
+        <p:txBody>
+          <a:bodyPr rtlCol="0" anchor="ctr"/>
+          <a:lstStyle/>
+          <a:p>
+            <a:pPr algn="ctr"/>
+            <a:endParaRPr lang="de-DE" dirty="0"/>
+          </a:p>
+        </p:txBody>
+      </p:sp>
+      <p:sp>
+        <p:nvSpPr>
+          <p:cNvPr id="228" name="Pfeil: Chevron 227">
+            <a:extLst>
+              <a:ext uri="{FF2B5EF4-FFF2-40B4-BE49-F238E27FC236}">
+                <a16:creationId xmlns:a16="http://schemas.microsoft.com/office/drawing/2014/main" id="{4A632603-F7C8-28F1-DCB5-16A587A833C8}"/>
+              </a:ext>
+            </a:extLst>
+          </p:cNvPr>
+          <p:cNvSpPr/>
+          <p:nvPr/>
+        </p:nvSpPr>
+        <p:spPr>
+          <a:xfrm>
+            <a:off x="2781289" y="201035"/>
+            <a:ext cx="2137836" cy="677584"/>
+          </a:xfrm>
+          <a:prstGeom prst="chevron">
+            <a:avLst>
+              <a:gd name="adj" fmla="val 30543"/>
+            </a:avLst>
+          </a:prstGeom>
+          <a:solidFill>
+            <a:srgbClr val="FBE5D6"/>
+          </a:solidFill>
+          <a:ln>
+            <a:solidFill>
+              <a:schemeClr val="tx1"/>
+            </a:solidFill>
+          </a:ln>
         </p:spPr>
         <p:style>
           <a:lnRef idx="2">
@@ -4558,151 +8216,54 @@
           <a:bodyPr rtlCol="0" anchor="ctr"/>
           <a:lstStyle/>
           <a:p>
-            <a:pPr algn="ctr"/>
             <a:r>
-              <a:rPr lang="de-DE" dirty="0"/>
-              <a:t>Auswertung</a:t>
+              <a:rPr lang="de-DE" sz="1050" dirty="0">
+                <a:solidFill>
+                  <a:schemeClr val="tx1"/>
+                </a:solidFill>
+              </a:rPr>
+              <a:t>Datenqualität 1.</a:t>
             </a:r>
           </a:p>
-        </p:txBody>
-      </p:sp>
-      <p:pic>
-        <p:nvPicPr>
-          <p:cNvPr id="50" name="Grafik 49" descr="Balkendiagramm mit einfarbiger Füllung">
-            <a:extLst>
-              <a:ext uri="{FF2B5EF4-FFF2-40B4-BE49-F238E27FC236}">
-                <a16:creationId xmlns:a16="http://schemas.microsoft.com/office/drawing/2014/main" id="{64EB6074-BEE9-1A4A-C4C7-5104DA9FDF1F}"/>
-              </a:ext>
-            </a:extLst>
-          </p:cNvPr>
-          <p:cNvPicPr>
-            <a:picLocks noChangeAspect="1"/>
-          </p:cNvPicPr>
+          <a:p>
+            <a:endParaRPr lang="de-DE" sz="1050" dirty="0">
+              <a:solidFill>
+                <a:schemeClr val="tx1"/>
+              </a:solidFill>
+            </a:endParaRPr>
+          </a:p>
+        </p:txBody>
+      </p:sp>
+      <p:sp>
+        <p:nvSpPr>
+          <p:cNvPr id="229" name="Pfeil: Chevron 228">
+            <a:extLst>
+              <a:ext uri="{FF2B5EF4-FFF2-40B4-BE49-F238E27FC236}">
+                <a16:creationId xmlns:a16="http://schemas.microsoft.com/office/drawing/2014/main" id="{0D2BC29A-91FD-37FC-DC60-67A3284944D2}"/>
+              </a:ext>
+            </a:extLst>
+          </p:cNvPr>
+          <p:cNvSpPr/>
           <p:nvPr/>
-        </p:nvPicPr>
-        <p:blipFill>
-          <a:blip r:embed="rId7">
-            <a:extLst>
-              <a:ext uri="{28A0092B-C50C-407E-A947-70E740481C1C}">
-                <a14:useLocalDpi xmlns:a14="http://schemas.microsoft.com/office/drawing/2010/main" val="0"/>
-              </a:ext>
-              <a:ext uri="{96DAC541-7B7A-43D3-8B79-37D633B846F1}">
-                <asvg:svgBlip xmlns:asvg="http://schemas.microsoft.com/office/drawing/2016/SVG/main" r:embed="rId8"/>
-              </a:ext>
-            </a:extLst>
-          </a:blip>
-          <a:stretch>
-            <a:fillRect/>
-          </a:stretch>
-        </p:blipFill>
+        </p:nvSpPr>
         <p:spPr>
           <a:xfrm>
-            <a:off x="6272400" y="5325465"/>
-            <a:ext cx="504825" cy="504825"/>
+            <a:off x="2811785" y="942359"/>
+            <a:ext cx="2137836" cy="677584"/>
           </a:xfrm>
-          <a:prstGeom prst="rect">
-            <a:avLst/>
+          <a:prstGeom prst="chevron">
+            <a:avLst>
+              <a:gd name="adj" fmla="val 30543"/>
+            </a:avLst>
           </a:prstGeom>
-        </p:spPr>
-      </p:pic>
-      <p:pic>
-        <p:nvPicPr>
-          <p:cNvPr id="54" name="Grafik 53" descr="Dokument Silhouette">
-            <a:extLst>
-              <a:ext uri="{FF2B5EF4-FFF2-40B4-BE49-F238E27FC236}">
-                <a16:creationId xmlns:a16="http://schemas.microsoft.com/office/drawing/2014/main" id="{80CBDDCD-9CDD-EB20-DAB5-D4BA4E0E58D5}"/>
-              </a:ext>
-            </a:extLst>
-          </p:cNvPr>
-          <p:cNvPicPr>
-            <a:picLocks noChangeAspect="1"/>
-          </p:cNvPicPr>
-          <p:nvPr/>
-        </p:nvPicPr>
-        <p:blipFill>
-          <a:blip r:embed="rId9">
-            <a:extLst>
-              <a:ext uri="{28A0092B-C50C-407E-A947-70E740481C1C}">
-                <a14:useLocalDpi xmlns:a14="http://schemas.microsoft.com/office/drawing/2010/main" val="0"/>
-              </a:ext>
-              <a:ext uri="{96DAC541-7B7A-43D3-8B79-37D633B846F1}">
-                <asvg:svgBlip xmlns:asvg="http://schemas.microsoft.com/office/drawing/2016/SVG/main" r:embed="rId10"/>
-              </a:ext>
-            </a:extLst>
-          </a:blip>
-          <a:stretch>
-            <a:fillRect/>
-          </a:stretch>
-        </p:blipFill>
-        <p:spPr>
-          <a:xfrm>
-            <a:off x="7355488" y="5325465"/>
-            <a:ext cx="472726" cy="472726"/>
-          </a:xfrm>
-          <a:prstGeom prst="rect">
-            <a:avLst/>
-          </a:prstGeom>
-        </p:spPr>
-      </p:pic>
-      <p:pic>
-        <p:nvPicPr>
-          <p:cNvPr id="56" name="Grafik 55" descr="Sitzungssaal mit einfarbiger Füllung">
-            <a:extLst>
-              <a:ext uri="{FF2B5EF4-FFF2-40B4-BE49-F238E27FC236}">
-                <a16:creationId xmlns:a16="http://schemas.microsoft.com/office/drawing/2014/main" id="{E409AA7B-4AAD-0ABF-FB88-214A5A7A36A0}"/>
-              </a:ext>
-            </a:extLst>
-          </p:cNvPr>
-          <p:cNvPicPr>
-            <a:picLocks noChangeAspect="1"/>
-          </p:cNvPicPr>
-          <p:nvPr/>
-        </p:nvPicPr>
-        <p:blipFill>
-          <a:blip r:embed="rId11">
-            <a:extLst>
-              <a:ext uri="{28A0092B-C50C-407E-A947-70E740481C1C}">
-                <a14:useLocalDpi xmlns:a14="http://schemas.microsoft.com/office/drawing/2010/main" val="0"/>
-              </a:ext>
-              <a:ext uri="{96DAC541-7B7A-43D3-8B79-37D633B846F1}">
-                <asvg:svgBlip xmlns:asvg="http://schemas.microsoft.com/office/drawing/2016/SVG/main" r:embed="rId12"/>
-              </a:ext>
-            </a:extLst>
-          </a:blip>
-          <a:stretch>
-            <a:fillRect/>
-          </a:stretch>
-        </p:blipFill>
-        <p:spPr>
-          <a:xfrm>
-            <a:off x="6767003" y="5290689"/>
-            <a:ext cx="566608" cy="566608"/>
-          </a:xfrm>
-          <a:prstGeom prst="rect">
-            <a:avLst/>
-          </a:prstGeom>
-        </p:spPr>
-      </p:pic>
-      <p:sp>
-        <p:nvSpPr>
-          <p:cNvPr id="57" name="Pfeil: nach rechts 56">
-            <a:extLst>
-              <a:ext uri="{FF2B5EF4-FFF2-40B4-BE49-F238E27FC236}">
-                <a16:creationId xmlns:a16="http://schemas.microsoft.com/office/drawing/2014/main" id="{A94E0B76-D2C1-9C5A-811E-9439638DCFEC}"/>
-              </a:ext>
-            </a:extLst>
-          </p:cNvPr>
-          <p:cNvSpPr/>
-          <p:nvPr/>
-        </p:nvSpPr>
-        <p:spPr>
-          <a:xfrm rot="5400000">
-            <a:off x="9379914" y="4326059"/>
-            <a:ext cx="566450" cy="146738"/>
-          </a:xfrm>
-          <a:prstGeom prst="rightArrow">
-            <a:avLst/>
-          </a:prstGeom>
+          <a:solidFill>
+            <a:srgbClr val="FBE5D6"/>
+          </a:solidFill>
+          <a:ln>
+            <a:solidFill>
+              <a:schemeClr val="tx1"/>
+            </a:solidFill>
+          </a:ln>
         </p:spPr>
         <p:style>
           <a:lnRef idx="2">
@@ -4724,17 +8285,60 @@
           <a:bodyPr rtlCol="0" anchor="ctr"/>
           <a:lstStyle/>
           <a:p>
-            <a:pPr algn="ctr"/>
-            <a:endParaRPr lang="de-DE"/>
-          </a:p>
-        </p:txBody>
-      </p:sp>
+            <a:r>
+              <a:rPr lang="de-DE" sz="1050" dirty="0">
+                <a:solidFill>
+                  <a:schemeClr val="tx1"/>
+                </a:solidFill>
+              </a:rPr>
+              <a:t>Datenqualität 2.</a:t>
+            </a:r>
+          </a:p>
+          <a:p>
+            <a:endParaRPr lang="de-DE" sz="1050" dirty="0">
+              <a:solidFill>
+                <a:schemeClr val="tx1"/>
+              </a:solidFill>
+            </a:endParaRPr>
+          </a:p>
+        </p:txBody>
+      </p:sp>
+    </p:spTree>
+    <p:extLst>
+      <p:ext uri="{BB962C8B-B14F-4D97-AF65-F5344CB8AC3E}">
+        <p14:creationId xmlns:p14="http://schemas.microsoft.com/office/powerpoint/2010/main" val="2470490278"/>
+      </p:ext>
+    </p:extLst>
+  </p:cSld>
+  <p:clrMapOvr>
+    <a:masterClrMapping/>
+  </p:clrMapOvr>
+</p:sld>
+</file>
+
+<file path=ppt/slides/slide2.xml><?xml version="1.0" encoding="utf-8"?>
+<p:sld xmlns:a="http://schemas.openxmlformats.org/drawingml/2006/main" xmlns:r="http://schemas.openxmlformats.org/officeDocument/2006/relationships" xmlns:p="http://schemas.openxmlformats.org/presentationml/2006/main">
+  <p:cSld>
+    <p:spTree>
+      <p:nvGrpSpPr>
+        <p:cNvPr id="1" name=""/>
+        <p:cNvGrpSpPr/>
+        <p:nvPr/>
+      </p:nvGrpSpPr>
+      <p:grpSpPr>
+        <a:xfrm>
+          <a:off x="0" y="0"/>
+          <a:ext cx="0" cy="0"/>
+          <a:chOff x="0" y="0"/>
+          <a:chExt cx="0" cy="0"/>
+        </a:xfrm>
+      </p:grpSpPr>
       <p:pic>
         <p:nvPicPr>
-          <p:cNvPr id="58" name="Grafik 57" descr="Datenbank Silhouette">
-            <a:extLst>
-              <a:ext uri="{FF2B5EF4-FFF2-40B4-BE49-F238E27FC236}">
-                <a16:creationId xmlns:a16="http://schemas.microsoft.com/office/drawing/2014/main" id="{3DE3C2FF-1ED2-9E37-0E33-D568E89CA2C4}"/>
+          <p:cNvPr id="4" name="Grafik 3">
+            <a:extLst>
+              <a:ext uri="{FF2B5EF4-FFF2-40B4-BE49-F238E27FC236}">
+                <a16:creationId xmlns:a16="http://schemas.microsoft.com/office/drawing/2014/main" id="{30B7E439-6E9B-570F-62C1-6EB47AFD4940}"/>
               </a:ext>
             </a:extLst>
           </p:cNvPr>
@@ -4744,132 +8348,15 @@
           <p:nvPr/>
         </p:nvPicPr>
         <p:blipFill>
-          <a:blip r:embed="rId5">
-            <a:extLst>
-              <a:ext uri="{28A0092B-C50C-407E-A947-70E740481C1C}">
-                <a14:useLocalDpi xmlns:a14="http://schemas.microsoft.com/office/drawing/2010/main" val="0"/>
-              </a:ext>
-              <a:ext uri="{96DAC541-7B7A-43D3-8B79-37D633B846F1}">
-                <asvg:svgBlip xmlns:asvg="http://schemas.microsoft.com/office/drawing/2016/SVG/main" r:embed="rId6"/>
-              </a:ext>
-            </a:extLst>
-          </a:blip>
+          <a:blip r:embed="rId2"/>
           <a:stretch>
             <a:fillRect/>
           </a:stretch>
         </p:blipFill>
         <p:spPr>
           <a:xfrm>
-            <a:off x="9316429" y="4971135"/>
-            <a:ext cx="708660" cy="708660"/>
-          </a:xfrm>
-          <a:prstGeom prst="rect">
-            <a:avLst/>
-          </a:prstGeom>
-        </p:spPr>
-      </p:pic>
-      <p:sp>
-        <p:nvSpPr>
-          <p:cNvPr id="59" name="Textfeld 58">
-            <a:extLst>
-              <a:ext uri="{FF2B5EF4-FFF2-40B4-BE49-F238E27FC236}">
-                <a16:creationId xmlns:a16="http://schemas.microsoft.com/office/drawing/2014/main" id="{A07455CB-D6AF-EA35-0925-87C5809BB34D}"/>
-              </a:ext>
-            </a:extLst>
-          </p:cNvPr>
-          <p:cNvSpPr txBox="1"/>
-          <p:nvPr/>
-        </p:nvSpPr>
-        <p:spPr>
-          <a:xfrm>
-            <a:off x="9082337" y="4699936"/>
-            <a:ext cx="1146364" cy="253916"/>
-          </a:xfrm>
-          <a:prstGeom prst="rect">
-            <a:avLst/>
-          </a:prstGeom>
-          <a:noFill/>
-        </p:spPr>
-        <p:txBody>
-          <a:bodyPr wrap="square" rtlCol="0">
-            <a:spAutoFit/>
-          </a:bodyPr>
-          <a:lstStyle/>
-          <a:p>
-            <a:pPr algn="ctr"/>
-            <a:r>
-              <a:rPr lang="de-DE" sz="1050" dirty="0"/>
-              <a:t>Backup</a:t>
-            </a:r>
-          </a:p>
-        </p:txBody>
-      </p:sp>
-      <p:pic>
-        <p:nvPicPr>
-          <p:cNvPr id="62" name="Grafik 61" descr="Ein Bild, das Text, ClipArt enthält.&#10;&#10;Automatisch generierte Beschreibung">
-            <a:extLst>
-              <a:ext uri="{FF2B5EF4-FFF2-40B4-BE49-F238E27FC236}">
-                <a16:creationId xmlns:a16="http://schemas.microsoft.com/office/drawing/2014/main" id="{F44728A7-404E-DB30-AAF8-FD206A627CCA}"/>
-              </a:ext>
-            </a:extLst>
-          </p:cNvPr>
-          <p:cNvPicPr>
-            <a:picLocks noChangeAspect="1"/>
-          </p:cNvPicPr>
-          <p:nvPr/>
-        </p:nvPicPr>
-        <p:blipFill>
-          <a:blip r:embed="rId13">
-            <a:extLst>
-              <a:ext uri="{28A0092B-C50C-407E-A947-70E740481C1C}">
-                <a14:useLocalDpi xmlns:a14="http://schemas.microsoft.com/office/drawing/2010/main" val="0"/>
-              </a:ext>
-            </a:extLst>
-          </a:blip>
-          <a:stretch>
-            <a:fillRect/>
-          </a:stretch>
-        </p:blipFill>
-        <p:spPr>
-          <a:xfrm>
-            <a:off x="9131402" y="5641133"/>
-            <a:ext cx="1159412" cy="445189"/>
-          </a:xfrm>
-          <a:prstGeom prst="rect">
-            <a:avLst/>
-          </a:prstGeom>
-        </p:spPr>
-      </p:pic>
-      <p:pic>
-        <p:nvPicPr>
-          <p:cNvPr id="24" name="Grafik 23" descr="Ein Bild, das Visitenkarte, Vektorgrafiken enthält.&#10;&#10;Automatisch generierte Beschreibung">
-            <a:extLst>
-              <a:ext uri="{FF2B5EF4-FFF2-40B4-BE49-F238E27FC236}">
-                <a16:creationId xmlns:a16="http://schemas.microsoft.com/office/drawing/2014/main" id="{D8E1CDB3-3020-B79C-5D57-EB7F2F06B193}"/>
-              </a:ext>
-            </a:extLst>
-          </p:cNvPr>
-          <p:cNvPicPr>
-            <a:picLocks noChangeAspect="1"/>
-          </p:cNvPicPr>
-          <p:nvPr/>
-        </p:nvPicPr>
-        <p:blipFill>
-          <a:blip r:embed="rId14">
-            <a:extLst>
-              <a:ext uri="{28A0092B-C50C-407E-A947-70E740481C1C}">
-                <a14:useLocalDpi xmlns:a14="http://schemas.microsoft.com/office/drawing/2010/main" val="0"/>
-              </a:ext>
-            </a:extLst>
-          </a:blip>
-          <a:stretch>
-            <a:fillRect/>
-          </a:stretch>
-        </p:blipFill>
-        <p:spPr>
-          <a:xfrm>
-            <a:off x="3463206" y="655350"/>
-            <a:ext cx="636289" cy="636289"/>
+            <a:off x="17241" y="2432279"/>
+            <a:ext cx="12192000" cy="2785994"/>
           </a:xfrm>
           <a:prstGeom prst="rect">
             <a:avLst/>
@@ -4879,7 +8366,7 @@
     </p:spTree>
     <p:extLst>
       <p:ext uri="{BB962C8B-B14F-4D97-AF65-F5344CB8AC3E}">
-        <p14:creationId xmlns:p14="http://schemas.microsoft.com/office/powerpoint/2010/main" val="488425310"/>
+        <p14:creationId xmlns:p14="http://schemas.microsoft.com/office/powerpoint/2010/main" val="3668612536"/>
       </p:ext>
     </p:extLst>
   </p:cSld>

--- a/Dokumentation/Datenflussdiagramm.pptx
+++ b/Dokumentation/Datenflussdiagramm.pptx
@@ -6,7 +6,6 @@
   </p:sldMasterIdLst>
   <p:sldIdLst>
     <p:sldId id="256" r:id="rId2"/>
-    <p:sldId id="257" r:id="rId3"/>
   </p:sldIdLst>
   <p:sldSz cx="12192000" cy="6858000"/>
   <p:notesSz cx="6858000" cy="9144000"/>
@@ -260,7 +259,7 @@
           <a:p>
             <a:fld id="{33A5DE37-D982-404A-ACD9-39B1632D0E11}" type="datetimeFigureOut">
               <a:rPr lang="de-DE" smtClean="0"/>
-              <a:t>19.07.2022</a:t>
+              <a:t>20.07.2022</a:t>
             </a:fld>
             <a:endParaRPr lang="de-DE" dirty="0"/>
           </a:p>
@@ -458,7 +457,7 @@
           <a:p>
             <a:fld id="{33A5DE37-D982-404A-ACD9-39B1632D0E11}" type="datetimeFigureOut">
               <a:rPr lang="de-DE" smtClean="0"/>
-              <a:t>19.07.2022</a:t>
+              <a:t>20.07.2022</a:t>
             </a:fld>
             <a:endParaRPr lang="de-DE" dirty="0"/>
           </a:p>
@@ -666,7 +665,7 @@
           <a:p>
             <a:fld id="{33A5DE37-D982-404A-ACD9-39B1632D0E11}" type="datetimeFigureOut">
               <a:rPr lang="de-DE" smtClean="0"/>
-              <a:t>19.07.2022</a:t>
+              <a:t>20.07.2022</a:t>
             </a:fld>
             <a:endParaRPr lang="de-DE" dirty="0"/>
           </a:p>
@@ -864,7 +863,7 @@
           <a:p>
             <a:fld id="{33A5DE37-D982-404A-ACD9-39B1632D0E11}" type="datetimeFigureOut">
               <a:rPr lang="de-DE" smtClean="0"/>
-              <a:t>19.07.2022</a:t>
+              <a:t>20.07.2022</a:t>
             </a:fld>
             <a:endParaRPr lang="de-DE" dirty="0"/>
           </a:p>
@@ -1139,7 +1138,7 @@
           <a:p>
             <a:fld id="{33A5DE37-D982-404A-ACD9-39B1632D0E11}" type="datetimeFigureOut">
               <a:rPr lang="de-DE" smtClean="0"/>
-              <a:t>19.07.2022</a:t>
+              <a:t>20.07.2022</a:t>
             </a:fld>
             <a:endParaRPr lang="de-DE" dirty="0"/>
           </a:p>
@@ -1404,7 +1403,7 @@
           <a:p>
             <a:fld id="{33A5DE37-D982-404A-ACD9-39B1632D0E11}" type="datetimeFigureOut">
               <a:rPr lang="de-DE" smtClean="0"/>
-              <a:t>19.07.2022</a:t>
+              <a:t>20.07.2022</a:t>
             </a:fld>
             <a:endParaRPr lang="de-DE" dirty="0"/>
           </a:p>
@@ -1816,7 +1815,7 @@
           <a:p>
             <a:fld id="{33A5DE37-D982-404A-ACD9-39B1632D0E11}" type="datetimeFigureOut">
               <a:rPr lang="de-DE" smtClean="0"/>
-              <a:t>19.07.2022</a:t>
+              <a:t>20.07.2022</a:t>
             </a:fld>
             <a:endParaRPr lang="de-DE" dirty="0"/>
           </a:p>
@@ -1957,7 +1956,7 @@
           <a:p>
             <a:fld id="{33A5DE37-D982-404A-ACD9-39B1632D0E11}" type="datetimeFigureOut">
               <a:rPr lang="de-DE" smtClean="0"/>
-              <a:t>19.07.2022</a:t>
+              <a:t>20.07.2022</a:t>
             </a:fld>
             <a:endParaRPr lang="de-DE" dirty="0"/>
           </a:p>
@@ -2070,7 +2069,7 @@
           <a:p>
             <a:fld id="{33A5DE37-D982-404A-ACD9-39B1632D0E11}" type="datetimeFigureOut">
               <a:rPr lang="de-DE" smtClean="0"/>
-              <a:t>19.07.2022</a:t>
+              <a:t>20.07.2022</a:t>
             </a:fld>
             <a:endParaRPr lang="de-DE" dirty="0"/>
           </a:p>
@@ -2381,7 +2380,7 @@
           <a:p>
             <a:fld id="{33A5DE37-D982-404A-ACD9-39B1632D0E11}" type="datetimeFigureOut">
               <a:rPr lang="de-DE" smtClean="0"/>
-              <a:t>19.07.2022</a:t>
+              <a:t>20.07.2022</a:t>
             </a:fld>
             <a:endParaRPr lang="de-DE" dirty="0"/>
           </a:p>
@@ -2669,7 +2668,7 @@
           <a:p>
             <a:fld id="{33A5DE37-D982-404A-ACD9-39B1632D0E11}" type="datetimeFigureOut">
               <a:rPr lang="de-DE" smtClean="0"/>
-              <a:t>19.07.2022</a:t>
+              <a:t>20.07.2022</a:t>
             </a:fld>
             <a:endParaRPr lang="de-DE" dirty="0"/>
           </a:p>
@@ -2910,7 +2909,7 @@
           <a:p>
             <a:fld id="{33A5DE37-D982-404A-ACD9-39B1632D0E11}" type="datetimeFigureOut">
               <a:rPr lang="de-DE" smtClean="0"/>
-              <a:t>19.07.2022</a:t>
+              <a:t>20.07.2022</a:t>
             </a:fld>
             <a:endParaRPr lang="de-DE" dirty="0"/>
           </a:p>
@@ -5644,7 +5643,7 @@
         </p:nvSpPr>
         <p:spPr>
           <a:xfrm>
-            <a:off x="3344934" y="4800144"/>
+            <a:off x="3357384" y="4809804"/>
             <a:ext cx="997715" cy="205317"/>
           </a:xfrm>
           <a:prstGeom prst="rect">
@@ -5686,7 +5685,7 @@
                   <a:schemeClr val="tx1"/>
                 </a:solidFill>
               </a:rPr>
-              <a:t>Datenprüfen</a:t>
+              <a:t>Datenqualität</a:t>
             </a:r>
             <a:endParaRPr lang="de-DE" b="1" dirty="0">
               <a:solidFill>
@@ -6038,8 +6037,8 @@
         </p:nvSpPr>
         <p:spPr>
           <a:xfrm rot="16200000">
-            <a:off x="3651435" y="4495615"/>
-            <a:ext cx="397545" cy="175683"/>
+            <a:off x="3674133" y="4472915"/>
+            <a:ext cx="345735" cy="169269"/>
           </a:xfrm>
           <a:prstGeom prst="rightArrow">
             <a:avLst/>
@@ -7497,7 +7496,7 @@
         <p:grpSpPr>
           <a:xfrm>
             <a:off x="10510722" y="2681209"/>
-            <a:ext cx="1526761" cy="229293"/>
+            <a:ext cx="1580295" cy="229293"/>
             <a:chOff x="8538274" y="3503413"/>
             <a:chExt cx="2129343" cy="402264"/>
           </a:xfrm>
@@ -7828,7 +7827,7 @@
           </a:solidFill>
           <a:ln>
             <a:solidFill>
-              <a:schemeClr val="tx1"/>
+              <a:srgbClr val="FBE5D6"/>
             </a:solidFill>
           </a:ln>
         </p:spPr>
@@ -7858,7 +7857,7 @@
               </a:lnSpc>
             </a:pPr>
             <a:r>
-              <a:rPr lang="de-DE" sz="1100" b="1" dirty="0">
+              <a:rPr lang="de-DE" sz="900" b="1" dirty="0">
                 <a:solidFill>
                   <a:schemeClr val="tx1"/>
                 </a:solidFill>
@@ -7873,7 +7872,7 @@
               </a:lnSpc>
             </a:pPr>
             <a:r>
-              <a:rPr lang="de-DE" sz="1100" b="1" dirty="0">
+              <a:rPr lang="de-DE" sz="900" b="1" dirty="0">
                 <a:solidFill>
                   <a:schemeClr val="tx1"/>
                 </a:solidFill>
@@ -7888,7 +7887,7 @@
               </a:lnSpc>
             </a:pPr>
             <a:r>
-              <a:rPr lang="de-DE" sz="1100" b="1" dirty="0">
+              <a:rPr lang="de-DE" sz="900" b="1" dirty="0">
                 <a:solidFill>
                   <a:schemeClr val="tx1"/>
                 </a:solidFill>
@@ -8179,8 +8178,8 @@
         </p:nvSpPr>
         <p:spPr>
           <a:xfrm>
-            <a:off x="2781289" y="201035"/>
-            <a:ext cx="2137836" cy="677584"/>
+            <a:off x="2834983" y="392140"/>
+            <a:ext cx="2137836" cy="566923"/>
           </a:xfrm>
           <a:prstGeom prst="chevron">
             <a:avLst>
@@ -8192,7 +8191,7 @@
           </a:solidFill>
           <a:ln>
             <a:solidFill>
-              <a:schemeClr val="tx1"/>
+              <a:srgbClr val="FBE5D6"/>
             </a:solidFill>
           </a:ln>
         </p:spPr>
@@ -8217,20 +8216,23 @@
           <a:lstStyle/>
           <a:p>
             <a:r>
-              <a:rPr lang="de-DE" sz="1050" dirty="0">
+              <a:rPr lang="de-DE" sz="900" b="1" dirty="0">
                 <a:solidFill>
                   <a:schemeClr val="tx1"/>
                 </a:solidFill>
               </a:rPr>
-              <a:t>Datenqualität 1.</a:t>
-            </a:r>
-          </a:p>
-          <a:p>
-            <a:endParaRPr lang="de-DE" sz="1050" dirty="0">
-              <a:solidFill>
-                <a:schemeClr val="tx1"/>
-              </a:solidFill>
-            </a:endParaRPr>
+              <a:t>Datenqualität</a:t>
+            </a:r>
+          </a:p>
+          <a:p>
+            <a:r>
+              <a:rPr lang="de-DE" sz="900" dirty="0">
+                <a:solidFill>
+                  <a:schemeClr val="tx1"/>
+                </a:solidFill>
+              </a:rPr>
+              <a:t>Identifikation von Unstimmigkeiten, Duplikaten und Daten ohne Informationsgehalt </a:t>
+            </a:r>
           </a:p>
         </p:txBody>
       </p:sp>
@@ -8248,8 +8250,8 @@
         </p:nvSpPr>
         <p:spPr>
           <a:xfrm>
-            <a:off x="2811785" y="942359"/>
-            <a:ext cx="2137836" cy="677584"/>
+            <a:off x="2811785" y="1403802"/>
+            <a:ext cx="2137836" cy="679082"/>
           </a:xfrm>
           <a:prstGeom prst="chevron">
             <a:avLst>
@@ -8261,7 +8263,7 @@
           </a:solidFill>
           <a:ln>
             <a:solidFill>
-              <a:schemeClr val="tx1"/>
+              <a:srgbClr val="FBE5D6"/>
             </a:solidFill>
           </a:ln>
         </p:spPr>
@@ -8286,12 +8288,22 @@
           <a:lstStyle/>
           <a:p>
             <a:r>
-              <a:rPr lang="de-DE" sz="1050" dirty="0">
+              <a:rPr lang="de-DE" sz="900" b="1" dirty="0">
                 <a:solidFill>
                   <a:schemeClr val="tx1"/>
                 </a:solidFill>
               </a:rPr>
-              <a:t>Datenqualität 2.</a:t>
+              <a:t>Anonymisierung</a:t>
+            </a:r>
+          </a:p>
+          <a:p>
+            <a:r>
+              <a:rPr lang="de-DE" sz="900" dirty="0">
+                <a:solidFill>
+                  <a:schemeClr val="tx1"/>
+                </a:solidFill>
+              </a:rPr>
+              <a:t>Verschleierung der Daten die genutzt werden könnten, um eine Person zu identifizieren  </a:t>
             </a:r>
           </a:p>
           <a:p>
@@ -8303,70 +8315,530 @@
           </a:p>
         </p:txBody>
       </p:sp>
+      <p:sp>
+        <p:nvSpPr>
+          <p:cNvPr id="106" name="Pfeil: Chevron 105">
+            <a:extLst>
+              <a:ext uri="{FF2B5EF4-FFF2-40B4-BE49-F238E27FC236}">
+                <a16:creationId xmlns:a16="http://schemas.microsoft.com/office/drawing/2014/main" id="{58B202B4-537F-347B-8ADB-C427C38B5A03}"/>
+              </a:ext>
+            </a:extLst>
+          </p:cNvPr>
+          <p:cNvSpPr/>
+          <p:nvPr/>
+        </p:nvSpPr>
+        <p:spPr>
+          <a:xfrm>
+            <a:off x="5096701" y="536905"/>
+            <a:ext cx="2137836" cy="677216"/>
+          </a:xfrm>
+          <a:prstGeom prst="chevron">
+            <a:avLst>
+              <a:gd name="adj" fmla="val 30543"/>
+            </a:avLst>
+          </a:prstGeom>
+          <a:solidFill>
+            <a:srgbClr val="FBE5D6"/>
+          </a:solidFill>
+          <a:ln>
+            <a:solidFill>
+              <a:srgbClr val="FBE5D6"/>
+            </a:solidFill>
+          </a:ln>
+        </p:spPr>
+        <p:style>
+          <a:lnRef idx="2">
+            <a:schemeClr val="accent1">
+              <a:shade val="50000"/>
+            </a:schemeClr>
+          </a:lnRef>
+          <a:fillRef idx="1">
+            <a:schemeClr val="accent1"/>
+          </a:fillRef>
+          <a:effectRef idx="0">
+            <a:schemeClr val="accent1"/>
+          </a:effectRef>
+          <a:fontRef idx="minor">
+            <a:schemeClr val="lt1"/>
+          </a:fontRef>
+        </p:style>
+        <p:txBody>
+          <a:bodyPr rtlCol="0" anchor="ctr"/>
+          <a:lstStyle/>
+          <a:p>
+            <a:r>
+              <a:rPr lang="de-DE" sz="900" b="1" dirty="0">
+                <a:solidFill>
+                  <a:schemeClr val="tx1"/>
+                </a:solidFill>
+              </a:rPr>
+              <a:t>ETL Prozess</a:t>
+            </a:r>
+          </a:p>
+          <a:p>
+            <a:r>
+              <a:rPr lang="de-DE" sz="900" dirty="0">
+                <a:solidFill>
+                  <a:schemeClr val="tx1"/>
+                </a:solidFill>
+              </a:rPr>
+              <a:t>Identifikation der Datenbasis zur Beantwortung der Forschungsfrage, erkennen von Abhängigkeiten  </a:t>
+            </a:r>
+          </a:p>
+        </p:txBody>
+      </p:sp>
+      <p:sp>
+        <p:nvSpPr>
+          <p:cNvPr id="107" name="Pfeil: Chevron 106">
+            <a:extLst>
+              <a:ext uri="{FF2B5EF4-FFF2-40B4-BE49-F238E27FC236}">
+                <a16:creationId xmlns:a16="http://schemas.microsoft.com/office/drawing/2014/main" id="{E6E4C823-E762-3B28-224D-02B99B39EA87}"/>
+              </a:ext>
+            </a:extLst>
+          </p:cNvPr>
+          <p:cNvSpPr/>
+          <p:nvPr/>
+        </p:nvSpPr>
+        <p:spPr>
+          <a:xfrm>
+            <a:off x="5115333" y="1470754"/>
+            <a:ext cx="2137836" cy="423527"/>
+          </a:xfrm>
+          <a:prstGeom prst="chevron">
+            <a:avLst>
+              <a:gd name="adj" fmla="val 30543"/>
+            </a:avLst>
+          </a:prstGeom>
+          <a:solidFill>
+            <a:srgbClr val="FBE5D6"/>
+          </a:solidFill>
+          <a:ln>
+            <a:solidFill>
+              <a:srgbClr val="FBE5D6"/>
+            </a:solidFill>
+          </a:ln>
+        </p:spPr>
+        <p:style>
+          <a:lnRef idx="2">
+            <a:schemeClr val="accent1">
+              <a:shade val="50000"/>
+            </a:schemeClr>
+          </a:lnRef>
+          <a:fillRef idx="1">
+            <a:schemeClr val="accent1"/>
+          </a:fillRef>
+          <a:effectRef idx="0">
+            <a:schemeClr val="accent1"/>
+          </a:effectRef>
+          <a:fontRef idx="minor">
+            <a:schemeClr val="lt1"/>
+          </a:fontRef>
+        </p:style>
+        <p:txBody>
+          <a:bodyPr rtlCol="0" anchor="ctr"/>
+          <a:lstStyle/>
+          <a:p>
+            <a:r>
+              <a:rPr lang="de-DE" sz="900" b="1" dirty="0">
+                <a:solidFill>
+                  <a:schemeClr val="tx1"/>
+                </a:solidFill>
+              </a:rPr>
+              <a:t>ETL Prozess</a:t>
+            </a:r>
+          </a:p>
+          <a:p>
+            <a:r>
+              <a:rPr lang="de-DE" sz="900" dirty="0">
+                <a:solidFill>
+                  <a:schemeClr val="tx1"/>
+                </a:solidFill>
+              </a:rPr>
+              <a:t>Design des Data </a:t>
+            </a:r>
+            <a:r>
+              <a:rPr lang="de-DE" sz="900" dirty="0" err="1">
+                <a:solidFill>
+                  <a:schemeClr val="tx1"/>
+                </a:solidFill>
+              </a:rPr>
+              <a:t>Warehouses</a:t>
+            </a:r>
+            <a:endParaRPr lang="de-DE" sz="900" dirty="0">
+              <a:solidFill>
+                <a:schemeClr val="tx1"/>
+              </a:solidFill>
+            </a:endParaRPr>
+          </a:p>
+        </p:txBody>
+      </p:sp>
+      <p:sp>
+        <p:nvSpPr>
+          <p:cNvPr id="116" name="Pfeil: Chevron 115">
+            <a:extLst>
+              <a:ext uri="{FF2B5EF4-FFF2-40B4-BE49-F238E27FC236}">
+                <a16:creationId xmlns:a16="http://schemas.microsoft.com/office/drawing/2014/main" id="{796DDD2E-8CD8-BBCC-10AB-829B9A8338F0}"/>
+              </a:ext>
+            </a:extLst>
+          </p:cNvPr>
+          <p:cNvSpPr/>
+          <p:nvPr/>
+        </p:nvSpPr>
+        <p:spPr>
+          <a:xfrm>
+            <a:off x="7386284" y="458064"/>
+            <a:ext cx="2137836" cy="423527"/>
+          </a:xfrm>
+          <a:prstGeom prst="chevron">
+            <a:avLst>
+              <a:gd name="adj" fmla="val 30543"/>
+            </a:avLst>
+          </a:prstGeom>
+          <a:solidFill>
+            <a:srgbClr val="FBE5D6"/>
+          </a:solidFill>
+          <a:ln>
+            <a:solidFill>
+              <a:srgbClr val="FBE5D6"/>
+            </a:solidFill>
+          </a:ln>
+        </p:spPr>
+        <p:style>
+          <a:lnRef idx="2">
+            <a:schemeClr val="accent1">
+              <a:shade val="50000"/>
+            </a:schemeClr>
+          </a:lnRef>
+          <a:fillRef idx="1">
+            <a:schemeClr val="accent1"/>
+          </a:fillRef>
+          <a:effectRef idx="0">
+            <a:schemeClr val="accent1"/>
+          </a:effectRef>
+          <a:fontRef idx="minor">
+            <a:schemeClr val="lt1"/>
+          </a:fontRef>
+        </p:style>
+        <p:txBody>
+          <a:bodyPr rtlCol="0" anchor="ctr"/>
+          <a:lstStyle/>
+          <a:p>
+            <a:r>
+              <a:rPr lang="de-DE" sz="900" b="1" dirty="0">
+                <a:solidFill>
+                  <a:schemeClr val="tx1"/>
+                </a:solidFill>
+              </a:rPr>
+              <a:t>Analyse</a:t>
+            </a:r>
+          </a:p>
+          <a:p>
+            <a:r>
+              <a:rPr lang="de-DE" sz="900" dirty="0">
+                <a:solidFill>
+                  <a:schemeClr val="tx1"/>
+                </a:solidFill>
+              </a:rPr>
+              <a:t>Design von Datenabfragen</a:t>
+            </a:r>
+          </a:p>
+        </p:txBody>
+      </p:sp>
+      <p:sp>
+        <p:nvSpPr>
+          <p:cNvPr id="117" name="Pfeil: Chevron 116">
+            <a:extLst>
+              <a:ext uri="{FF2B5EF4-FFF2-40B4-BE49-F238E27FC236}">
+                <a16:creationId xmlns:a16="http://schemas.microsoft.com/office/drawing/2014/main" id="{108BFDD2-F0DA-85B0-FB3E-32C28EE25D2E}"/>
+              </a:ext>
+            </a:extLst>
+          </p:cNvPr>
+          <p:cNvSpPr/>
+          <p:nvPr/>
+        </p:nvSpPr>
+        <p:spPr>
+          <a:xfrm>
+            <a:off x="7407871" y="1093329"/>
+            <a:ext cx="2137836" cy="423527"/>
+          </a:xfrm>
+          <a:prstGeom prst="chevron">
+            <a:avLst>
+              <a:gd name="adj" fmla="val 30543"/>
+            </a:avLst>
+          </a:prstGeom>
+          <a:solidFill>
+            <a:srgbClr val="FBE5D6"/>
+          </a:solidFill>
+          <a:ln>
+            <a:solidFill>
+              <a:srgbClr val="FBE5D6"/>
+            </a:solidFill>
+          </a:ln>
+        </p:spPr>
+        <p:style>
+          <a:lnRef idx="2">
+            <a:schemeClr val="accent1">
+              <a:shade val="50000"/>
+            </a:schemeClr>
+          </a:lnRef>
+          <a:fillRef idx="1">
+            <a:schemeClr val="accent1"/>
+          </a:fillRef>
+          <a:effectRef idx="0">
+            <a:schemeClr val="accent1"/>
+          </a:effectRef>
+          <a:fontRef idx="minor">
+            <a:schemeClr val="lt1"/>
+          </a:fontRef>
+        </p:style>
+        <p:txBody>
+          <a:bodyPr rtlCol="0" anchor="ctr"/>
+          <a:lstStyle/>
+          <a:p>
+            <a:r>
+              <a:rPr lang="de-DE" sz="900" b="1" dirty="0">
+                <a:solidFill>
+                  <a:schemeClr val="tx1"/>
+                </a:solidFill>
+              </a:rPr>
+              <a:t>Analyse</a:t>
+            </a:r>
+          </a:p>
+          <a:p>
+            <a:r>
+              <a:rPr lang="de-DE" sz="900" dirty="0">
+                <a:solidFill>
+                  <a:schemeClr val="tx1"/>
+                </a:solidFill>
+              </a:rPr>
+              <a:t>Visualisierung der Ergebnisse </a:t>
+            </a:r>
+          </a:p>
+        </p:txBody>
+      </p:sp>
+      <p:sp>
+        <p:nvSpPr>
+          <p:cNvPr id="118" name="Pfeil: Chevron 117">
+            <a:extLst>
+              <a:ext uri="{FF2B5EF4-FFF2-40B4-BE49-F238E27FC236}">
+                <a16:creationId xmlns:a16="http://schemas.microsoft.com/office/drawing/2014/main" id="{A9C981DA-73FA-6B42-B065-A5AE49D514A6}"/>
+              </a:ext>
+            </a:extLst>
+          </p:cNvPr>
+          <p:cNvSpPr/>
+          <p:nvPr/>
+        </p:nvSpPr>
+        <p:spPr>
+          <a:xfrm>
+            <a:off x="7395880" y="1724339"/>
+            <a:ext cx="2137836" cy="423527"/>
+          </a:xfrm>
+          <a:prstGeom prst="chevron">
+            <a:avLst>
+              <a:gd name="adj" fmla="val 30543"/>
+            </a:avLst>
+          </a:prstGeom>
+          <a:solidFill>
+            <a:srgbClr val="FBE5D6"/>
+          </a:solidFill>
+          <a:ln>
+            <a:solidFill>
+              <a:srgbClr val="FBE5D6"/>
+            </a:solidFill>
+          </a:ln>
+        </p:spPr>
+        <p:style>
+          <a:lnRef idx="2">
+            <a:schemeClr val="accent1">
+              <a:shade val="50000"/>
+            </a:schemeClr>
+          </a:lnRef>
+          <a:fillRef idx="1">
+            <a:schemeClr val="accent1"/>
+          </a:fillRef>
+          <a:effectRef idx="0">
+            <a:schemeClr val="accent1"/>
+          </a:effectRef>
+          <a:fontRef idx="minor">
+            <a:schemeClr val="lt1"/>
+          </a:fontRef>
+        </p:style>
+        <p:txBody>
+          <a:bodyPr rtlCol="0" anchor="ctr"/>
+          <a:lstStyle/>
+          <a:p>
+            <a:r>
+              <a:rPr lang="de-DE" sz="900" b="1" dirty="0">
+                <a:solidFill>
+                  <a:schemeClr val="tx1"/>
+                </a:solidFill>
+              </a:rPr>
+              <a:t>Analyse</a:t>
+            </a:r>
+          </a:p>
+          <a:p>
+            <a:r>
+              <a:rPr lang="de-DE" sz="900" dirty="0">
+                <a:solidFill>
+                  <a:schemeClr val="tx1"/>
+                </a:solidFill>
+              </a:rPr>
+              <a:t>Auswertung der Ergebnisse</a:t>
+            </a:r>
+          </a:p>
+        </p:txBody>
+      </p:sp>
+      <p:grpSp>
+        <p:nvGrpSpPr>
+          <p:cNvPr id="11" name="Gruppieren 10">
+            <a:extLst>
+              <a:ext uri="{FF2B5EF4-FFF2-40B4-BE49-F238E27FC236}">
+                <a16:creationId xmlns:a16="http://schemas.microsoft.com/office/drawing/2014/main" id="{976B654E-2C8F-FC34-7C1B-311075089A4E}"/>
+              </a:ext>
+            </a:extLst>
+          </p:cNvPr>
+          <p:cNvGrpSpPr/>
+          <p:nvPr/>
+        </p:nvGrpSpPr>
+        <p:grpSpPr>
+          <a:xfrm>
+            <a:off x="9788134" y="447864"/>
+            <a:ext cx="2225322" cy="1700001"/>
+            <a:chOff x="9788134" y="447864"/>
+            <a:chExt cx="2225322" cy="1700001"/>
+          </a:xfrm>
+        </p:grpSpPr>
+        <p:sp>
+          <p:nvSpPr>
+            <p:cNvPr id="120" name="Pfeil: Chevron 119">
+              <a:extLst>
+                <a:ext uri="{FF2B5EF4-FFF2-40B4-BE49-F238E27FC236}">
+                  <a16:creationId xmlns:a16="http://schemas.microsoft.com/office/drawing/2014/main" id="{9D0BDCAD-4570-4226-0D40-D3D8155E669A}"/>
+                </a:ext>
+              </a:extLst>
+            </p:cNvPr>
+            <p:cNvSpPr/>
+            <p:nvPr/>
+          </p:nvSpPr>
+          <p:spPr>
+            <a:xfrm>
+              <a:off x="9788134" y="447864"/>
+              <a:ext cx="2137836" cy="1700001"/>
+            </a:xfrm>
+            <a:prstGeom prst="chevron">
+              <a:avLst>
+                <a:gd name="adj" fmla="val 30543"/>
+              </a:avLst>
+            </a:prstGeom>
+            <a:solidFill>
+              <a:srgbClr val="FBE5D6"/>
+            </a:solidFill>
+            <a:ln>
+              <a:solidFill>
+                <a:srgbClr val="FBE5D6"/>
+              </a:solidFill>
+            </a:ln>
+          </p:spPr>
+          <p:style>
+            <a:lnRef idx="2">
+              <a:schemeClr val="accent1">
+                <a:shade val="50000"/>
+              </a:schemeClr>
+            </a:lnRef>
+            <a:fillRef idx="1">
+              <a:schemeClr val="accent1"/>
+            </a:fillRef>
+            <a:effectRef idx="0">
+              <a:schemeClr val="accent1"/>
+            </a:effectRef>
+            <a:fontRef idx="minor">
+              <a:schemeClr val="lt1"/>
+            </a:fontRef>
+          </p:style>
+          <p:txBody>
+            <a:bodyPr rtlCol="0" anchor="ctr"/>
+            <a:lstStyle/>
+            <a:p>
+              <a:r>
+                <a:rPr lang="de-DE" sz="900" b="1" dirty="0">
+                  <a:solidFill>
+                    <a:schemeClr val="tx1"/>
+                  </a:solidFill>
+                </a:rPr>
+                <a:t>Präsentation </a:t>
+              </a:r>
+            </a:p>
+            <a:p>
+              <a:r>
+                <a:rPr lang="de-DE" sz="900" dirty="0">
+                  <a:solidFill>
+                    <a:schemeClr val="tx1"/>
+                  </a:solidFill>
+                </a:rPr>
+                <a:t>Zusammenfassung der verwendeten Daten, Aufbau des ETL Prozesses und Darstellung der Ergebnisse</a:t>
+              </a:r>
+            </a:p>
+          </p:txBody>
+        </p:sp>
+        <p:sp>
+          <p:nvSpPr>
+            <p:cNvPr id="10" name="Rechteck 9">
+              <a:extLst>
+                <a:ext uri="{FF2B5EF4-FFF2-40B4-BE49-F238E27FC236}">
+                  <a16:creationId xmlns:a16="http://schemas.microsoft.com/office/drawing/2014/main" id="{2D7DD034-76B6-63EB-85AA-DC1FA60DC510}"/>
+                </a:ext>
+              </a:extLst>
+            </p:cNvPr>
+            <p:cNvSpPr/>
+            <p:nvPr/>
+          </p:nvSpPr>
+          <p:spPr>
+            <a:xfrm>
+              <a:off x="11384280" y="447864"/>
+              <a:ext cx="629176" cy="1700001"/>
+            </a:xfrm>
+            <a:prstGeom prst="rect">
+              <a:avLst/>
+            </a:prstGeom>
+            <a:solidFill>
+              <a:srgbClr val="FBE5D6"/>
+            </a:solidFill>
+            <a:ln>
+              <a:solidFill>
+                <a:srgbClr val="FBE5D6"/>
+              </a:solidFill>
+            </a:ln>
+          </p:spPr>
+          <p:style>
+            <a:lnRef idx="2">
+              <a:schemeClr val="accent1">
+                <a:shade val="50000"/>
+              </a:schemeClr>
+            </a:lnRef>
+            <a:fillRef idx="1">
+              <a:schemeClr val="accent1"/>
+            </a:fillRef>
+            <a:effectRef idx="0">
+              <a:schemeClr val="accent1"/>
+            </a:effectRef>
+            <a:fontRef idx="minor">
+              <a:schemeClr val="lt1"/>
+            </a:fontRef>
+          </p:style>
+          <p:txBody>
+            <a:bodyPr rtlCol="0" anchor="ctr"/>
+            <a:lstStyle/>
+            <a:p>
+              <a:pPr algn="ctr"/>
+              <a:endParaRPr lang="de-DE"/>
+            </a:p>
+          </p:txBody>
+        </p:sp>
+      </p:grpSp>
     </p:spTree>
     <p:extLst>
       <p:ext uri="{BB962C8B-B14F-4D97-AF65-F5344CB8AC3E}">
         <p14:creationId xmlns:p14="http://schemas.microsoft.com/office/powerpoint/2010/main" val="2470490278"/>
-      </p:ext>
-    </p:extLst>
-  </p:cSld>
-  <p:clrMapOvr>
-    <a:masterClrMapping/>
-  </p:clrMapOvr>
-</p:sld>
-</file>
-
-<file path=ppt/slides/slide2.xml><?xml version="1.0" encoding="utf-8"?>
-<p:sld xmlns:a="http://schemas.openxmlformats.org/drawingml/2006/main" xmlns:r="http://schemas.openxmlformats.org/officeDocument/2006/relationships" xmlns:p="http://schemas.openxmlformats.org/presentationml/2006/main">
-  <p:cSld>
-    <p:spTree>
-      <p:nvGrpSpPr>
-        <p:cNvPr id="1" name=""/>
-        <p:cNvGrpSpPr/>
-        <p:nvPr/>
-      </p:nvGrpSpPr>
-      <p:grpSpPr>
-        <a:xfrm>
-          <a:off x="0" y="0"/>
-          <a:ext cx="0" cy="0"/>
-          <a:chOff x="0" y="0"/>
-          <a:chExt cx="0" cy="0"/>
-        </a:xfrm>
-      </p:grpSpPr>
-      <p:pic>
-        <p:nvPicPr>
-          <p:cNvPr id="4" name="Grafik 3">
-            <a:extLst>
-              <a:ext uri="{FF2B5EF4-FFF2-40B4-BE49-F238E27FC236}">
-                <a16:creationId xmlns:a16="http://schemas.microsoft.com/office/drawing/2014/main" id="{30B7E439-6E9B-570F-62C1-6EB47AFD4940}"/>
-              </a:ext>
-            </a:extLst>
-          </p:cNvPr>
-          <p:cNvPicPr>
-            <a:picLocks noChangeAspect="1"/>
-          </p:cNvPicPr>
-          <p:nvPr/>
-        </p:nvPicPr>
-        <p:blipFill>
-          <a:blip r:embed="rId2"/>
-          <a:stretch>
-            <a:fillRect/>
-          </a:stretch>
-        </p:blipFill>
-        <p:spPr>
-          <a:xfrm>
-            <a:off x="17241" y="2432279"/>
-            <a:ext cx="12192000" cy="2785994"/>
-          </a:xfrm>
-          <a:prstGeom prst="rect">
-            <a:avLst/>
-          </a:prstGeom>
-        </p:spPr>
-      </p:pic>
-    </p:spTree>
-    <p:extLst>
-      <p:ext uri="{BB962C8B-B14F-4D97-AF65-F5344CB8AC3E}">
-        <p14:creationId xmlns:p14="http://schemas.microsoft.com/office/powerpoint/2010/main" val="3668612536"/>
       </p:ext>
     </p:extLst>
   </p:cSld>
